--- a/share/草稿/备份/分享.pptx
+++ b/share/草稿/备份/分享.pptx
@@ -5,7 +5,7 @@
     <p:sldMasterId id="2147483648" r:id="rId1"/>
   </p:sldMasterIdLst>
   <p:notesMasterIdLst>
-    <p:notesMasterId r:id="rId11"/>
+    <p:notesMasterId r:id="rId12"/>
   </p:notesMasterIdLst>
   <p:sldIdLst>
     <p:sldId id="256" r:id="rId2"/>
@@ -13,15 +13,16 @@
     <p:sldId id="295" r:id="rId4"/>
     <p:sldId id="279" r:id="rId5"/>
     <p:sldId id="297" r:id="rId6"/>
-    <p:sldId id="280" r:id="rId7"/>
-    <p:sldId id="294" r:id="rId8"/>
-    <p:sldId id="291" r:id="rId9"/>
-    <p:sldId id="261" r:id="rId10"/>
+    <p:sldId id="298" r:id="rId7"/>
+    <p:sldId id="280" r:id="rId8"/>
+    <p:sldId id="294" r:id="rId9"/>
+    <p:sldId id="299" r:id="rId10"/>
+    <p:sldId id="261" r:id="rId11"/>
   </p:sldIdLst>
   <p:sldSz cx="12192000" cy="6858000"/>
   <p:notesSz cx="6858000" cy="9144000"/>
   <p:custDataLst>
-    <p:tags r:id="rId12"/>
+    <p:tags r:id="rId13"/>
   </p:custDataLst>
   <p:defaultTextStyle>
     <a:defPPr>
@@ -120,7 +121,7 @@
   </p:defaultTextStyle>
   <p:extLst>
     <p:ext uri="{EFAFB233-063F-42B5-8137-9DF3F51BA10A}">
-      <p15:sldGuideLst xmlns="" xmlns:p15="http://schemas.microsoft.com/office/powerpoint/2012/main"/>
+      <p15:sldGuideLst xmlns:p15="http://schemas.microsoft.com/office/powerpoint/2012/main" xmlns=""/>
     </p:ext>
   </p:extLst>
 </p:presentation>
@@ -209,7 +210,7 @@
             <a:fld id="{E86D8963-CFCD-4740-AF60-049850373CDF}" type="datetimeFigureOut">
               <a:rPr lang="zh-CN" altLang="en-US" smtClean="0"/>
               <a:pPr/>
-              <a:t>2019/6/13</a:t>
+              <a:t>2019/6/20</a:t>
             </a:fld>
             <a:endParaRPr lang="zh-CN" altLang="en-US"/>
           </a:p>
@@ -377,7 +378,7 @@
     </p:spTree>
     <p:extLst>
       <p:ext uri="{BB962C8B-B14F-4D97-AF65-F5344CB8AC3E}">
-        <p14:creationId xmlns="" xmlns:p14="http://schemas.microsoft.com/office/powerpoint/2010/main" val="2184981559"/>
+        <p14:creationId xmlns:p14="http://schemas.microsoft.com/office/powerpoint/2010/main" xmlns="" val="2184981559"/>
       </p:ext>
     </p:extLst>
   </p:cSld>
@@ -499,7 +500,7 @@
           <p:cNvPr id="17" name="任意多边形: 形状 16">
             <a:extLst>
               <a:ext uri="{FF2B5EF4-FFF2-40B4-BE49-F238E27FC236}">
-                <a16:creationId xmlns="" xmlns:a16="http://schemas.microsoft.com/office/drawing/2014/main" id="{6752DADE-F8A9-48AE-B0CB-681361D167C1}"/>
+                <a16:creationId xmlns:a16="http://schemas.microsoft.com/office/drawing/2014/main" xmlns="" id="{6752DADE-F8A9-48AE-B0CB-681361D167C1}"/>
               </a:ext>
             </a:extLst>
           </p:cNvPr>
@@ -845,7 +846,7 @@
     </p:spTree>
     <p:extLst>
       <p:ext uri="{BB962C8B-B14F-4D97-AF65-F5344CB8AC3E}">
-        <p14:creationId xmlns="" xmlns:p14="http://schemas.microsoft.com/office/powerpoint/2010/main" val="2882586885"/>
+        <p14:creationId xmlns:p14="http://schemas.microsoft.com/office/powerpoint/2010/main" xmlns="" val="2882586885"/>
       </p:ext>
     </p:extLst>
   </p:cSld>
@@ -1032,7 +1033,7 @@
     </p:spTree>
     <p:extLst>
       <p:ext uri="{BB962C8B-B14F-4D97-AF65-F5344CB8AC3E}">
-        <p14:creationId xmlns="" xmlns:p14="http://schemas.microsoft.com/office/powerpoint/2010/main" val="2853334272"/>
+        <p14:creationId xmlns:p14="http://schemas.microsoft.com/office/powerpoint/2010/main" xmlns="" val="2853334272"/>
       </p:ext>
     </p:extLst>
   </p:cSld>
@@ -1152,7 +1153,7 @@
             <a:fld id="{6489D9C7-5DC6-4263-87FF-7C99F6FB63C3}" type="datetime1">
               <a:rPr lang="zh-CN" altLang="en-US" smtClean="0"/>
               <a:pPr/>
-              <a:t>2019/6/13</a:t>
+              <a:t>2019/6/20</a:t>
             </a:fld>
             <a:endParaRPr lang="zh-CN" altLang="en-US"/>
           </a:p>
@@ -1208,7 +1209,7 @@
     </p:spTree>
     <p:extLst>
       <p:ext uri="{BB962C8B-B14F-4D97-AF65-F5344CB8AC3E}">
-        <p14:creationId xmlns="" xmlns:p14="http://schemas.microsoft.com/office/powerpoint/2010/main" val="568967019"/>
+        <p14:creationId xmlns:p14="http://schemas.microsoft.com/office/powerpoint/2010/main" xmlns="" val="568967019"/>
       </p:ext>
     </p:extLst>
   </p:cSld>
@@ -1276,7 +1277,7 @@
             <a:fld id="{6489D9C7-5DC6-4263-87FF-7C99F6FB63C3}" type="datetime1">
               <a:rPr lang="zh-CN" altLang="en-US" smtClean="0"/>
               <a:pPr/>
-              <a:t>2019/6/13</a:t>
+              <a:t>2019/6/20</a:t>
             </a:fld>
             <a:endParaRPr lang="zh-CN" altLang="en-US"/>
           </a:p>
@@ -1332,7 +1333,7 @@
     </p:spTree>
     <p:extLst>
       <p:ext uri="{BB962C8B-B14F-4D97-AF65-F5344CB8AC3E}">
-        <p14:creationId xmlns="" xmlns:p14="http://schemas.microsoft.com/office/powerpoint/2010/main" val="758174878"/>
+        <p14:creationId xmlns:p14="http://schemas.microsoft.com/office/powerpoint/2010/main" xmlns="" val="758174878"/>
       </p:ext>
     </p:extLst>
   </p:cSld>
@@ -1362,7 +1363,7 @@
     </p:spTree>
     <p:extLst>
       <p:ext uri="{BB962C8B-B14F-4D97-AF65-F5344CB8AC3E}">
-        <p14:creationId xmlns="" xmlns:p14="http://schemas.microsoft.com/office/powerpoint/2010/main" val="3417728624"/>
+        <p14:creationId xmlns:p14="http://schemas.microsoft.com/office/powerpoint/2010/main" xmlns="" val="3417728624"/>
       </p:ext>
     </p:extLst>
   </p:cSld>
@@ -1537,7 +1538,7 @@
           <p:cNvPr id="18" name="任意多边形: 形状 17">
             <a:extLst>
               <a:ext uri="{FF2B5EF4-FFF2-40B4-BE49-F238E27FC236}">
-                <a16:creationId xmlns="" xmlns:a16="http://schemas.microsoft.com/office/drawing/2014/main" id="{2ADC3407-11E9-442A-BD63-36C8BD427456}"/>
+                <a16:creationId xmlns:a16="http://schemas.microsoft.com/office/drawing/2014/main" xmlns="" id="{2ADC3407-11E9-442A-BD63-36C8BD427456}"/>
               </a:ext>
             </a:extLst>
           </p:cNvPr>
@@ -1634,7 +1635,7 @@
     </p:spTree>
     <p:extLst>
       <p:ext uri="{BB962C8B-B14F-4D97-AF65-F5344CB8AC3E}">
-        <p14:creationId xmlns="" xmlns:p14="http://schemas.microsoft.com/office/powerpoint/2010/main" val="2378658405"/>
+        <p14:creationId xmlns:p14="http://schemas.microsoft.com/office/powerpoint/2010/main" xmlns="" val="2378658405"/>
       </p:ext>
     </p:extLst>
   </p:cSld>
@@ -1801,7 +1802,7 @@
             <a:fld id="{6489D9C7-5DC6-4263-87FF-7C99F6FB63C3}" type="datetime1">
               <a:rPr lang="zh-CN" altLang="en-US" smtClean="0"/>
               <a:pPr/>
-              <a:t>2019/6/13</a:t>
+              <a:t>2019/6/20</a:t>
             </a:fld>
             <a:endParaRPr lang="zh-CN" altLang="en-US"/>
           </a:p>
@@ -1933,7 +1934,7 @@
     </p:spTree>
     <p:extLst>
       <p:ext uri="{BB962C8B-B14F-4D97-AF65-F5344CB8AC3E}">
-        <p14:creationId xmlns="" xmlns:p14="http://schemas.microsoft.com/office/powerpoint/2010/main" val="3784027784"/>
+        <p14:creationId xmlns:p14="http://schemas.microsoft.com/office/powerpoint/2010/main" xmlns="" val="3784027784"/>
       </p:ext>
     </p:extLst>
   </p:cSld>
@@ -2229,7 +2230,7 @@
   </p:txStyles>
   <p:extLst mod="1">
     <p:ext uri="{27BBF7A9-308A-43DC-89C8-2F10F3537804}">
-      <p15:sldGuideLst xmlns="" xmlns:p15="http://schemas.microsoft.com/office/powerpoint/2012/main">
+      <p15:sldGuideLst xmlns:p15="http://schemas.microsoft.com/office/powerpoint/2012/main" xmlns="">
         <p15:guide id="1" pos="422" userDrawn="1">
           <p15:clr>
             <a:srgbClr val="F26B43"/>
@@ -2285,29 +2286,6 @@
       </p:grpSpPr>
       <p:sp>
         <p:nvSpPr>
-          <p:cNvPr id="5" name="副标题 4"/>
-          <p:cNvSpPr>
-            <a:spLocks noGrp="1"/>
-          </p:cNvSpPr>
-          <p:nvPr>
-            <p:ph type="subTitle" idx="1"/>
-          </p:nvPr>
-        </p:nvSpPr>
-        <p:spPr/>
-        <p:txBody>
-          <a:bodyPr/>
-          <a:lstStyle/>
-          <a:p>
-            <a:r>
-              <a:rPr lang="en-US" altLang="zh-CN" dirty="0" smtClean="0"/>
-              <a:t>Subtitle</a:t>
-            </a:r>
-            <a:endParaRPr lang="en-US" altLang="zh-CN" dirty="0"/>
-          </a:p>
-        </p:txBody>
-      </p:sp>
-      <p:sp>
-        <p:nvSpPr>
           <p:cNvPr id="4" name="标题 3"/>
           <p:cNvSpPr>
             <a:spLocks noGrp="1"/>
@@ -2389,7 +2367,7 @@
           <p:cNvPr id="62" name="直接连接符 61">
             <a:extLst>
               <a:ext uri="{FF2B5EF4-FFF2-40B4-BE49-F238E27FC236}">
-                <a16:creationId xmlns="" xmlns:a16="http://schemas.microsoft.com/office/drawing/2014/main" id="{F2B89207-842B-4543-8439-B5BA11649F09}"/>
+                <a16:creationId xmlns:a16="http://schemas.microsoft.com/office/drawing/2014/main" xmlns="" id="{F2B89207-842B-4543-8439-B5BA11649F09}"/>
               </a:ext>
             </a:extLst>
           </p:cNvPr>
@@ -2424,7 +2402,2216 @@
     </p:spTree>
     <p:extLst>
       <p:ext uri="{BB962C8B-B14F-4D97-AF65-F5344CB8AC3E}">
-        <p14:creationId xmlns="" xmlns:p14="http://schemas.microsoft.com/office/powerpoint/2010/main" val="2271741893"/>
+        <p14:creationId xmlns:p14="http://schemas.microsoft.com/office/powerpoint/2010/main" xmlns="" val="2271741893"/>
+      </p:ext>
+    </p:extLst>
+  </p:cSld>
+  <p:clrMapOvr>
+    <a:masterClrMapping/>
+  </p:clrMapOvr>
+  <p:timing>
+    <p:tnLst>
+      <p:par>
+        <p:cTn id="1" dur="indefinite" restart="never" nodeType="tmRoot"/>
+      </p:par>
+    </p:tnLst>
+  </p:timing>
+</p:sld>
+</file>
+
+<file path=ppt/slides/slide10.xml><?xml version="1.0" encoding="utf-8"?>
+<p:sld xmlns:a="http://schemas.openxmlformats.org/drawingml/2006/main" xmlns:r="http://schemas.openxmlformats.org/officeDocument/2006/relationships" xmlns:p="http://schemas.openxmlformats.org/presentationml/2006/main">
+  <p:cSld>
+    <p:spTree>
+      <p:nvGrpSpPr>
+        <p:cNvPr id="1" name=""/>
+        <p:cNvGrpSpPr/>
+        <p:nvPr/>
+      </p:nvGrpSpPr>
+      <p:grpSpPr>
+        <a:xfrm>
+          <a:off x="0" y="0"/>
+          <a:ext cx="0" cy="0"/>
+          <a:chOff x="0" y="0"/>
+          <a:chExt cx="0" cy="0"/>
+        </a:xfrm>
+      </p:grpSpPr>
+      <p:grpSp>
+        <p:nvGrpSpPr>
+          <p:cNvPr id="8" name="组合 7">
+            <a:extLst>
+              <a:ext uri="{FF2B5EF4-FFF2-40B4-BE49-F238E27FC236}">
+                <a16:creationId xmlns:a16="http://schemas.microsoft.com/office/drawing/2014/main" xmlns="" id="{EF4A9425-6528-4782-A738-982A41E38201}"/>
+              </a:ext>
+            </a:extLst>
+          </p:cNvPr>
+          <p:cNvGrpSpPr/>
+          <p:nvPr/>
+        </p:nvGrpSpPr>
+        <p:grpSpPr>
+          <a:xfrm>
+            <a:off x="7139655" y="2089872"/>
+            <a:ext cx="2097478" cy="911394"/>
+            <a:chOff x="2855913" y="-477838"/>
+            <a:chExt cx="5757862" cy="2501900"/>
+          </a:xfrm>
+          <a:solidFill>
+            <a:schemeClr val="accent1"/>
+          </a:solidFill>
+        </p:grpSpPr>
+        <p:sp>
+          <p:nvSpPr>
+            <p:cNvPr id="9" name="Freeform 5">
+              <a:extLst>
+                <a:ext uri="{FF2B5EF4-FFF2-40B4-BE49-F238E27FC236}">
+                  <a16:creationId xmlns:a16="http://schemas.microsoft.com/office/drawing/2014/main" xmlns="" id="{5593E324-718B-4BDE-A814-D8F20D9707CC}"/>
+                </a:ext>
+              </a:extLst>
+            </p:cNvPr>
+            <p:cNvSpPr>
+              <a:spLocks/>
+            </p:cNvSpPr>
+            <p:nvPr/>
+          </p:nvSpPr>
+          <p:spPr bwMode="auto">
+            <a:xfrm>
+              <a:off x="2855913" y="76200"/>
+              <a:ext cx="1317625" cy="1687513"/>
+            </a:xfrm>
+            <a:custGeom>
+              <a:avLst/>
+              <a:gdLst>
+                <a:gd name="T0" fmla="*/ 557 w 702"/>
+                <a:gd name="T1" fmla="*/ 136 h 898"/>
+                <a:gd name="T2" fmla="*/ 681 w 702"/>
+                <a:gd name="T3" fmla="*/ 72 h 898"/>
+                <a:gd name="T4" fmla="*/ 700 w 702"/>
+                <a:gd name="T5" fmla="*/ 55 h 898"/>
+                <a:gd name="T6" fmla="*/ 673 w 702"/>
+                <a:gd name="T7" fmla="*/ 31 h 898"/>
+                <a:gd name="T8" fmla="*/ 656 w 702"/>
+                <a:gd name="T9" fmla="*/ 16 h 898"/>
+                <a:gd name="T10" fmla="*/ 569 w 702"/>
+                <a:gd name="T11" fmla="*/ 21 h 898"/>
+                <a:gd name="T12" fmla="*/ 286 w 702"/>
+                <a:gd name="T13" fmla="*/ 79 h 898"/>
+                <a:gd name="T14" fmla="*/ 38 w 702"/>
+                <a:gd name="T15" fmla="*/ 130 h 898"/>
+                <a:gd name="T16" fmla="*/ 4 w 702"/>
+                <a:gd name="T17" fmla="*/ 193 h 898"/>
+                <a:gd name="T18" fmla="*/ 34 w 702"/>
+                <a:gd name="T19" fmla="*/ 231 h 898"/>
+                <a:gd name="T20" fmla="*/ 216 w 702"/>
+                <a:gd name="T21" fmla="*/ 210 h 898"/>
+                <a:gd name="T22" fmla="*/ 381 w 702"/>
+                <a:gd name="T23" fmla="*/ 176 h 898"/>
+                <a:gd name="T24" fmla="*/ 374 w 702"/>
+                <a:gd name="T25" fmla="*/ 216 h 898"/>
+                <a:gd name="T26" fmla="*/ 351 w 702"/>
+                <a:gd name="T27" fmla="*/ 487 h 898"/>
+                <a:gd name="T28" fmla="*/ 338 w 702"/>
+                <a:gd name="T29" fmla="*/ 716 h 898"/>
+                <a:gd name="T30" fmla="*/ 329 w 702"/>
+                <a:gd name="T31" fmla="*/ 755 h 898"/>
+                <a:gd name="T32" fmla="*/ 350 w 702"/>
+                <a:gd name="T33" fmla="*/ 771 h 898"/>
+                <a:gd name="T34" fmla="*/ 350 w 702"/>
+                <a:gd name="T35" fmla="*/ 799 h 898"/>
+                <a:gd name="T36" fmla="*/ 345 w 702"/>
+                <a:gd name="T37" fmla="*/ 843 h 898"/>
+                <a:gd name="T38" fmla="*/ 358 w 702"/>
+                <a:gd name="T39" fmla="*/ 840 h 898"/>
+                <a:gd name="T40" fmla="*/ 397 w 702"/>
+                <a:gd name="T41" fmla="*/ 885 h 898"/>
+                <a:gd name="T42" fmla="*/ 402 w 702"/>
+                <a:gd name="T43" fmla="*/ 896 h 898"/>
+                <a:gd name="T44" fmla="*/ 412 w 702"/>
+                <a:gd name="T45" fmla="*/ 870 h 898"/>
+                <a:gd name="T46" fmla="*/ 427 w 702"/>
+                <a:gd name="T47" fmla="*/ 828 h 898"/>
+                <a:gd name="T48" fmla="*/ 444 w 702"/>
+                <a:gd name="T49" fmla="*/ 704 h 898"/>
+                <a:gd name="T50" fmla="*/ 534 w 702"/>
+                <a:gd name="T51" fmla="*/ 164 h 898"/>
+                <a:gd name="T52" fmla="*/ 557 w 702"/>
+                <a:gd name="T53" fmla="*/ 136 h 898"/>
+              </a:gdLst>
+              <a:ahLst/>
+              <a:cxnLst>
+                <a:cxn ang="0">
+                  <a:pos x="T0" y="T1"/>
+                </a:cxn>
+                <a:cxn ang="0">
+                  <a:pos x="T2" y="T3"/>
+                </a:cxn>
+                <a:cxn ang="0">
+                  <a:pos x="T4" y="T5"/>
+                </a:cxn>
+                <a:cxn ang="0">
+                  <a:pos x="T6" y="T7"/>
+                </a:cxn>
+                <a:cxn ang="0">
+                  <a:pos x="T8" y="T9"/>
+                </a:cxn>
+                <a:cxn ang="0">
+                  <a:pos x="T10" y="T11"/>
+                </a:cxn>
+                <a:cxn ang="0">
+                  <a:pos x="T12" y="T13"/>
+                </a:cxn>
+                <a:cxn ang="0">
+                  <a:pos x="T14" y="T15"/>
+                </a:cxn>
+                <a:cxn ang="0">
+                  <a:pos x="T16" y="T17"/>
+                </a:cxn>
+                <a:cxn ang="0">
+                  <a:pos x="T18" y="T19"/>
+                </a:cxn>
+                <a:cxn ang="0">
+                  <a:pos x="T20" y="T21"/>
+                </a:cxn>
+                <a:cxn ang="0">
+                  <a:pos x="T22" y="T23"/>
+                </a:cxn>
+                <a:cxn ang="0">
+                  <a:pos x="T24" y="T25"/>
+                </a:cxn>
+                <a:cxn ang="0">
+                  <a:pos x="T26" y="T27"/>
+                </a:cxn>
+                <a:cxn ang="0">
+                  <a:pos x="T28" y="T29"/>
+                </a:cxn>
+                <a:cxn ang="0">
+                  <a:pos x="T30" y="T31"/>
+                </a:cxn>
+                <a:cxn ang="0">
+                  <a:pos x="T32" y="T33"/>
+                </a:cxn>
+                <a:cxn ang="0">
+                  <a:pos x="T34" y="T35"/>
+                </a:cxn>
+                <a:cxn ang="0">
+                  <a:pos x="T36" y="T37"/>
+                </a:cxn>
+                <a:cxn ang="0">
+                  <a:pos x="T38" y="T39"/>
+                </a:cxn>
+                <a:cxn ang="0">
+                  <a:pos x="T40" y="T41"/>
+                </a:cxn>
+                <a:cxn ang="0">
+                  <a:pos x="T42" y="T43"/>
+                </a:cxn>
+                <a:cxn ang="0">
+                  <a:pos x="T44" y="T45"/>
+                </a:cxn>
+                <a:cxn ang="0">
+                  <a:pos x="T46" y="T47"/>
+                </a:cxn>
+                <a:cxn ang="0">
+                  <a:pos x="T48" y="T49"/>
+                </a:cxn>
+                <a:cxn ang="0">
+                  <a:pos x="T50" y="T51"/>
+                </a:cxn>
+                <a:cxn ang="0">
+                  <a:pos x="T52" y="T53"/>
+                </a:cxn>
+              </a:cxnLst>
+              <a:rect l="0" t="0" r="r" b="b"/>
+              <a:pathLst>
+                <a:path w="702" h="898">
+                  <a:moveTo>
+                    <a:pt x="557" y="136"/>
+                  </a:moveTo>
+                  <a:cubicBezTo>
+                    <a:pt x="599" y="117"/>
+                    <a:pt x="649" y="111"/>
+                    <a:pt x="681" y="72"/>
+                  </a:cubicBezTo>
+                  <a:cubicBezTo>
+                    <a:pt x="686" y="65"/>
+                    <a:pt x="702" y="68"/>
+                    <a:pt x="700" y="55"/>
+                  </a:cubicBezTo>
+                  <a:cubicBezTo>
+                    <a:pt x="698" y="40"/>
+                    <a:pt x="685" y="35"/>
+                    <a:pt x="673" y="31"/>
+                  </a:cubicBezTo>
+                  <a:cubicBezTo>
+                    <a:pt x="666" y="27"/>
+                    <a:pt x="680" y="0"/>
+                    <a:pt x="656" y="16"/>
+                  </a:cubicBezTo>
+                  <a:cubicBezTo>
+                    <a:pt x="627" y="16"/>
+                    <a:pt x="598" y="15"/>
+                    <a:pt x="569" y="21"/>
+                  </a:cubicBezTo>
+                  <a:cubicBezTo>
+                    <a:pt x="475" y="41"/>
+                    <a:pt x="380" y="60"/>
+                    <a:pt x="286" y="79"/>
+                  </a:cubicBezTo>
+                  <a:cubicBezTo>
+                    <a:pt x="203" y="96"/>
+                    <a:pt x="121" y="114"/>
+                    <a:pt x="38" y="130"/>
+                  </a:cubicBezTo>
+                  <a:cubicBezTo>
+                    <a:pt x="0" y="138"/>
+                    <a:pt x="7" y="167"/>
+                    <a:pt x="4" y="193"/>
+                  </a:cubicBezTo>
+                  <a:cubicBezTo>
+                    <a:pt x="1" y="216"/>
+                    <a:pt x="12" y="226"/>
+                    <a:pt x="34" y="231"/>
+                  </a:cubicBezTo>
+                  <a:cubicBezTo>
+                    <a:pt x="98" y="247"/>
+                    <a:pt x="156" y="221"/>
+                    <a:pt x="216" y="210"/>
+                  </a:cubicBezTo>
+                  <a:cubicBezTo>
+                    <a:pt x="271" y="201"/>
+                    <a:pt x="324" y="180"/>
+                    <a:pt x="381" y="176"/>
+                  </a:cubicBezTo>
+                  <a:cubicBezTo>
+                    <a:pt x="378" y="192"/>
+                    <a:pt x="375" y="204"/>
+                    <a:pt x="374" y="216"/>
+                  </a:cubicBezTo>
+                  <a:cubicBezTo>
+                    <a:pt x="362" y="306"/>
+                    <a:pt x="365" y="397"/>
+                    <a:pt x="351" y="487"/>
+                  </a:cubicBezTo>
+                  <a:cubicBezTo>
+                    <a:pt x="338" y="562"/>
+                    <a:pt x="341" y="640"/>
+                    <a:pt x="338" y="716"/>
+                  </a:cubicBezTo>
+                  <a:cubicBezTo>
+                    <a:pt x="335" y="729"/>
+                    <a:pt x="333" y="742"/>
+                    <a:pt x="329" y="755"/>
+                  </a:cubicBezTo>
+                  <a:cubicBezTo>
+                    <a:pt x="324" y="776"/>
+                    <a:pt x="336" y="774"/>
+                    <a:pt x="350" y="771"/>
+                  </a:cubicBezTo>
+                  <a:cubicBezTo>
+                    <a:pt x="345" y="781"/>
+                    <a:pt x="350" y="790"/>
+                    <a:pt x="350" y="799"/>
+                  </a:cubicBezTo>
+                  <a:cubicBezTo>
+                    <a:pt x="344" y="813"/>
+                    <a:pt x="341" y="829"/>
+                    <a:pt x="345" y="843"/>
+                  </a:cubicBezTo>
+                  <a:cubicBezTo>
+                    <a:pt x="349" y="859"/>
+                    <a:pt x="352" y="835"/>
+                    <a:pt x="358" y="840"/>
+                  </a:cubicBezTo>
+                  <a:cubicBezTo>
+                    <a:pt x="381" y="847"/>
+                    <a:pt x="379" y="875"/>
+                    <a:pt x="397" y="885"/>
+                  </a:cubicBezTo>
+                  <a:cubicBezTo>
+                    <a:pt x="397" y="889"/>
+                    <a:pt x="398" y="898"/>
+                    <a:pt x="402" y="896"/>
+                  </a:cubicBezTo>
+                  <a:cubicBezTo>
+                    <a:pt x="413" y="891"/>
+                    <a:pt x="411" y="879"/>
+                    <a:pt x="412" y="870"/>
+                  </a:cubicBezTo>
+                  <a:cubicBezTo>
+                    <a:pt x="424" y="858"/>
+                    <a:pt x="425" y="842"/>
+                    <a:pt x="427" y="828"/>
+                  </a:cubicBezTo>
+                  <a:cubicBezTo>
+                    <a:pt x="433" y="787"/>
+                    <a:pt x="438" y="745"/>
+                    <a:pt x="444" y="704"/>
+                  </a:cubicBezTo>
+                  <a:cubicBezTo>
+                    <a:pt x="467" y="523"/>
+                    <a:pt x="495" y="342"/>
+                    <a:pt x="534" y="164"/>
+                  </a:cubicBezTo>
+                  <a:cubicBezTo>
+                    <a:pt x="537" y="149"/>
+                    <a:pt x="541" y="143"/>
+                    <a:pt x="557" y="136"/>
+                  </a:cubicBezTo>
+                  <a:close/>
+                </a:path>
+              </a:pathLst>
+            </a:custGeom>
+            <a:grpFill/>
+            <a:ln>
+              <a:noFill/>
+            </a:ln>
+          </p:spPr>
+          <p:txBody>
+            <a:bodyPr vert="horz" wrap="square" lIns="91440" tIns="45720" rIns="91440" bIns="45720" numCol="1" anchor="t" anchorCtr="0" compatLnSpc="1">
+              <a:prstTxWarp prst="textNoShape">
+                <a:avLst/>
+              </a:prstTxWarp>
+            </a:bodyPr>
+            <a:lstStyle/>
+            <a:p>
+              <a:endParaRPr lang="zh-CN" altLang="en-US"/>
+            </a:p>
+          </p:txBody>
+        </p:sp>
+        <p:sp>
+          <p:nvSpPr>
+            <p:cNvPr id="10" name="Freeform 6">
+              <a:extLst>
+                <a:ext uri="{FF2B5EF4-FFF2-40B4-BE49-F238E27FC236}">
+                  <a16:creationId xmlns:a16="http://schemas.microsoft.com/office/drawing/2014/main" xmlns="" id="{9031A3BF-F619-459C-B1DC-E40D3FBC3CED}"/>
+                </a:ext>
+              </a:extLst>
+            </p:cNvPr>
+            <p:cNvSpPr>
+              <a:spLocks/>
+            </p:cNvSpPr>
+            <p:nvPr/>
+          </p:nvSpPr>
+          <p:spPr bwMode="auto">
+            <a:xfrm>
+              <a:off x="5822950" y="-236538"/>
+              <a:ext cx="796925" cy="1274763"/>
+            </a:xfrm>
+            <a:custGeom>
+              <a:avLst/>
+              <a:gdLst>
+                <a:gd name="T0" fmla="*/ 70 w 425"/>
+                <a:gd name="T1" fmla="*/ 666 h 678"/>
+                <a:gd name="T2" fmla="*/ 102 w 425"/>
+                <a:gd name="T3" fmla="*/ 625 h 678"/>
+                <a:gd name="T4" fmla="*/ 140 w 425"/>
+                <a:gd name="T5" fmla="*/ 469 h 678"/>
+                <a:gd name="T6" fmla="*/ 199 w 425"/>
+                <a:gd name="T7" fmla="*/ 577 h 678"/>
+                <a:gd name="T8" fmla="*/ 248 w 425"/>
+                <a:gd name="T9" fmla="*/ 639 h 678"/>
+                <a:gd name="T10" fmla="*/ 383 w 425"/>
+                <a:gd name="T11" fmla="*/ 548 h 678"/>
+                <a:gd name="T12" fmla="*/ 392 w 425"/>
+                <a:gd name="T13" fmla="*/ 470 h 678"/>
+                <a:gd name="T14" fmla="*/ 395 w 425"/>
+                <a:gd name="T15" fmla="*/ 377 h 678"/>
+                <a:gd name="T16" fmla="*/ 414 w 425"/>
+                <a:gd name="T17" fmla="*/ 160 h 678"/>
+                <a:gd name="T18" fmla="*/ 421 w 425"/>
+                <a:gd name="T19" fmla="*/ 110 h 678"/>
+                <a:gd name="T20" fmla="*/ 408 w 425"/>
+                <a:gd name="T21" fmla="*/ 136 h 678"/>
+                <a:gd name="T22" fmla="*/ 408 w 425"/>
+                <a:gd name="T23" fmla="*/ 61 h 678"/>
+                <a:gd name="T24" fmla="*/ 403 w 425"/>
+                <a:gd name="T25" fmla="*/ 47 h 678"/>
+                <a:gd name="T26" fmla="*/ 385 w 425"/>
+                <a:gd name="T27" fmla="*/ 53 h 678"/>
+                <a:gd name="T28" fmla="*/ 369 w 425"/>
+                <a:gd name="T29" fmla="*/ 31 h 678"/>
+                <a:gd name="T30" fmla="*/ 348 w 425"/>
+                <a:gd name="T31" fmla="*/ 0 h 678"/>
+                <a:gd name="T32" fmla="*/ 341 w 425"/>
+                <a:gd name="T33" fmla="*/ 24 h 678"/>
+                <a:gd name="T34" fmla="*/ 325 w 425"/>
+                <a:gd name="T35" fmla="*/ 70 h 678"/>
+                <a:gd name="T36" fmla="*/ 285 w 425"/>
+                <a:gd name="T37" fmla="*/ 308 h 678"/>
+                <a:gd name="T38" fmla="*/ 264 w 425"/>
+                <a:gd name="T39" fmla="*/ 407 h 678"/>
+                <a:gd name="T40" fmla="*/ 165 w 425"/>
+                <a:gd name="T41" fmla="*/ 251 h 678"/>
+                <a:gd name="T42" fmla="*/ 89 w 425"/>
+                <a:gd name="T43" fmla="*/ 222 h 678"/>
+                <a:gd name="T44" fmla="*/ 55 w 425"/>
+                <a:gd name="T45" fmla="*/ 274 h 678"/>
+                <a:gd name="T46" fmla="*/ 7 w 425"/>
+                <a:gd name="T47" fmla="*/ 539 h 678"/>
+                <a:gd name="T48" fmla="*/ 6 w 425"/>
+                <a:gd name="T49" fmla="*/ 622 h 678"/>
+                <a:gd name="T50" fmla="*/ 70 w 425"/>
+                <a:gd name="T51" fmla="*/ 666 h 678"/>
+              </a:gdLst>
+              <a:ahLst/>
+              <a:cxnLst>
+                <a:cxn ang="0">
+                  <a:pos x="T0" y="T1"/>
+                </a:cxn>
+                <a:cxn ang="0">
+                  <a:pos x="T2" y="T3"/>
+                </a:cxn>
+                <a:cxn ang="0">
+                  <a:pos x="T4" y="T5"/>
+                </a:cxn>
+                <a:cxn ang="0">
+                  <a:pos x="T6" y="T7"/>
+                </a:cxn>
+                <a:cxn ang="0">
+                  <a:pos x="T8" y="T9"/>
+                </a:cxn>
+                <a:cxn ang="0">
+                  <a:pos x="T10" y="T11"/>
+                </a:cxn>
+                <a:cxn ang="0">
+                  <a:pos x="T12" y="T13"/>
+                </a:cxn>
+                <a:cxn ang="0">
+                  <a:pos x="T14" y="T15"/>
+                </a:cxn>
+                <a:cxn ang="0">
+                  <a:pos x="T16" y="T17"/>
+                </a:cxn>
+                <a:cxn ang="0">
+                  <a:pos x="T18" y="T19"/>
+                </a:cxn>
+                <a:cxn ang="0">
+                  <a:pos x="T20" y="T21"/>
+                </a:cxn>
+                <a:cxn ang="0">
+                  <a:pos x="T22" y="T23"/>
+                </a:cxn>
+                <a:cxn ang="0">
+                  <a:pos x="T24" y="T25"/>
+                </a:cxn>
+                <a:cxn ang="0">
+                  <a:pos x="T26" y="T27"/>
+                </a:cxn>
+                <a:cxn ang="0">
+                  <a:pos x="T28" y="T29"/>
+                </a:cxn>
+                <a:cxn ang="0">
+                  <a:pos x="T30" y="T31"/>
+                </a:cxn>
+                <a:cxn ang="0">
+                  <a:pos x="T32" y="T33"/>
+                </a:cxn>
+                <a:cxn ang="0">
+                  <a:pos x="T34" y="T35"/>
+                </a:cxn>
+                <a:cxn ang="0">
+                  <a:pos x="T36" y="T37"/>
+                </a:cxn>
+                <a:cxn ang="0">
+                  <a:pos x="T38" y="T39"/>
+                </a:cxn>
+                <a:cxn ang="0">
+                  <a:pos x="T40" y="T41"/>
+                </a:cxn>
+                <a:cxn ang="0">
+                  <a:pos x="T42" y="T43"/>
+                </a:cxn>
+                <a:cxn ang="0">
+                  <a:pos x="T44" y="T45"/>
+                </a:cxn>
+                <a:cxn ang="0">
+                  <a:pos x="T46" y="T47"/>
+                </a:cxn>
+                <a:cxn ang="0">
+                  <a:pos x="T48" y="T49"/>
+                </a:cxn>
+                <a:cxn ang="0">
+                  <a:pos x="T50" y="T51"/>
+                </a:cxn>
+              </a:cxnLst>
+              <a:rect l="0" t="0" r="r" b="b"/>
+              <a:pathLst>
+                <a:path w="425" h="678">
+                  <a:moveTo>
+                    <a:pt x="70" y="666"/>
+                  </a:moveTo>
+                  <a:cubicBezTo>
+                    <a:pt x="91" y="660"/>
+                    <a:pt x="97" y="641"/>
+                    <a:pt x="102" y="625"/>
+                  </a:cubicBezTo>
+                  <a:cubicBezTo>
+                    <a:pt x="115" y="575"/>
+                    <a:pt x="126" y="525"/>
+                    <a:pt x="140" y="469"/>
+                  </a:cubicBezTo>
+                  <a:cubicBezTo>
+                    <a:pt x="156" y="511"/>
+                    <a:pt x="186" y="537"/>
+                    <a:pt x="199" y="577"/>
+                  </a:cubicBezTo>
+                  <a:cubicBezTo>
+                    <a:pt x="206" y="598"/>
+                    <a:pt x="211" y="636"/>
+                    <a:pt x="248" y="639"/>
+                  </a:cubicBezTo>
+                  <a:cubicBezTo>
+                    <a:pt x="327" y="646"/>
+                    <a:pt x="360" y="624"/>
+                    <a:pt x="383" y="548"/>
+                  </a:cubicBezTo>
+                  <a:cubicBezTo>
+                    <a:pt x="391" y="523"/>
+                    <a:pt x="394" y="497"/>
+                    <a:pt x="392" y="470"/>
+                  </a:cubicBezTo>
+                  <a:cubicBezTo>
+                    <a:pt x="391" y="439"/>
+                    <a:pt x="386" y="405"/>
+                    <a:pt x="395" y="377"/>
+                  </a:cubicBezTo>
+                  <a:cubicBezTo>
+                    <a:pt x="416" y="305"/>
+                    <a:pt x="410" y="232"/>
+                    <a:pt x="414" y="160"/>
+                  </a:cubicBezTo>
+                  <a:cubicBezTo>
+                    <a:pt x="421" y="144"/>
+                    <a:pt x="425" y="127"/>
+                    <a:pt x="421" y="110"/>
+                  </a:cubicBezTo>
+                  <a:cubicBezTo>
+                    <a:pt x="408" y="114"/>
+                    <a:pt x="424" y="133"/>
+                    <a:pt x="408" y="136"/>
+                  </a:cubicBezTo>
+                  <a:cubicBezTo>
+                    <a:pt x="402" y="111"/>
+                    <a:pt x="404" y="86"/>
+                    <a:pt x="408" y="61"/>
+                  </a:cubicBezTo>
+                  <a:cubicBezTo>
+                    <a:pt x="409" y="55"/>
+                    <a:pt x="410" y="49"/>
+                    <a:pt x="403" y="47"/>
+                  </a:cubicBezTo>
+                  <a:cubicBezTo>
+                    <a:pt x="396" y="45"/>
+                    <a:pt x="388" y="45"/>
+                    <a:pt x="385" y="53"/>
+                  </a:cubicBezTo>
+                  <a:cubicBezTo>
+                    <a:pt x="374" y="50"/>
+                    <a:pt x="370" y="41"/>
+                    <a:pt x="369" y="31"/>
+                  </a:cubicBezTo>
+                  <a:cubicBezTo>
+                    <a:pt x="373" y="14"/>
+                    <a:pt x="351" y="14"/>
+                    <a:pt x="348" y="0"/>
+                  </a:cubicBezTo>
+                  <a:cubicBezTo>
+                    <a:pt x="346" y="8"/>
+                    <a:pt x="344" y="16"/>
+                    <a:pt x="341" y="24"/>
+                  </a:cubicBezTo>
+                  <a:cubicBezTo>
+                    <a:pt x="332" y="38"/>
+                    <a:pt x="328" y="54"/>
+                    <a:pt x="325" y="70"/>
+                  </a:cubicBezTo>
+                  <a:cubicBezTo>
+                    <a:pt x="312" y="149"/>
+                    <a:pt x="300" y="229"/>
+                    <a:pt x="285" y="308"/>
+                  </a:cubicBezTo>
+                  <a:cubicBezTo>
+                    <a:pt x="279" y="341"/>
+                    <a:pt x="278" y="376"/>
+                    <a:pt x="264" y="407"/>
+                  </a:cubicBezTo>
+                  <a:cubicBezTo>
+                    <a:pt x="209" y="367"/>
+                    <a:pt x="207" y="297"/>
+                    <a:pt x="165" y="251"/>
+                  </a:cubicBezTo>
+                  <a:cubicBezTo>
+                    <a:pt x="144" y="228"/>
+                    <a:pt x="117" y="220"/>
+                    <a:pt x="89" y="222"/>
+                  </a:cubicBezTo>
+                  <a:cubicBezTo>
+                    <a:pt x="61" y="224"/>
+                    <a:pt x="57" y="252"/>
+                    <a:pt x="55" y="274"/>
+                  </a:cubicBezTo>
+                  <a:cubicBezTo>
+                    <a:pt x="45" y="363"/>
+                    <a:pt x="29" y="452"/>
+                    <a:pt x="7" y="539"/>
+                  </a:cubicBezTo>
+                  <a:cubicBezTo>
+                    <a:pt x="0" y="566"/>
+                    <a:pt x="2" y="595"/>
+                    <a:pt x="6" y="622"/>
+                  </a:cubicBezTo>
+                  <a:cubicBezTo>
+                    <a:pt x="14" y="673"/>
+                    <a:pt x="22" y="678"/>
+                    <a:pt x="70" y="666"/>
+                  </a:cubicBezTo>
+                  <a:close/>
+                </a:path>
+              </a:pathLst>
+            </a:custGeom>
+            <a:grpFill/>
+            <a:ln>
+              <a:noFill/>
+            </a:ln>
+          </p:spPr>
+          <p:txBody>
+            <a:bodyPr vert="horz" wrap="square" lIns="91440" tIns="45720" rIns="91440" bIns="45720" numCol="1" anchor="t" anchorCtr="0" compatLnSpc="1">
+              <a:prstTxWarp prst="textNoShape">
+                <a:avLst/>
+              </a:prstTxWarp>
+            </a:bodyPr>
+            <a:lstStyle/>
+            <a:p>
+              <a:endParaRPr lang="zh-CN" altLang="en-US"/>
+            </a:p>
+          </p:txBody>
+        </p:sp>
+        <p:sp>
+          <p:nvSpPr>
+            <p:cNvPr id="11" name="Freeform 7">
+              <a:extLst>
+                <a:ext uri="{FF2B5EF4-FFF2-40B4-BE49-F238E27FC236}">
+                  <a16:creationId xmlns:a16="http://schemas.microsoft.com/office/drawing/2014/main" xmlns="" id="{E2D73B5A-006A-4651-B8EB-7798C42F0ACE}"/>
+                </a:ext>
+              </a:extLst>
+            </p:cNvPr>
+            <p:cNvSpPr>
+              <a:spLocks/>
+            </p:cNvSpPr>
+            <p:nvPr/>
+          </p:nvSpPr>
+          <p:spPr bwMode="auto">
+            <a:xfrm>
+              <a:off x="3781425" y="1284287"/>
+              <a:ext cx="4832350" cy="739775"/>
+            </a:xfrm>
+            <a:custGeom>
+              <a:avLst/>
+              <a:gdLst>
+                <a:gd name="T0" fmla="*/ 2501 w 2575"/>
+                <a:gd name="T1" fmla="*/ 20 h 394"/>
+                <a:gd name="T2" fmla="*/ 2494 w 2575"/>
+                <a:gd name="T3" fmla="*/ 22 h 394"/>
+                <a:gd name="T4" fmla="*/ 2477 w 2575"/>
+                <a:gd name="T5" fmla="*/ 22 h 394"/>
+                <a:gd name="T6" fmla="*/ 2278 w 2575"/>
+                <a:gd name="T7" fmla="*/ 47 h 394"/>
+                <a:gd name="T8" fmla="*/ 1713 w 2575"/>
+                <a:gd name="T9" fmla="*/ 111 h 394"/>
+                <a:gd name="T10" fmla="*/ 1248 w 2575"/>
+                <a:gd name="T11" fmla="*/ 152 h 394"/>
+                <a:gd name="T12" fmla="*/ 649 w 2575"/>
+                <a:gd name="T13" fmla="*/ 207 h 394"/>
+                <a:gd name="T14" fmla="*/ 107 w 2575"/>
+                <a:gd name="T15" fmla="*/ 272 h 394"/>
+                <a:gd name="T16" fmla="*/ 20 w 2575"/>
+                <a:gd name="T17" fmla="*/ 296 h 394"/>
+                <a:gd name="T18" fmla="*/ 2 w 2575"/>
+                <a:gd name="T19" fmla="*/ 318 h 394"/>
+                <a:gd name="T20" fmla="*/ 20 w 2575"/>
+                <a:gd name="T21" fmla="*/ 335 h 394"/>
+                <a:gd name="T22" fmla="*/ 53 w 2575"/>
+                <a:gd name="T23" fmla="*/ 352 h 394"/>
+                <a:gd name="T24" fmla="*/ 122 w 2575"/>
+                <a:gd name="T25" fmla="*/ 385 h 394"/>
+                <a:gd name="T26" fmla="*/ 500 w 2575"/>
+                <a:gd name="T27" fmla="*/ 352 h 394"/>
+                <a:gd name="T28" fmla="*/ 1185 w 2575"/>
+                <a:gd name="T29" fmla="*/ 267 h 394"/>
+                <a:gd name="T30" fmla="*/ 1483 w 2575"/>
+                <a:gd name="T31" fmla="*/ 239 h 394"/>
+                <a:gd name="T32" fmla="*/ 2021 w 2575"/>
+                <a:gd name="T33" fmla="*/ 171 h 394"/>
+                <a:gd name="T34" fmla="*/ 2075 w 2575"/>
+                <a:gd name="T35" fmla="*/ 162 h 394"/>
+                <a:gd name="T36" fmla="*/ 2134 w 2575"/>
+                <a:gd name="T37" fmla="*/ 157 h 394"/>
+                <a:gd name="T38" fmla="*/ 2172 w 2575"/>
+                <a:gd name="T39" fmla="*/ 150 h 394"/>
+                <a:gd name="T40" fmla="*/ 2206 w 2575"/>
+                <a:gd name="T41" fmla="*/ 149 h 394"/>
+                <a:gd name="T42" fmla="*/ 2234 w 2575"/>
+                <a:gd name="T43" fmla="*/ 135 h 394"/>
+                <a:gd name="T44" fmla="*/ 2258 w 2575"/>
+                <a:gd name="T45" fmla="*/ 128 h 394"/>
+                <a:gd name="T46" fmla="*/ 2416 w 2575"/>
+                <a:gd name="T47" fmla="*/ 94 h 394"/>
+                <a:gd name="T48" fmla="*/ 2448 w 2575"/>
+                <a:gd name="T49" fmla="*/ 72 h 394"/>
+                <a:gd name="T50" fmla="*/ 2450 w 2575"/>
+                <a:gd name="T51" fmla="*/ 71 h 394"/>
+                <a:gd name="T52" fmla="*/ 2453 w 2575"/>
+                <a:gd name="T53" fmla="*/ 71 h 394"/>
+                <a:gd name="T54" fmla="*/ 2475 w 2575"/>
+                <a:gd name="T55" fmla="*/ 69 h 394"/>
+                <a:gd name="T56" fmla="*/ 2475 w 2575"/>
+                <a:gd name="T57" fmla="*/ 63 h 394"/>
+                <a:gd name="T58" fmla="*/ 2455 w 2575"/>
+                <a:gd name="T59" fmla="*/ 67 h 394"/>
+                <a:gd name="T60" fmla="*/ 2463 w 2575"/>
+                <a:gd name="T61" fmla="*/ 49 h 394"/>
+                <a:gd name="T62" fmla="*/ 2471 w 2575"/>
+                <a:gd name="T63" fmla="*/ 50 h 394"/>
+                <a:gd name="T64" fmla="*/ 2471 w 2575"/>
+                <a:gd name="T65" fmla="*/ 50 h 394"/>
+                <a:gd name="T66" fmla="*/ 2516 w 2575"/>
+                <a:gd name="T67" fmla="*/ 36 h 394"/>
+                <a:gd name="T68" fmla="*/ 2575 w 2575"/>
+                <a:gd name="T69" fmla="*/ 15 h 394"/>
+                <a:gd name="T70" fmla="*/ 2501 w 2575"/>
+                <a:gd name="T71" fmla="*/ 20 h 394"/>
+              </a:gdLst>
+              <a:ahLst/>
+              <a:cxnLst>
+                <a:cxn ang="0">
+                  <a:pos x="T0" y="T1"/>
+                </a:cxn>
+                <a:cxn ang="0">
+                  <a:pos x="T2" y="T3"/>
+                </a:cxn>
+                <a:cxn ang="0">
+                  <a:pos x="T4" y="T5"/>
+                </a:cxn>
+                <a:cxn ang="0">
+                  <a:pos x="T6" y="T7"/>
+                </a:cxn>
+                <a:cxn ang="0">
+                  <a:pos x="T8" y="T9"/>
+                </a:cxn>
+                <a:cxn ang="0">
+                  <a:pos x="T10" y="T11"/>
+                </a:cxn>
+                <a:cxn ang="0">
+                  <a:pos x="T12" y="T13"/>
+                </a:cxn>
+                <a:cxn ang="0">
+                  <a:pos x="T14" y="T15"/>
+                </a:cxn>
+                <a:cxn ang="0">
+                  <a:pos x="T16" y="T17"/>
+                </a:cxn>
+                <a:cxn ang="0">
+                  <a:pos x="T18" y="T19"/>
+                </a:cxn>
+                <a:cxn ang="0">
+                  <a:pos x="T20" y="T21"/>
+                </a:cxn>
+                <a:cxn ang="0">
+                  <a:pos x="T22" y="T23"/>
+                </a:cxn>
+                <a:cxn ang="0">
+                  <a:pos x="T24" y="T25"/>
+                </a:cxn>
+                <a:cxn ang="0">
+                  <a:pos x="T26" y="T27"/>
+                </a:cxn>
+                <a:cxn ang="0">
+                  <a:pos x="T28" y="T29"/>
+                </a:cxn>
+                <a:cxn ang="0">
+                  <a:pos x="T30" y="T31"/>
+                </a:cxn>
+                <a:cxn ang="0">
+                  <a:pos x="T32" y="T33"/>
+                </a:cxn>
+                <a:cxn ang="0">
+                  <a:pos x="T34" y="T35"/>
+                </a:cxn>
+                <a:cxn ang="0">
+                  <a:pos x="T36" y="T37"/>
+                </a:cxn>
+                <a:cxn ang="0">
+                  <a:pos x="T38" y="T39"/>
+                </a:cxn>
+                <a:cxn ang="0">
+                  <a:pos x="T40" y="T41"/>
+                </a:cxn>
+                <a:cxn ang="0">
+                  <a:pos x="T42" y="T43"/>
+                </a:cxn>
+                <a:cxn ang="0">
+                  <a:pos x="T44" y="T45"/>
+                </a:cxn>
+                <a:cxn ang="0">
+                  <a:pos x="T46" y="T47"/>
+                </a:cxn>
+                <a:cxn ang="0">
+                  <a:pos x="T48" y="T49"/>
+                </a:cxn>
+                <a:cxn ang="0">
+                  <a:pos x="T50" y="T51"/>
+                </a:cxn>
+                <a:cxn ang="0">
+                  <a:pos x="T52" y="T53"/>
+                </a:cxn>
+                <a:cxn ang="0">
+                  <a:pos x="T54" y="T55"/>
+                </a:cxn>
+                <a:cxn ang="0">
+                  <a:pos x="T56" y="T57"/>
+                </a:cxn>
+                <a:cxn ang="0">
+                  <a:pos x="T58" y="T59"/>
+                </a:cxn>
+                <a:cxn ang="0">
+                  <a:pos x="T60" y="T61"/>
+                </a:cxn>
+                <a:cxn ang="0">
+                  <a:pos x="T62" y="T63"/>
+                </a:cxn>
+                <a:cxn ang="0">
+                  <a:pos x="T64" y="T65"/>
+                </a:cxn>
+                <a:cxn ang="0">
+                  <a:pos x="T66" y="T67"/>
+                </a:cxn>
+                <a:cxn ang="0">
+                  <a:pos x="T68" y="T69"/>
+                </a:cxn>
+                <a:cxn ang="0">
+                  <a:pos x="T70" y="T71"/>
+                </a:cxn>
+              </a:cxnLst>
+              <a:rect l="0" t="0" r="r" b="b"/>
+              <a:pathLst>
+                <a:path w="2575" h="394">
+                  <a:moveTo>
+                    <a:pt x="2501" y="20"/>
+                  </a:moveTo>
+                  <a:cubicBezTo>
+                    <a:pt x="2499" y="21"/>
+                    <a:pt x="2496" y="21"/>
+                    <a:pt x="2494" y="22"/>
+                  </a:cubicBezTo>
+                  <a:cubicBezTo>
+                    <a:pt x="2488" y="22"/>
+                    <a:pt x="2483" y="22"/>
+                    <a:pt x="2477" y="22"/>
+                  </a:cubicBezTo>
+                  <a:cubicBezTo>
+                    <a:pt x="2409" y="18"/>
+                    <a:pt x="2344" y="37"/>
+                    <a:pt x="2278" y="47"/>
+                  </a:cubicBezTo>
+                  <a:cubicBezTo>
+                    <a:pt x="2091" y="74"/>
+                    <a:pt x="1902" y="89"/>
+                    <a:pt x="1713" y="111"/>
+                  </a:cubicBezTo>
+                  <a:cubicBezTo>
+                    <a:pt x="1559" y="128"/>
+                    <a:pt x="1403" y="134"/>
+                    <a:pt x="1248" y="152"/>
+                  </a:cubicBezTo>
+                  <a:cubicBezTo>
+                    <a:pt x="1049" y="174"/>
+                    <a:pt x="849" y="186"/>
+                    <a:pt x="649" y="207"/>
+                  </a:cubicBezTo>
+                  <a:cubicBezTo>
+                    <a:pt x="468" y="227"/>
+                    <a:pt x="287" y="244"/>
+                    <a:pt x="107" y="272"/>
+                  </a:cubicBezTo>
+                  <a:cubicBezTo>
+                    <a:pt x="77" y="277"/>
+                    <a:pt x="47" y="283"/>
+                    <a:pt x="20" y="296"/>
+                  </a:cubicBezTo>
+                  <a:cubicBezTo>
+                    <a:pt x="11" y="301"/>
+                    <a:pt x="0" y="306"/>
+                    <a:pt x="2" y="318"/>
+                  </a:cubicBezTo>
+                  <a:cubicBezTo>
+                    <a:pt x="3" y="328"/>
+                    <a:pt x="12" y="331"/>
+                    <a:pt x="20" y="335"/>
+                  </a:cubicBezTo>
+                  <a:cubicBezTo>
+                    <a:pt x="32" y="340"/>
+                    <a:pt x="50" y="340"/>
+                    <a:pt x="53" y="352"/>
+                  </a:cubicBezTo>
+                  <a:cubicBezTo>
+                    <a:pt x="63" y="394"/>
+                    <a:pt x="96" y="387"/>
+                    <a:pt x="122" y="385"/>
+                  </a:cubicBezTo>
+                  <a:cubicBezTo>
+                    <a:pt x="248" y="376"/>
+                    <a:pt x="374" y="366"/>
+                    <a:pt x="500" y="352"/>
+                  </a:cubicBezTo>
+                  <a:cubicBezTo>
+                    <a:pt x="729" y="326"/>
+                    <a:pt x="955" y="282"/>
+                    <a:pt x="1185" y="267"/>
+                  </a:cubicBezTo>
+                  <a:cubicBezTo>
+                    <a:pt x="1284" y="260"/>
+                    <a:pt x="1384" y="251"/>
+                    <a:pt x="1483" y="239"/>
+                  </a:cubicBezTo>
+                  <a:cubicBezTo>
+                    <a:pt x="1662" y="218"/>
+                    <a:pt x="1842" y="194"/>
+                    <a:pt x="2021" y="171"/>
+                  </a:cubicBezTo>
+                  <a:cubicBezTo>
+                    <a:pt x="2039" y="168"/>
+                    <a:pt x="2057" y="165"/>
+                    <a:pt x="2075" y="162"/>
+                  </a:cubicBezTo>
+                  <a:cubicBezTo>
+                    <a:pt x="2095" y="166"/>
+                    <a:pt x="2113" y="148"/>
+                    <a:pt x="2134" y="157"/>
+                  </a:cubicBezTo>
+                  <a:cubicBezTo>
+                    <a:pt x="2148" y="161"/>
+                    <a:pt x="2162" y="160"/>
+                    <a:pt x="2172" y="150"/>
+                  </a:cubicBezTo>
+                  <a:cubicBezTo>
+                    <a:pt x="2184" y="138"/>
+                    <a:pt x="2194" y="146"/>
+                    <a:pt x="2206" y="149"/>
+                  </a:cubicBezTo>
+                  <a:cubicBezTo>
+                    <a:pt x="2214" y="141"/>
+                    <a:pt x="2229" y="150"/>
+                    <a:pt x="2234" y="135"/>
+                  </a:cubicBezTo>
+                  <a:cubicBezTo>
+                    <a:pt x="2241" y="129"/>
+                    <a:pt x="2256" y="152"/>
+                    <a:pt x="2258" y="128"/>
+                  </a:cubicBezTo>
+                  <a:cubicBezTo>
+                    <a:pt x="2310" y="114"/>
+                    <a:pt x="2362" y="98"/>
+                    <a:pt x="2416" y="94"/>
+                  </a:cubicBezTo>
+                  <a:cubicBezTo>
+                    <a:pt x="2430" y="92"/>
+                    <a:pt x="2455" y="105"/>
+                    <a:pt x="2448" y="72"/>
+                  </a:cubicBezTo>
+                  <a:cubicBezTo>
+                    <a:pt x="2450" y="71"/>
+                    <a:pt x="2450" y="71"/>
+                    <a:pt x="2450" y="71"/>
+                  </a:cubicBezTo>
+                  <a:cubicBezTo>
+                    <a:pt x="2453" y="71"/>
+                    <a:pt x="2453" y="71"/>
+                    <a:pt x="2453" y="71"/>
+                  </a:cubicBezTo>
+                  <a:cubicBezTo>
+                    <a:pt x="2461" y="76"/>
+                    <a:pt x="2469" y="77"/>
+                    <a:pt x="2475" y="69"/>
+                  </a:cubicBezTo>
+                  <a:cubicBezTo>
+                    <a:pt x="2476" y="68"/>
+                    <a:pt x="2476" y="63"/>
+                    <a:pt x="2475" y="63"/>
+                  </a:cubicBezTo>
+                  <a:cubicBezTo>
+                    <a:pt x="2468" y="59"/>
+                    <a:pt x="2462" y="64"/>
+                    <a:pt x="2455" y="67"/>
+                  </a:cubicBezTo>
+                  <a:cubicBezTo>
+                    <a:pt x="2446" y="56"/>
+                    <a:pt x="2453" y="52"/>
+                    <a:pt x="2463" y="49"/>
+                  </a:cubicBezTo>
+                  <a:cubicBezTo>
+                    <a:pt x="2466" y="50"/>
+                    <a:pt x="2468" y="50"/>
+                    <a:pt x="2471" y="50"/>
+                  </a:cubicBezTo>
+                  <a:cubicBezTo>
+                    <a:pt x="2471" y="50"/>
+                    <a:pt x="2471" y="50"/>
+                    <a:pt x="2471" y="50"/>
+                  </a:cubicBezTo>
+                  <a:cubicBezTo>
+                    <a:pt x="2487" y="50"/>
+                    <a:pt x="2504" y="50"/>
+                    <a:pt x="2516" y="36"/>
+                  </a:cubicBezTo>
+                  <a:cubicBezTo>
+                    <a:pt x="2538" y="36"/>
+                    <a:pt x="2551" y="11"/>
+                    <a:pt x="2575" y="15"/>
+                  </a:cubicBezTo>
+                  <a:cubicBezTo>
+                    <a:pt x="2549" y="0"/>
+                    <a:pt x="2525" y="12"/>
+                    <a:pt x="2501" y="20"/>
+                  </a:cubicBezTo>
+                  <a:close/>
+                </a:path>
+              </a:pathLst>
+            </a:custGeom>
+            <a:grpFill/>
+            <a:ln>
+              <a:noFill/>
+            </a:ln>
+          </p:spPr>
+          <p:txBody>
+            <a:bodyPr vert="horz" wrap="square" lIns="91440" tIns="45720" rIns="91440" bIns="45720" numCol="1" anchor="t" anchorCtr="0" compatLnSpc="1">
+              <a:prstTxWarp prst="textNoShape">
+                <a:avLst/>
+              </a:prstTxWarp>
+            </a:bodyPr>
+            <a:lstStyle/>
+            <a:p>
+              <a:endParaRPr lang="zh-CN" altLang="en-US"/>
+            </a:p>
+          </p:txBody>
+        </p:sp>
+        <p:sp>
+          <p:nvSpPr>
+            <p:cNvPr id="12" name="Freeform 8">
+              <a:extLst>
+                <a:ext uri="{FF2B5EF4-FFF2-40B4-BE49-F238E27FC236}">
+                  <a16:creationId xmlns:a16="http://schemas.microsoft.com/office/drawing/2014/main" xmlns="" id="{6153A6D5-73C5-4B7E-8F91-86614E90A25A}"/>
+                </a:ext>
+              </a:extLst>
+            </p:cNvPr>
+            <p:cNvSpPr>
+              <a:spLocks noEditPoints="1"/>
+            </p:cNvSpPr>
+            <p:nvPr/>
+          </p:nvSpPr>
+          <p:spPr bwMode="auto">
+            <a:xfrm>
+              <a:off x="3929063" y="6350"/>
+              <a:ext cx="1911350" cy="1619250"/>
+            </a:xfrm>
+            <a:custGeom>
+              <a:avLst/>
+              <a:gdLst>
+                <a:gd name="T0" fmla="*/ 47 w 1018"/>
+                <a:gd name="T1" fmla="*/ 358 h 862"/>
+                <a:gd name="T2" fmla="*/ 51 w 1018"/>
+                <a:gd name="T3" fmla="*/ 449 h 862"/>
+                <a:gd name="T4" fmla="*/ 70 w 1018"/>
+                <a:gd name="T5" fmla="*/ 534 h 862"/>
+                <a:gd name="T6" fmla="*/ 182 w 1018"/>
+                <a:gd name="T7" fmla="*/ 591 h 862"/>
+                <a:gd name="T8" fmla="*/ 210 w 1018"/>
+                <a:gd name="T9" fmla="*/ 513 h 862"/>
+                <a:gd name="T10" fmla="*/ 403 w 1018"/>
+                <a:gd name="T11" fmla="*/ 371 h 862"/>
+                <a:gd name="T12" fmla="*/ 332 w 1018"/>
+                <a:gd name="T13" fmla="*/ 844 h 862"/>
+                <a:gd name="T14" fmla="*/ 395 w 1018"/>
+                <a:gd name="T15" fmla="*/ 829 h 862"/>
+                <a:gd name="T16" fmla="*/ 514 w 1018"/>
+                <a:gd name="T17" fmla="*/ 372 h 862"/>
+                <a:gd name="T18" fmla="*/ 586 w 1018"/>
+                <a:gd name="T19" fmla="*/ 338 h 862"/>
+                <a:gd name="T20" fmla="*/ 588 w 1018"/>
+                <a:gd name="T21" fmla="*/ 631 h 862"/>
+                <a:gd name="T22" fmla="*/ 588 w 1018"/>
+                <a:gd name="T23" fmla="*/ 631 h 862"/>
+                <a:gd name="T24" fmla="*/ 609 w 1018"/>
+                <a:gd name="T25" fmla="*/ 631 h 862"/>
+                <a:gd name="T26" fmla="*/ 609 w 1018"/>
+                <a:gd name="T27" fmla="*/ 631 h 862"/>
+                <a:gd name="T28" fmla="*/ 692 w 1018"/>
+                <a:gd name="T29" fmla="*/ 481 h 862"/>
+                <a:gd name="T30" fmla="*/ 843 w 1018"/>
+                <a:gd name="T31" fmla="*/ 477 h 862"/>
+                <a:gd name="T32" fmla="*/ 978 w 1018"/>
+                <a:gd name="T33" fmla="*/ 679 h 862"/>
+                <a:gd name="T34" fmla="*/ 996 w 1018"/>
+                <a:gd name="T35" fmla="*/ 573 h 862"/>
+                <a:gd name="T36" fmla="*/ 946 w 1018"/>
+                <a:gd name="T37" fmla="*/ 385 h 862"/>
+                <a:gd name="T38" fmla="*/ 907 w 1018"/>
+                <a:gd name="T39" fmla="*/ 334 h 862"/>
+                <a:gd name="T40" fmla="*/ 753 w 1018"/>
+                <a:gd name="T41" fmla="*/ 48 h 862"/>
+                <a:gd name="T42" fmla="*/ 666 w 1018"/>
+                <a:gd name="T43" fmla="*/ 83 h 862"/>
+                <a:gd name="T44" fmla="*/ 673 w 1018"/>
+                <a:gd name="T45" fmla="*/ 161 h 862"/>
+                <a:gd name="T46" fmla="*/ 582 w 1018"/>
+                <a:gd name="T47" fmla="*/ 89 h 862"/>
+                <a:gd name="T48" fmla="*/ 486 w 1018"/>
+                <a:gd name="T49" fmla="*/ 48 h 862"/>
+                <a:gd name="T50" fmla="*/ 426 w 1018"/>
+                <a:gd name="T51" fmla="*/ 250 h 862"/>
+                <a:gd name="T52" fmla="*/ 276 w 1018"/>
+                <a:gd name="T53" fmla="*/ 318 h 862"/>
+                <a:gd name="T54" fmla="*/ 281 w 1018"/>
+                <a:gd name="T55" fmla="*/ 191 h 862"/>
+                <a:gd name="T56" fmla="*/ 279 w 1018"/>
+                <a:gd name="T57" fmla="*/ 76 h 862"/>
+                <a:gd name="T58" fmla="*/ 171 w 1018"/>
+                <a:gd name="T59" fmla="*/ 100 h 862"/>
+                <a:gd name="T60" fmla="*/ 59 w 1018"/>
+                <a:gd name="T61" fmla="*/ 358 h 862"/>
+                <a:gd name="T62" fmla="*/ 725 w 1018"/>
+                <a:gd name="T63" fmla="*/ 232 h 862"/>
+                <a:gd name="T64" fmla="*/ 779 w 1018"/>
+                <a:gd name="T65" fmla="*/ 382 h 862"/>
+                <a:gd name="T66" fmla="*/ 697 w 1018"/>
+                <a:gd name="T67" fmla="*/ 282 h 862"/>
+              </a:gdLst>
+              <a:ahLst/>
+              <a:cxnLst>
+                <a:cxn ang="0">
+                  <a:pos x="T0" y="T1"/>
+                </a:cxn>
+                <a:cxn ang="0">
+                  <a:pos x="T2" y="T3"/>
+                </a:cxn>
+                <a:cxn ang="0">
+                  <a:pos x="T4" y="T5"/>
+                </a:cxn>
+                <a:cxn ang="0">
+                  <a:pos x="T6" y="T7"/>
+                </a:cxn>
+                <a:cxn ang="0">
+                  <a:pos x="T8" y="T9"/>
+                </a:cxn>
+                <a:cxn ang="0">
+                  <a:pos x="T10" y="T11"/>
+                </a:cxn>
+                <a:cxn ang="0">
+                  <a:pos x="T12" y="T13"/>
+                </a:cxn>
+                <a:cxn ang="0">
+                  <a:pos x="T14" y="T15"/>
+                </a:cxn>
+                <a:cxn ang="0">
+                  <a:pos x="T16" y="T17"/>
+                </a:cxn>
+                <a:cxn ang="0">
+                  <a:pos x="T18" y="T19"/>
+                </a:cxn>
+                <a:cxn ang="0">
+                  <a:pos x="T20" y="T21"/>
+                </a:cxn>
+                <a:cxn ang="0">
+                  <a:pos x="T22" y="T23"/>
+                </a:cxn>
+                <a:cxn ang="0">
+                  <a:pos x="T24" y="T25"/>
+                </a:cxn>
+                <a:cxn ang="0">
+                  <a:pos x="T26" y="T27"/>
+                </a:cxn>
+                <a:cxn ang="0">
+                  <a:pos x="T28" y="T29"/>
+                </a:cxn>
+                <a:cxn ang="0">
+                  <a:pos x="T30" y="T31"/>
+                </a:cxn>
+                <a:cxn ang="0">
+                  <a:pos x="T32" y="T33"/>
+                </a:cxn>
+                <a:cxn ang="0">
+                  <a:pos x="T34" y="T35"/>
+                </a:cxn>
+                <a:cxn ang="0">
+                  <a:pos x="T36" y="T37"/>
+                </a:cxn>
+                <a:cxn ang="0">
+                  <a:pos x="T38" y="T39"/>
+                </a:cxn>
+                <a:cxn ang="0">
+                  <a:pos x="T40" y="T41"/>
+                </a:cxn>
+                <a:cxn ang="0">
+                  <a:pos x="T42" y="T43"/>
+                </a:cxn>
+                <a:cxn ang="0">
+                  <a:pos x="T44" y="T45"/>
+                </a:cxn>
+                <a:cxn ang="0">
+                  <a:pos x="T46" y="T47"/>
+                </a:cxn>
+                <a:cxn ang="0">
+                  <a:pos x="T48" y="T49"/>
+                </a:cxn>
+                <a:cxn ang="0">
+                  <a:pos x="T50" y="T51"/>
+                </a:cxn>
+                <a:cxn ang="0">
+                  <a:pos x="T52" y="T53"/>
+                </a:cxn>
+                <a:cxn ang="0">
+                  <a:pos x="T54" y="T55"/>
+                </a:cxn>
+                <a:cxn ang="0">
+                  <a:pos x="T56" y="T57"/>
+                </a:cxn>
+                <a:cxn ang="0">
+                  <a:pos x="T58" y="T59"/>
+                </a:cxn>
+                <a:cxn ang="0">
+                  <a:pos x="T60" y="T61"/>
+                </a:cxn>
+                <a:cxn ang="0">
+                  <a:pos x="T62" y="T63"/>
+                </a:cxn>
+                <a:cxn ang="0">
+                  <a:pos x="T64" y="T65"/>
+                </a:cxn>
+                <a:cxn ang="0">
+                  <a:pos x="T66" y="T67"/>
+                </a:cxn>
+              </a:cxnLst>
+              <a:rect l="0" t="0" r="r" b="b"/>
+              <a:pathLst>
+                <a:path w="1018" h="862">
+                  <a:moveTo>
+                    <a:pt x="59" y="358"/>
+                  </a:moveTo>
+                  <a:cubicBezTo>
+                    <a:pt x="55" y="358"/>
+                    <a:pt x="51" y="357"/>
+                    <a:pt x="47" y="358"/>
+                  </a:cubicBezTo>
+                  <a:cubicBezTo>
+                    <a:pt x="29" y="362"/>
+                    <a:pt x="8" y="362"/>
+                    <a:pt x="2" y="386"/>
+                  </a:cubicBezTo>
+                  <a:cubicBezTo>
+                    <a:pt x="0" y="398"/>
+                    <a:pt x="40" y="448"/>
+                    <a:pt x="51" y="449"/>
+                  </a:cubicBezTo>
+                  <a:cubicBezTo>
+                    <a:pt x="97" y="456"/>
+                    <a:pt x="97" y="456"/>
+                    <a:pt x="79" y="502"/>
+                  </a:cubicBezTo>
+                  <a:cubicBezTo>
+                    <a:pt x="75" y="512"/>
+                    <a:pt x="70" y="523"/>
+                    <a:pt x="70" y="534"/>
+                  </a:cubicBezTo>
+                  <a:cubicBezTo>
+                    <a:pt x="69" y="550"/>
+                    <a:pt x="60" y="573"/>
+                    <a:pt x="83" y="580"/>
+                  </a:cubicBezTo>
+                  <a:cubicBezTo>
+                    <a:pt x="115" y="590"/>
+                    <a:pt x="149" y="598"/>
+                    <a:pt x="182" y="591"/>
+                  </a:cubicBezTo>
+                  <a:cubicBezTo>
+                    <a:pt x="196" y="589"/>
+                    <a:pt x="208" y="578"/>
+                    <a:pt x="208" y="559"/>
+                  </a:cubicBezTo>
+                  <a:cubicBezTo>
+                    <a:pt x="208" y="544"/>
+                    <a:pt x="209" y="528"/>
+                    <a:pt x="210" y="513"/>
+                  </a:cubicBezTo>
+                  <a:cubicBezTo>
+                    <a:pt x="211" y="482"/>
+                    <a:pt x="210" y="443"/>
+                    <a:pt x="238" y="427"/>
+                  </a:cubicBezTo>
+                  <a:cubicBezTo>
+                    <a:pt x="286" y="398"/>
+                    <a:pt x="343" y="388"/>
+                    <a:pt x="403" y="371"/>
+                  </a:cubicBezTo>
+                  <a:cubicBezTo>
+                    <a:pt x="386" y="444"/>
+                    <a:pt x="369" y="509"/>
+                    <a:pt x="354" y="576"/>
+                  </a:cubicBezTo>
+                  <a:cubicBezTo>
+                    <a:pt x="333" y="664"/>
+                    <a:pt x="320" y="753"/>
+                    <a:pt x="332" y="844"/>
+                  </a:cubicBezTo>
+                  <a:cubicBezTo>
+                    <a:pt x="334" y="862"/>
+                    <a:pt x="350" y="858"/>
+                    <a:pt x="351" y="858"/>
+                  </a:cubicBezTo>
+                  <a:cubicBezTo>
+                    <a:pt x="365" y="846"/>
+                    <a:pt x="386" y="841"/>
+                    <a:pt x="395" y="829"/>
+                  </a:cubicBezTo>
+                  <a:cubicBezTo>
+                    <a:pt x="410" y="808"/>
+                    <a:pt x="418" y="781"/>
+                    <a:pt x="426" y="756"/>
+                  </a:cubicBezTo>
+                  <a:cubicBezTo>
+                    <a:pt x="463" y="630"/>
+                    <a:pt x="490" y="501"/>
+                    <a:pt x="514" y="372"/>
+                  </a:cubicBezTo>
+                  <a:cubicBezTo>
+                    <a:pt x="524" y="323"/>
+                    <a:pt x="547" y="297"/>
+                    <a:pt x="593" y="285"/>
+                  </a:cubicBezTo>
+                  <a:cubicBezTo>
+                    <a:pt x="596" y="304"/>
+                    <a:pt x="591" y="322"/>
+                    <a:pt x="586" y="338"/>
+                  </a:cubicBezTo>
+                  <a:cubicBezTo>
+                    <a:pt x="566" y="401"/>
+                    <a:pt x="553" y="465"/>
+                    <a:pt x="558" y="530"/>
+                  </a:cubicBezTo>
+                  <a:cubicBezTo>
+                    <a:pt x="560" y="563"/>
+                    <a:pt x="546" y="607"/>
+                    <a:pt x="588" y="631"/>
+                  </a:cubicBezTo>
+                  <a:cubicBezTo>
+                    <a:pt x="588" y="631"/>
+                    <a:pt x="588" y="631"/>
+                    <a:pt x="588" y="631"/>
+                  </a:cubicBezTo>
+                  <a:cubicBezTo>
+                    <a:pt x="588" y="631"/>
+                    <a:pt x="588" y="631"/>
+                    <a:pt x="588" y="631"/>
+                  </a:cubicBezTo>
+                  <a:cubicBezTo>
+                    <a:pt x="591" y="641"/>
+                    <a:pt x="594" y="650"/>
+                    <a:pt x="598" y="661"/>
+                  </a:cubicBezTo>
+                  <a:cubicBezTo>
+                    <a:pt x="607" y="651"/>
+                    <a:pt x="609" y="642"/>
+                    <a:pt x="609" y="631"/>
+                  </a:cubicBezTo>
+                  <a:cubicBezTo>
+                    <a:pt x="607" y="629"/>
+                    <a:pt x="604" y="627"/>
+                    <a:pt x="602" y="626"/>
+                  </a:cubicBezTo>
+                  <a:cubicBezTo>
+                    <a:pt x="604" y="625"/>
+                    <a:pt x="607" y="626"/>
+                    <a:pt x="609" y="631"/>
+                  </a:cubicBezTo>
+                  <a:cubicBezTo>
+                    <a:pt x="624" y="577"/>
+                    <a:pt x="623" y="519"/>
+                    <a:pt x="642" y="463"/>
+                  </a:cubicBezTo>
+                  <a:cubicBezTo>
+                    <a:pt x="658" y="474"/>
+                    <a:pt x="674" y="479"/>
+                    <a:pt x="692" y="481"/>
+                  </a:cubicBezTo>
+                  <a:cubicBezTo>
+                    <a:pt x="733" y="487"/>
+                    <a:pt x="770" y="466"/>
+                    <a:pt x="810" y="461"/>
+                  </a:cubicBezTo>
+                  <a:cubicBezTo>
+                    <a:pt x="830" y="459"/>
+                    <a:pt x="836" y="462"/>
+                    <a:pt x="843" y="477"/>
+                  </a:cubicBezTo>
+                  <a:cubicBezTo>
+                    <a:pt x="865" y="521"/>
+                    <a:pt x="881" y="567"/>
+                    <a:pt x="890" y="617"/>
+                  </a:cubicBezTo>
+                  <a:cubicBezTo>
+                    <a:pt x="902" y="691"/>
+                    <a:pt x="905" y="690"/>
+                    <a:pt x="978" y="679"/>
+                  </a:cubicBezTo>
+                  <a:cubicBezTo>
+                    <a:pt x="1013" y="674"/>
+                    <a:pt x="1018" y="655"/>
+                    <a:pt x="1013" y="627"/>
+                  </a:cubicBezTo>
+                  <a:cubicBezTo>
+                    <a:pt x="1010" y="609"/>
+                    <a:pt x="1005" y="590"/>
+                    <a:pt x="996" y="573"/>
+                  </a:cubicBezTo>
+                  <a:cubicBezTo>
+                    <a:pt x="971" y="523"/>
+                    <a:pt x="959" y="469"/>
+                    <a:pt x="943" y="416"/>
+                  </a:cubicBezTo>
+                  <a:cubicBezTo>
+                    <a:pt x="939" y="404"/>
+                    <a:pt x="941" y="394"/>
+                    <a:pt x="946" y="385"/>
+                  </a:cubicBezTo>
+                  <a:cubicBezTo>
+                    <a:pt x="958" y="363"/>
+                    <a:pt x="952" y="345"/>
+                    <a:pt x="929" y="342"/>
+                  </a:cubicBezTo>
+                  <a:cubicBezTo>
+                    <a:pt x="920" y="341"/>
+                    <a:pt x="913" y="345"/>
+                    <a:pt x="907" y="334"/>
+                  </a:cubicBezTo>
+                  <a:cubicBezTo>
+                    <a:pt x="880" y="282"/>
+                    <a:pt x="848" y="233"/>
+                    <a:pt x="825" y="180"/>
+                  </a:cubicBezTo>
+                  <a:cubicBezTo>
+                    <a:pt x="805" y="134"/>
+                    <a:pt x="781" y="90"/>
+                    <a:pt x="753" y="48"/>
+                  </a:cubicBezTo>
+                  <a:cubicBezTo>
+                    <a:pt x="749" y="41"/>
+                    <a:pt x="743" y="28"/>
+                    <a:pt x="735" y="32"/>
+                  </a:cubicBezTo>
+                  <a:cubicBezTo>
+                    <a:pt x="710" y="45"/>
+                    <a:pt x="684" y="60"/>
+                    <a:pt x="666" y="83"/>
+                  </a:cubicBezTo>
+                  <a:cubicBezTo>
+                    <a:pt x="653" y="100"/>
+                    <a:pt x="673" y="112"/>
+                    <a:pt x="676" y="127"/>
+                  </a:cubicBezTo>
+                  <a:cubicBezTo>
+                    <a:pt x="678" y="139"/>
+                    <a:pt x="696" y="150"/>
+                    <a:pt x="673" y="161"/>
+                  </a:cubicBezTo>
+                  <a:cubicBezTo>
+                    <a:pt x="636" y="178"/>
+                    <a:pt x="601" y="201"/>
+                    <a:pt x="557" y="213"/>
+                  </a:cubicBezTo>
+                  <a:cubicBezTo>
+                    <a:pt x="566" y="170"/>
+                    <a:pt x="573" y="129"/>
+                    <a:pt x="582" y="89"/>
+                  </a:cubicBezTo>
+                  <a:cubicBezTo>
+                    <a:pt x="592" y="45"/>
+                    <a:pt x="584" y="29"/>
+                    <a:pt x="539" y="12"/>
+                  </a:cubicBezTo>
+                  <a:cubicBezTo>
+                    <a:pt x="506" y="0"/>
+                    <a:pt x="499" y="30"/>
+                    <a:pt x="486" y="48"/>
+                  </a:cubicBezTo>
+                  <a:cubicBezTo>
+                    <a:pt x="474" y="64"/>
+                    <a:pt x="466" y="83"/>
+                    <a:pt x="462" y="103"/>
+                  </a:cubicBezTo>
+                  <a:cubicBezTo>
+                    <a:pt x="450" y="152"/>
+                    <a:pt x="438" y="201"/>
+                    <a:pt x="426" y="250"/>
+                  </a:cubicBezTo>
+                  <a:cubicBezTo>
+                    <a:pt x="423" y="263"/>
+                    <a:pt x="421" y="275"/>
+                    <a:pt x="406" y="280"/>
+                  </a:cubicBezTo>
+                  <a:cubicBezTo>
+                    <a:pt x="363" y="292"/>
+                    <a:pt x="319" y="305"/>
+                    <a:pt x="276" y="318"/>
+                  </a:cubicBezTo>
+                  <a:cubicBezTo>
+                    <a:pt x="255" y="324"/>
+                    <a:pt x="252" y="314"/>
+                    <a:pt x="255" y="297"/>
+                  </a:cubicBezTo>
+                  <a:cubicBezTo>
+                    <a:pt x="261" y="261"/>
+                    <a:pt x="266" y="225"/>
+                    <a:pt x="281" y="191"/>
+                  </a:cubicBezTo>
+                  <a:cubicBezTo>
+                    <a:pt x="294" y="161"/>
+                    <a:pt x="298" y="130"/>
+                    <a:pt x="300" y="99"/>
+                  </a:cubicBezTo>
+                  <a:cubicBezTo>
+                    <a:pt x="301" y="83"/>
+                    <a:pt x="297" y="76"/>
+                    <a:pt x="279" y="76"/>
+                  </a:cubicBezTo>
+                  <a:cubicBezTo>
+                    <a:pt x="261" y="75"/>
+                    <a:pt x="242" y="71"/>
+                    <a:pt x="224" y="66"/>
+                  </a:cubicBezTo>
+                  <a:cubicBezTo>
+                    <a:pt x="192" y="57"/>
+                    <a:pt x="183" y="72"/>
+                    <a:pt x="171" y="100"/>
+                  </a:cubicBezTo>
+                  <a:cubicBezTo>
+                    <a:pt x="143" y="164"/>
+                    <a:pt x="145" y="233"/>
+                    <a:pt x="126" y="298"/>
+                  </a:cubicBezTo>
+                  <a:cubicBezTo>
+                    <a:pt x="114" y="341"/>
+                    <a:pt x="97" y="356"/>
+                    <a:pt x="59" y="358"/>
+                  </a:cubicBezTo>
+                  <a:close/>
+                  <a:moveTo>
+                    <a:pt x="697" y="282"/>
+                  </a:moveTo>
+                  <a:cubicBezTo>
+                    <a:pt x="703" y="265"/>
+                    <a:pt x="715" y="249"/>
+                    <a:pt x="725" y="232"/>
+                  </a:cubicBezTo>
+                  <a:cubicBezTo>
+                    <a:pt x="757" y="273"/>
+                    <a:pt x="777" y="314"/>
+                    <a:pt x="794" y="358"/>
+                  </a:cubicBezTo>
+                  <a:cubicBezTo>
+                    <a:pt x="802" y="378"/>
+                    <a:pt x="797" y="383"/>
+                    <a:pt x="779" y="382"/>
+                  </a:cubicBezTo>
+                  <a:cubicBezTo>
+                    <a:pt x="774" y="382"/>
+                    <a:pt x="769" y="383"/>
+                    <a:pt x="764" y="383"/>
+                  </a:cubicBezTo>
+                  <a:cubicBezTo>
+                    <a:pt x="618" y="393"/>
+                    <a:pt x="664" y="384"/>
+                    <a:pt x="697" y="282"/>
+                  </a:cubicBezTo>
+                  <a:close/>
+                </a:path>
+              </a:pathLst>
+            </a:custGeom>
+            <a:grpFill/>
+            <a:ln>
+              <a:noFill/>
+            </a:ln>
+          </p:spPr>
+          <p:txBody>
+            <a:bodyPr vert="horz" wrap="square" lIns="91440" tIns="45720" rIns="91440" bIns="45720" numCol="1" anchor="t" anchorCtr="0" compatLnSpc="1">
+              <a:prstTxWarp prst="textNoShape">
+                <a:avLst/>
+              </a:prstTxWarp>
+            </a:bodyPr>
+            <a:lstStyle/>
+            <a:p>
+              <a:endParaRPr lang="zh-CN" altLang="en-US"/>
+            </a:p>
+          </p:txBody>
+        </p:sp>
+        <p:sp>
+          <p:nvSpPr>
+            <p:cNvPr id="13" name="Freeform 9">
+              <a:extLst>
+                <a:ext uri="{FF2B5EF4-FFF2-40B4-BE49-F238E27FC236}">
+                  <a16:creationId xmlns:a16="http://schemas.microsoft.com/office/drawing/2014/main" xmlns="" id="{338F51A4-22DB-4F02-BFC0-157874601294}"/>
+                </a:ext>
+              </a:extLst>
+            </p:cNvPr>
+            <p:cNvSpPr>
+              <a:spLocks noEditPoints="1"/>
+            </p:cNvSpPr>
+            <p:nvPr/>
+          </p:nvSpPr>
+          <p:spPr bwMode="auto">
+            <a:xfrm>
+              <a:off x="6592888" y="-477838"/>
+              <a:ext cx="1638300" cy="1947863"/>
+            </a:xfrm>
+            <a:custGeom>
+              <a:avLst/>
+              <a:gdLst>
+                <a:gd name="T0" fmla="*/ 14 w 873"/>
+                <a:gd name="T1" fmla="*/ 1009 h 1036"/>
+                <a:gd name="T2" fmla="*/ 20 w 873"/>
+                <a:gd name="T3" fmla="*/ 1026 h 1036"/>
+                <a:gd name="T4" fmla="*/ 44 w 873"/>
+                <a:gd name="T5" fmla="*/ 1024 h 1036"/>
+                <a:gd name="T6" fmla="*/ 118 w 873"/>
+                <a:gd name="T7" fmla="*/ 878 h 1036"/>
+                <a:gd name="T8" fmla="*/ 151 w 873"/>
+                <a:gd name="T9" fmla="*/ 746 h 1036"/>
+                <a:gd name="T10" fmla="*/ 167 w 873"/>
+                <a:gd name="T11" fmla="*/ 764 h 1036"/>
+                <a:gd name="T12" fmla="*/ 280 w 873"/>
+                <a:gd name="T13" fmla="*/ 911 h 1036"/>
+                <a:gd name="T14" fmla="*/ 435 w 873"/>
+                <a:gd name="T15" fmla="*/ 964 h 1036"/>
+                <a:gd name="T16" fmla="*/ 466 w 873"/>
+                <a:gd name="T17" fmla="*/ 913 h 1036"/>
+                <a:gd name="T18" fmla="*/ 696 w 873"/>
+                <a:gd name="T19" fmla="*/ 846 h 1036"/>
+                <a:gd name="T20" fmla="*/ 762 w 873"/>
+                <a:gd name="T21" fmla="*/ 639 h 1036"/>
+                <a:gd name="T22" fmla="*/ 639 w 873"/>
+                <a:gd name="T23" fmla="*/ 496 h 1036"/>
+                <a:gd name="T24" fmla="*/ 650 w 873"/>
+                <a:gd name="T25" fmla="*/ 490 h 1036"/>
+                <a:gd name="T26" fmla="*/ 676 w 873"/>
+                <a:gd name="T27" fmla="*/ 443 h 1036"/>
+                <a:gd name="T28" fmla="*/ 650 w 873"/>
+                <a:gd name="T29" fmla="*/ 416 h 1036"/>
+                <a:gd name="T30" fmla="*/ 650 w 873"/>
+                <a:gd name="T31" fmla="*/ 401 h 1036"/>
+                <a:gd name="T32" fmla="*/ 766 w 873"/>
+                <a:gd name="T33" fmla="*/ 311 h 1036"/>
+                <a:gd name="T34" fmla="*/ 837 w 873"/>
+                <a:gd name="T35" fmla="*/ 325 h 1036"/>
+                <a:gd name="T36" fmla="*/ 837 w 873"/>
+                <a:gd name="T37" fmla="*/ 325 h 1036"/>
+                <a:gd name="T38" fmla="*/ 863 w 873"/>
+                <a:gd name="T39" fmla="*/ 362 h 1036"/>
+                <a:gd name="T40" fmla="*/ 858 w 873"/>
+                <a:gd name="T41" fmla="*/ 317 h 1036"/>
+                <a:gd name="T42" fmla="*/ 861 w 873"/>
+                <a:gd name="T43" fmla="*/ 281 h 1036"/>
+                <a:gd name="T44" fmla="*/ 677 w 873"/>
+                <a:gd name="T45" fmla="*/ 218 h 1036"/>
+                <a:gd name="T46" fmla="*/ 613 w 873"/>
+                <a:gd name="T47" fmla="*/ 265 h 1036"/>
+                <a:gd name="T48" fmla="*/ 474 w 873"/>
+                <a:gd name="T49" fmla="*/ 462 h 1036"/>
+                <a:gd name="T50" fmla="*/ 446 w 873"/>
+                <a:gd name="T51" fmla="*/ 482 h 1036"/>
+                <a:gd name="T52" fmla="*/ 227 w 873"/>
+                <a:gd name="T53" fmla="*/ 529 h 1036"/>
+                <a:gd name="T54" fmla="*/ 204 w 873"/>
+                <a:gd name="T55" fmla="*/ 507 h 1036"/>
+                <a:gd name="T56" fmla="*/ 256 w 873"/>
+                <a:gd name="T57" fmla="*/ 298 h 1036"/>
+                <a:gd name="T58" fmla="*/ 306 w 873"/>
+                <a:gd name="T59" fmla="*/ 72 h 1036"/>
+                <a:gd name="T60" fmla="*/ 256 w 873"/>
+                <a:gd name="T61" fmla="*/ 12 h 1036"/>
+                <a:gd name="T62" fmla="*/ 217 w 873"/>
+                <a:gd name="T63" fmla="*/ 37 h 1036"/>
+                <a:gd name="T64" fmla="*/ 173 w 873"/>
+                <a:gd name="T65" fmla="*/ 140 h 1036"/>
+                <a:gd name="T66" fmla="*/ 88 w 873"/>
+                <a:gd name="T67" fmla="*/ 513 h 1036"/>
+                <a:gd name="T68" fmla="*/ 57 w 873"/>
+                <a:gd name="T69" fmla="*/ 633 h 1036"/>
+                <a:gd name="T70" fmla="*/ 14 w 873"/>
+                <a:gd name="T71" fmla="*/ 1009 h 1036"/>
+                <a:gd name="T72" fmla="*/ 431 w 873"/>
+                <a:gd name="T73" fmla="*/ 585 h 1036"/>
+                <a:gd name="T74" fmla="*/ 442 w 873"/>
+                <a:gd name="T75" fmla="*/ 583 h 1036"/>
+                <a:gd name="T76" fmla="*/ 566 w 873"/>
+                <a:gd name="T77" fmla="*/ 617 h 1036"/>
+                <a:gd name="T78" fmla="*/ 617 w 873"/>
+                <a:gd name="T79" fmla="*/ 656 h 1036"/>
+                <a:gd name="T80" fmla="*/ 629 w 873"/>
+                <a:gd name="T81" fmla="*/ 754 h 1036"/>
+                <a:gd name="T82" fmla="*/ 521 w 873"/>
+                <a:gd name="T83" fmla="*/ 826 h 1036"/>
+                <a:gd name="T84" fmla="*/ 469 w 873"/>
+                <a:gd name="T85" fmla="*/ 873 h 1036"/>
+                <a:gd name="T86" fmla="*/ 456 w 873"/>
+                <a:gd name="T87" fmla="*/ 875 h 1036"/>
+                <a:gd name="T88" fmla="*/ 440 w 873"/>
+                <a:gd name="T89" fmla="*/ 881 h 1036"/>
+                <a:gd name="T90" fmla="*/ 440 w 873"/>
+                <a:gd name="T91" fmla="*/ 881 h 1036"/>
+                <a:gd name="T92" fmla="*/ 440 w 873"/>
+                <a:gd name="T93" fmla="*/ 881 h 1036"/>
+                <a:gd name="T94" fmla="*/ 370 w 873"/>
+                <a:gd name="T95" fmla="*/ 820 h 1036"/>
+                <a:gd name="T96" fmla="*/ 313 w 873"/>
+                <a:gd name="T97" fmla="*/ 762 h 1036"/>
+                <a:gd name="T98" fmla="*/ 205 w 873"/>
+                <a:gd name="T99" fmla="*/ 650 h 1036"/>
+                <a:gd name="T100" fmla="*/ 431 w 873"/>
+                <a:gd name="T101" fmla="*/ 585 h 1036"/>
+              </a:gdLst>
+              <a:ahLst/>
+              <a:cxnLst>
+                <a:cxn ang="0">
+                  <a:pos x="T0" y="T1"/>
+                </a:cxn>
+                <a:cxn ang="0">
+                  <a:pos x="T2" y="T3"/>
+                </a:cxn>
+                <a:cxn ang="0">
+                  <a:pos x="T4" y="T5"/>
+                </a:cxn>
+                <a:cxn ang="0">
+                  <a:pos x="T6" y="T7"/>
+                </a:cxn>
+                <a:cxn ang="0">
+                  <a:pos x="T8" y="T9"/>
+                </a:cxn>
+                <a:cxn ang="0">
+                  <a:pos x="T10" y="T11"/>
+                </a:cxn>
+                <a:cxn ang="0">
+                  <a:pos x="T12" y="T13"/>
+                </a:cxn>
+                <a:cxn ang="0">
+                  <a:pos x="T14" y="T15"/>
+                </a:cxn>
+                <a:cxn ang="0">
+                  <a:pos x="T16" y="T17"/>
+                </a:cxn>
+                <a:cxn ang="0">
+                  <a:pos x="T18" y="T19"/>
+                </a:cxn>
+                <a:cxn ang="0">
+                  <a:pos x="T20" y="T21"/>
+                </a:cxn>
+                <a:cxn ang="0">
+                  <a:pos x="T22" y="T23"/>
+                </a:cxn>
+                <a:cxn ang="0">
+                  <a:pos x="T24" y="T25"/>
+                </a:cxn>
+                <a:cxn ang="0">
+                  <a:pos x="T26" y="T27"/>
+                </a:cxn>
+                <a:cxn ang="0">
+                  <a:pos x="T28" y="T29"/>
+                </a:cxn>
+                <a:cxn ang="0">
+                  <a:pos x="T30" y="T31"/>
+                </a:cxn>
+                <a:cxn ang="0">
+                  <a:pos x="T32" y="T33"/>
+                </a:cxn>
+                <a:cxn ang="0">
+                  <a:pos x="T34" y="T35"/>
+                </a:cxn>
+                <a:cxn ang="0">
+                  <a:pos x="T36" y="T37"/>
+                </a:cxn>
+                <a:cxn ang="0">
+                  <a:pos x="T38" y="T39"/>
+                </a:cxn>
+                <a:cxn ang="0">
+                  <a:pos x="T40" y="T41"/>
+                </a:cxn>
+                <a:cxn ang="0">
+                  <a:pos x="T42" y="T43"/>
+                </a:cxn>
+                <a:cxn ang="0">
+                  <a:pos x="T44" y="T45"/>
+                </a:cxn>
+                <a:cxn ang="0">
+                  <a:pos x="T46" y="T47"/>
+                </a:cxn>
+                <a:cxn ang="0">
+                  <a:pos x="T48" y="T49"/>
+                </a:cxn>
+                <a:cxn ang="0">
+                  <a:pos x="T50" y="T51"/>
+                </a:cxn>
+                <a:cxn ang="0">
+                  <a:pos x="T52" y="T53"/>
+                </a:cxn>
+                <a:cxn ang="0">
+                  <a:pos x="T54" y="T55"/>
+                </a:cxn>
+                <a:cxn ang="0">
+                  <a:pos x="T56" y="T57"/>
+                </a:cxn>
+                <a:cxn ang="0">
+                  <a:pos x="T58" y="T59"/>
+                </a:cxn>
+                <a:cxn ang="0">
+                  <a:pos x="T60" y="T61"/>
+                </a:cxn>
+                <a:cxn ang="0">
+                  <a:pos x="T62" y="T63"/>
+                </a:cxn>
+                <a:cxn ang="0">
+                  <a:pos x="T64" y="T65"/>
+                </a:cxn>
+                <a:cxn ang="0">
+                  <a:pos x="T66" y="T67"/>
+                </a:cxn>
+                <a:cxn ang="0">
+                  <a:pos x="T68" y="T69"/>
+                </a:cxn>
+                <a:cxn ang="0">
+                  <a:pos x="T70" y="T71"/>
+                </a:cxn>
+                <a:cxn ang="0">
+                  <a:pos x="T72" y="T73"/>
+                </a:cxn>
+                <a:cxn ang="0">
+                  <a:pos x="T74" y="T75"/>
+                </a:cxn>
+                <a:cxn ang="0">
+                  <a:pos x="T76" y="T77"/>
+                </a:cxn>
+                <a:cxn ang="0">
+                  <a:pos x="T78" y="T79"/>
+                </a:cxn>
+                <a:cxn ang="0">
+                  <a:pos x="T80" y="T81"/>
+                </a:cxn>
+                <a:cxn ang="0">
+                  <a:pos x="T82" y="T83"/>
+                </a:cxn>
+                <a:cxn ang="0">
+                  <a:pos x="T84" y="T85"/>
+                </a:cxn>
+                <a:cxn ang="0">
+                  <a:pos x="T86" y="T87"/>
+                </a:cxn>
+                <a:cxn ang="0">
+                  <a:pos x="T88" y="T89"/>
+                </a:cxn>
+                <a:cxn ang="0">
+                  <a:pos x="T90" y="T91"/>
+                </a:cxn>
+                <a:cxn ang="0">
+                  <a:pos x="T92" y="T93"/>
+                </a:cxn>
+                <a:cxn ang="0">
+                  <a:pos x="T94" y="T95"/>
+                </a:cxn>
+                <a:cxn ang="0">
+                  <a:pos x="T96" y="T97"/>
+                </a:cxn>
+                <a:cxn ang="0">
+                  <a:pos x="T98" y="T99"/>
+                </a:cxn>
+                <a:cxn ang="0">
+                  <a:pos x="T100" y="T101"/>
+                </a:cxn>
+              </a:cxnLst>
+              <a:rect l="0" t="0" r="r" b="b"/>
+              <a:pathLst>
+                <a:path w="873" h="1036">
+                  <a:moveTo>
+                    <a:pt x="14" y="1009"/>
+                  </a:moveTo>
+                  <a:cubicBezTo>
+                    <a:pt x="14" y="1015"/>
+                    <a:pt x="9" y="1032"/>
+                    <a:pt x="20" y="1026"/>
+                  </a:cubicBezTo>
+                  <a:cubicBezTo>
+                    <a:pt x="29" y="1021"/>
+                    <a:pt x="33" y="1036"/>
+                    <a:pt x="44" y="1024"/>
+                  </a:cubicBezTo>
+                  <a:cubicBezTo>
+                    <a:pt x="83" y="982"/>
+                    <a:pt x="105" y="933"/>
+                    <a:pt x="118" y="878"/>
+                  </a:cubicBezTo>
+                  <a:cubicBezTo>
+                    <a:pt x="129" y="836"/>
+                    <a:pt x="139" y="793"/>
+                    <a:pt x="151" y="746"/>
+                  </a:cubicBezTo>
+                  <a:cubicBezTo>
+                    <a:pt x="159" y="755"/>
+                    <a:pt x="164" y="759"/>
+                    <a:pt x="167" y="764"/>
+                  </a:cubicBezTo>
+                  <a:cubicBezTo>
+                    <a:pt x="205" y="813"/>
+                    <a:pt x="243" y="862"/>
+                    <a:pt x="280" y="911"/>
+                  </a:cubicBezTo>
+                  <a:cubicBezTo>
+                    <a:pt x="320" y="964"/>
+                    <a:pt x="374" y="978"/>
+                    <a:pt x="435" y="964"/>
+                  </a:cubicBezTo>
+                  <a:cubicBezTo>
+                    <a:pt x="460" y="959"/>
+                    <a:pt x="488" y="949"/>
+                    <a:pt x="466" y="913"/>
+                  </a:cubicBezTo>
+                  <a:cubicBezTo>
+                    <a:pt x="550" y="909"/>
+                    <a:pt x="628" y="898"/>
+                    <a:pt x="696" y="846"/>
+                  </a:cubicBezTo>
+                  <a:cubicBezTo>
+                    <a:pt x="763" y="796"/>
+                    <a:pt x="789" y="719"/>
+                    <a:pt x="762" y="639"/>
+                  </a:cubicBezTo>
+                  <a:cubicBezTo>
+                    <a:pt x="741" y="574"/>
+                    <a:pt x="691" y="535"/>
+                    <a:pt x="639" y="496"/>
+                  </a:cubicBezTo>
+                  <a:cubicBezTo>
+                    <a:pt x="644" y="494"/>
+                    <a:pt x="647" y="492"/>
+                    <a:pt x="650" y="490"/>
+                  </a:cubicBezTo>
+                  <a:cubicBezTo>
+                    <a:pt x="665" y="478"/>
+                    <a:pt x="673" y="460"/>
+                    <a:pt x="676" y="443"/>
+                  </a:cubicBezTo>
+                  <a:cubicBezTo>
+                    <a:pt x="679" y="429"/>
+                    <a:pt x="671" y="415"/>
+                    <a:pt x="650" y="416"/>
+                  </a:cubicBezTo>
+                  <a:cubicBezTo>
+                    <a:pt x="643" y="416"/>
+                    <a:pt x="646" y="404"/>
+                    <a:pt x="650" y="401"/>
+                  </a:cubicBezTo>
+                  <a:cubicBezTo>
+                    <a:pt x="689" y="371"/>
+                    <a:pt x="702" y="310"/>
+                    <a:pt x="766" y="311"/>
+                  </a:cubicBezTo>
+                  <a:cubicBezTo>
+                    <a:pt x="791" y="312"/>
+                    <a:pt x="813" y="322"/>
+                    <a:pt x="837" y="325"/>
+                  </a:cubicBezTo>
+                  <a:cubicBezTo>
+                    <a:pt x="837" y="325"/>
+                    <a:pt x="837" y="325"/>
+                    <a:pt x="837" y="325"/>
+                  </a:cubicBezTo>
+                  <a:cubicBezTo>
+                    <a:pt x="840" y="341"/>
+                    <a:pt x="860" y="345"/>
+                    <a:pt x="863" y="362"/>
+                  </a:cubicBezTo>
+                  <a:cubicBezTo>
+                    <a:pt x="870" y="345"/>
+                    <a:pt x="868" y="331"/>
+                    <a:pt x="858" y="317"/>
+                  </a:cubicBezTo>
+                  <a:cubicBezTo>
+                    <a:pt x="873" y="306"/>
+                    <a:pt x="868" y="294"/>
+                    <a:pt x="861" y="281"/>
+                  </a:cubicBezTo>
+                  <a:cubicBezTo>
+                    <a:pt x="835" y="230"/>
+                    <a:pt x="755" y="177"/>
+                    <a:pt x="677" y="218"/>
+                  </a:cubicBezTo>
+                  <a:cubicBezTo>
+                    <a:pt x="653" y="231"/>
+                    <a:pt x="632" y="246"/>
+                    <a:pt x="613" y="265"/>
+                  </a:cubicBezTo>
+                  <a:cubicBezTo>
+                    <a:pt x="555" y="322"/>
+                    <a:pt x="490" y="375"/>
+                    <a:pt x="474" y="462"/>
+                  </a:cubicBezTo>
+                  <a:cubicBezTo>
+                    <a:pt x="470" y="480"/>
+                    <a:pt x="457" y="478"/>
+                    <a:pt x="446" y="482"/>
+                  </a:cubicBezTo>
+                  <a:cubicBezTo>
+                    <a:pt x="374" y="504"/>
+                    <a:pt x="301" y="514"/>
+                    <a:pt x="227" y="529"/>
+                  </a:cubicBezTo>
+                  <a:cubicBezTo>
+                    <a:pt x="205" y="533"/>
+                    <a:pt x="200" y="526"/>
+                    <a:pt x="204" y="507"/>
+                  </a:cubicBezTo>
+                  <a:cubicBezTo>
+                    <a:pt x="221" y="437"/>
+                    <a:pt x="236" y="367"/>
+                    <a:pt x="256" y="298"/>
+                  </a:cubicBezTo>
+                  <a:cubicBezTo>
+                    <a:pt x="277" y="223"/>
+                    <a:pt x="288" y="147"/>
+                    <a:pt x="306" y="72"/>
+                  </a:cubicBezTo>
+                  <a:cubicBezTo>
+                    <a:pt x="315" y="32"/>
+                    <a:pt x="281" y="24"/>
+                    <a:pt x="256" y="12"/>
+                  </a:cubicBezTo>
+                  <a:cubicBezTo>
+                    <a:pt x="233" y="0"/>
+                    <a:pt x="226" y="24"/>
+                    <a:pt x="217" y="37"/>
+                  </a:cubicBezTo>
+                  <a:cubicBezTo>
+                    <a:pt x="194" y="68"/>
+                    <a:pt x="181" y="103"/>
+                    <a:pt x="173" y="140"/>
+                  </a:cubicBezTo>
+                  <a:cubicBezTo>
+                    <a:pt x="145" y="265"/>
+                    <a:pt x="120" y="390"/>
+                    <a:pt x="88" y="513"/>
+                  </a:cubicBezTo>
+                  <a:cubicBezTo>
+                    <a:pt x="77" y="553"/>
+                    <a:pt x="64" y="591"/>
+                    <a:pt x="57" y="633"/>
+                  </a:cubicBezTo>
+                  <a:cubicBezTo>
+                    <a:pt x="35" y="758"/>
+                    <a:pt x="0" y="881"/>
+                    <a:pt x="14" y="1009"/>
+                  </a:cubicBezTo>
+                  <a:close/>
+                  <a:moveTo>
+                    <a:pt x="431" y="585"/>
+                  </a:moveTo>
+                  <a:cubicBezTo>
+                    <a:pt x="435" y="585"/>
+                    <a:pt x="439" y="585"/>
+                    <a:pt x="442" y="583"/>
+                  </a:cubicBezTo>
+                  <a:cubicBezTo>
+                    <a:pt x="498" y="542"/>
+                    <a:pt x="531" y="579"/>
+                    <a:pt x="566" y="617"/>
+                  </a:cubicBezTo>
+                  <a:cubicBezTo>
+                    <a:pt x="580" y="633"/>
+                    <a:pt x="598" y="647"/>
+                    <a:pt x="617" y="656"/>
+                  </a:cubicBezTo>
+                  <a:cubicBezTo>
+                    <a:pt x="666" y="679"/>
+                    <a:pt x="659" y="719"/>
+                    <a:pt x="629" y="754"/>
+                  </a:cubicBezTo>
+                  <a:cubicBezTo>
+                    <a:pt x="601" y="788"/>
+                    <a:pt x="559" y="807"/>
+                    <a:pt x="521" y="826"/>
+                  </a:cubicBezTo>
+                  <a:cubicBezTo>
+                    <a:pt x="497" y="838"/>
+                    <a:pt x="475" y="843"/>
+                    <a:pt x="469" y="873"/>
+                  </a:cubicBezTo>
+                  <a:cubicBezTo>
+                    <a:pt x="469" y="874"/>
+                    <a:pt x="461" y="874"/>
+                    <a:pt x="456" y="875"/>
+                  </a:cubicBezTo>
+                  <a:cubicBezTo>
+                    <a:pt x="451" y="877"/>
+                    <a:pt x="445" y="879"/>
+                    <a:pt x="440" y="881"/>
+                  </a:cubicBezTo>
+                  <a:cubicBezTo>
+                    <a:pt x="440" y="881"/>
+                    <a:pt x="440" y="881"/>
+                    <a:pt x="440" y="881"/>
+                  </a:cubicBezTo>
+                  <a:cubicBezTo>
+                    <a:pt x="440" y="881"/>
+                    <a:pt x="440" y="881"/>
+                    <a:pt x="440" y="881"/>
+                  </a:cubicBezTo>
+                  <a:cubicBezTo>
+                    <a:pt x="428" y="848"/>
+                    <a:pt x="393" y="841"/>
+                    <a:pt x="370" y="820"/>
+                  </a:cubicBezTo>
+                  <a:cubicBezTo>
+                    <a:pt x="350" y="802"/>
+                    <a:pt x="331" y="783"/>
+                    <a:pt x="313" y="762"/>
+                  </a:cubicBezTo>
+                  <a:cubicBezTo>
+                    <a:pt x="280" y="723"/>
+                    <a:pt x="241" y="688"/>
+                    <a:pt x="205" y="650"/>
+                  </a:cubicBezTo>
+                  <a:cubicBezTo>
+                    <a:pt x="278" y="625"/>
+                    <a:pt x="353" y="599"/>
+                    <a:pt x="431" y="585"/>
+                  </a:cubicBezTo>
+                  <a:close/>
+                </a:path>
+              </a:pathLst>
+            </a:custGeom>
+            <a:grpFill/>
+            <a:ln>
+              <a:noFill/>
+            </a:ln>
+          </p:spPr>
+          <p:txBody>
+            <a:bodyPr vert="horz" wrap="square" lIns="91440" tIns="45720" rIns="91440" bIns="45720" numCol="1" anchor="t" anchorCtr="0" compatLnSpc="1">
+              <a:prstTxWarp prst="textNoShape">
+                <a:avLst/>
+              </a:prstTxWarp>
+            </a:bodyPr>
+            <a:lstStyle/>
+            <a:p>
+              <a:endParaRPr lang="zh-CN" altLang="en-US"/>
+            </a:p>
+          </p:txBody>
+        </p:sp>
+      </p:grpSp>
+    </p:spTree>
+    <p:extLst>
+      <p:ext uri="{BB962C8B-B14F-4D97-AF65-F5344CB8AC3E}">
+        <p14:creationId xmlns:p14="http://schemas.microsoft.com/office/powerpoint/2010/main" xmlns="" val="1259043032"/>
       </p:ext>
     </p:extLst>
   </p:cSld>
@@ -2481,10 +4668,10 @@
           <a:lstStyle/>
           <a:p>
             <a:r>
-              <a:rPr lang="en-US" altLang="zh-CN" dirty="0" smtClean="0"/>
-              <a:t>Section Header</a:t>
-            </a:r>
-            <a:endParaRPr lang="zh-CN" altLang="en-US" b="0" dirty="0"/>
+              <a:rPr lang="zh-CN" altLang="en-US" dirty="0" smtClean="0"/>
+              <a:t>接口规范</a:t>
+            </a:r>
+            <a:endParaRPr lang="zh-CN" altLang="en-US" dirty="0"/>
           </a:p>
         </p:txBody>
       </p:sp>
@@ -2617,7 +4804,7 @@
           <p:cNvPr id="44" name="直接连接符 43">
             <a:extLst>
               <a:ext uri="{FF2B5EF4-FFF2-40B4-BE49-F238E27FC236}">
-                <a16:creationId xmlns="" xmlns:a16="http://schemas.microsoft.com/office/drawing/2014/main" id="{55200430-2ECD-48E4-86E8-F9AAAD8E1D02}"/>
+                <a16:creationId xmlns:a16="http://schemas.microsoft.com/office/drawing/2014/main" xmlns="" id="{55200430-2ECD-48E4-86E8-F9AAAD8E1D02}"/>
               </a:ext>
             </a:extLst>
           </p:cNvPr>
@@ -2658,7 +4845,7 @@
           <p:cNvPr id="15" name="文本框 14">
             <a:extLst>
               <a:ext uri="{FF2B5EF4-FFF2-40B4-BE49-F238E27FC236}">
-                <a16:creationId xmlns="" xmlns:a16="http://schemas.microsoft.com/office/drawing/2014/main" id="{04F69230-F3A6-4586-9371-A858F4763E9F}"/>
+                <a16:creationId xmlns:a16="http://schemas.microsoft.com/office/drawing/2014/main" xmlns="" id="{04F69230-F3A6-4586-9371-A858F4763E9F}"/>
               </a:ext>
             </a:extLst>
           </p:cNvPr>
@@ -2710,7 +4897,7 @@
     </p:spTree>
     <p:extLst>
       <p:ext uri="{BB962C8B-B14F-4D97-AF65-F5344CB8AC3E}">
-        <p14:creationId xmlns="" xmlns:p14="http://schemas.microsoft.com/office/powerpoint/2010/main" val="2371597387"/>
+        <p14:creationId xmlns:p14="http://schemas.microsoft.com/office/powerpoint/2010/main" xmlns="" val="2371597387"/>
       </p:ext>
     </p:extLst>
   </p:cSld>
@@ -2749,7 +4936,7 @@
           <p:cNvPr id="16" name="Rounded Rectangle 7">
             <a:extLst>
               <a:ext uri="{FF2B5EF4-FFF2-40B4-BE49-F238E27FC236}">
-                <a16:creationId xmlns="" xmlns:a16="http://schemas.microsoft.com/office/drawing/2014/main" id="{C27B1C4E-B587-43B7-B6C5-A95C4B663D53}"/>
+                <a16:creationId xmlns:a16="http://schemas.microsoft.com/office/drawing/2014/main" xmlns="" id="{C27B1C4E-B587-43B7-B6C5-A95C4B663D53}"/>
               </a:ext>
             </a:extLst>
           </p:cNvPr>
@@ -2803,7 +4990,7 @@
           <p:cNvPr id="20" name="Rounded Rectangle 5">
             <a:extLst>
               <a:ext uri="{FF2B5EF4-FFF2-40B4-BE49-F238E27FC236}">
-                <a16:creationId xmlns="" xmlns:a16="http://schemas.microsoft.com/office/drawing/2014/main" id="{41352CAB-FA48-4E99-BFBA-0713EBA395D3}"/>
+                <a16:creationId xmlns:a16="http://schemas.microsoft.com/office/drawing/2014/main" xmlns="" id="{41352CAB-FA48-4E99-BFBA-0713EBA395D3}"/>
               </a:ext>
             </a:extLst>
           </p:cNvPr>
@@ -2860,7 +5047,7 @@
           <p:cNvPr id="22" name="文本框 14">
             <a:extLst>
               <a:ext uri="{FF2B5EF4-FFF2-40B4-BE49-F238E27FC236}">
-                <a16:creationId xmlns="" xmlns:a16="http://schemas.microsoft.com/office/drawing/2014/main" id="{F9BA9B28-8F3D-4810-BB18-53370E9D74D0}"/>
+                <a16:creationId xmlns:a16="http://schemas.microsoft.com/office/drawing/2014/main" xmlns="" id="{F9BA9B28-8F3D-4810-BB18-53370E9D74D0}"/>
               </a:ext>
             </a:extLst>
           </p:cNvPr>
@@ -2881,7 +5068,7 @@
           </a:ln>
           <a:extLst>
             <a:ext uri="{91240B29-F687-4F45-9708-019B960494DF}">
-              <a14:hiddenLine xmlns="" xmlns:a14="http://schemas.microsoft.com/office/drawing/2010/main" w="9525">
+              <a14:hiddenLine xmlns:a14="http://schemas.microsoft.com/office/drawing/2010/main" xmlns="" w="9525">
                 <a:solidFill>
                   <a:srgbClr val="000000"/>
                 </a:solidFill>
@@ -2986,7 +5173,7 @@
           <p:cNvPr id="23" name="矩形 22">
             <a:extLst>
               <a:ext uri="{FF2B5EF4-FFF2-40B4-BE49-F238E27FC236}">
-                <a16:creationId xmlns="" xmlns:a16="http://schemas.microsoft.com/office/drawing/2014/main" id="{0716DC75-B395-44F7-A71E-815D51CD3E1E}"/>
+                <a16:creationId xmlns:a16="http://schemas.microsoft.com/office/drawing/2014/main" xmlns="" id="{0716DC75-B395-44F7-A71E-815D51CD3E1E}"/>
               </a:ext>
             </a:extLst>
           </p:cNvPr>
@@ -3007,14 +5194,14 @@
           </a:ln>
           <a:extLst>
             <a:ext uri="{909E8E84-426E-40DD-AFC4-6F175D3DCCD1}">
-              <a14:hiddenFill xmlns="" xmlns:a14="http://schemas.microsoft.com/office/drawing/2010/main">
+              <a14:hiddenFill xmlns:a14="http://schemas.microsoft.com/office/drawing/2010/main" xmlns="">
                 <a:solidFill>
                   <a:srgbClr val="FFFFFF"/>
                 </a:solidFill>
               </a14:hiddenFill>
             </a:ext>
             <a:ext uri="{91240B29-F687-4F45-9708-019B960494DF}">
-              <a14:hiddenLine xmlns="" xmlns:a14="http://schemas.microsoft.com/office/drawing/2010/main" w="9525">
+              <a14:hiddenLine xmlns:a14="http://schemas.microsoft.com/office/drawing/2010/main" xmlns="" w="9525">
                 <a:solidFill>
                   <a:srgbClr val="000000"/>
                 </a:solidFill>
@@ -3116,13 +5303,7 @@
               <a:lnSpc>
                 <a:spcPct val="150000"/>
               </a:lnSpc>
-              <a:buFont typeface="Arial" panose="020B0604020202020204" pitchFamily="34" charset="0"/>
-              <a:buChar char="•"/>
             </a:pPr>
-            <a:r>
-              <a:rPr lang="en-US" altLang="zh-CN" sz="1100" dirty="0" smtClean="0"/>
-              <a:t>test</a:t>
-            </a:r>
             <a:endParaRPr lang="en-US" altLang="zh-CN" sz="1100" dirty="0"/>
           </a:p>
         </p:txBody>
@@ -3132,7 +5313,7 @@
           <p:cNvPr id="24" name="直接连接符 23">
             <a:extLst>
               <a:ext uri="{FF2B5EF4-FFF2-40B4-BE49-F238E27FC236}">
-                <a16:creationId xmlns="" xmlns:a16="http://schemas.microsoft.com/office/drawing/2014/main" id="{351D6702-9883-4660-B835-6B7C47409B47}"/>
+                <a16:creationId xmlns:a16="http://schemas.microsoft.com/office/drawing/2014/main" xmlns="" id="{351D6702-9883-4660-B835-6B7C47409B47}"/>
               </a:ext>
             </a:extLst>
           </p:cNvPr>
@@ -3175,7 +5356,7 @@
           <p:cNvPr id="28" name="文本框 20">
             <a:extLst>
               <a:ext uri="{FF2B5EF4-FFF2-40B4-BE49-F238E27FC236}">
-                <a16:creationId xmlns="" xmlns:a16="http://schemas.microsoft.com/office/drawing/2014/main" id="{D9220A36-9C8E-40E3-8C97-9261BA5FB16D}"/>
+                <a16:creationId xmlns:a16="http://schemas.microsoft.com/office/drawing/2014/main" xmlns="" id="{D9220A36-9C8E-40E3-8C97-9261BA5FB16D}"/>
               </a:ext>
             </a:extLst>
           </p:cNvPr>
@@ -3196,7 +5377,7 @@
           </a:ln>
           <a:extLst>
             <a:ext uri="{91240B29-F687-4F45-9708-019B960494DF}">
-              <a14:hiddenLine xmlns="" xmlns:a14="http://schemas.microsoft.com/office/drawing/2010/main" w="9525">
+              <a14:hiddenLine xmlns:a14="http://schemas.microsoft.com/office/drawing/2010/main" xmlns="" w="9525">
                 <a:solidFill>
                   <a:srgbClr val="000000"/>
                 </a:solidFill>
@@ -3298,7 +5479,7 @@
           <p:cNvPr id="29" name="矩形 28">
             <a:extLst>
               <a:ext uri="{FF2B5EF4-FFF2-40B4-BE49-F238E27FC236}">
-                <a16:creationId xmlns="" xmlns:a16="http://schemas.microsoft.com/office/drawing/2014/main" id="{FFD4F739-EA15-47BF-BF6A-17BB1C67EB4E}"/>
+                <a16:creationId xmlns:a16="http://schemas.microsoft.com/office/drawing/2014/main" xmlns="" id="{FFD4F739-EA15-47BF-BF6A-17BB1C67EB4E}"/>
               </a:ext>
             </a:extLst>
           </p:cNvPr>
@@ -3319,14 +5500,14 @@
           </a:ln>
           <a:extLst>
             <a:ext uri="{909E8E84-426E-40DD-AFC4-6F175D3DCCD1}">
-              <a14:hiddenFill xmlns="" xmlns:a14="http://schemas.microsoft.com/office/drawing/2010/main">
+              <a14:hiddenFill xmlns:a14="http://schemas.microsoft.com/office/drawing/2010/main" xmlns="">
                 <a:solidFill>
                   <a:srgbClr val="FFFFFF"/>
                 </a:solidFill>
               </a14:hiddenFill>
             </a:ext>
             <a:ext uri="{91240B29-F687-4F45-9708-019B960494DF}">
-              <a14:hiddenLine xmlns="" xmlns:a14="http://schemas.microsoft.com/office/drawing/2010/main" w="9525">
+              <a14:hiddenLine xmlns:a14="http://schemas.microsoft.com/office/drawing/2010/main" xmlns="" w="9525">
                 <a:solidFill>
                   <a:srgbClr val="000000"/>
                 </a:solidFill>
@@ -3570,7 +5751,7 @@
     </p:spTree>
     <p:extLst>
       <p:ext uri="{BB962C8B-B14F-4D97-AF65-F5344CB8AC3E}">
-        <p14:creationId xmlns="" xmlns:p14="http://schemas.microsoft.com/office/powerpoint/2010/main" val="2371597387"/>
+        <p14:creationId xmlns:p14="http://schemas.microsoft.com/office/powerpoint/2010/main" xmlns="" val="2371597387"/>
       </p:ext>
     </p:extLst>
   </p:cSld>
@@ -3693,7 +5874,7 @@
           <p:cNvPr id="44" name="直接连接符 43">
             <a:extLst>
               <a:ext uri="{FF2B5EF4-FFF2-40B4-BE49-F238E27FC236}">
-                <a16:creationId xmlns="" xmlns:a16="http://schemas.microsoft.com/office/drawing/2014/main" id="{55200430-2ECD-48E4-86E8-F9AAAD8E1D02}"/>
+                <a16:creationId xmlns:a16="http://schemas.microsoft.com/office/drawing/2014/main" xmlns="" id="{55200430-2ECD-48E4-86E8-F9AAAD8E1D02}"/>
               </a:ext>
             </a:extLst>
           </p:cNvPr>
@@ -3734,7 +5915,7 @@
           <p:cNvPr id="15" name="文本框 14">
             <a:extLst>
               <a:ext uri="{FF2B5EF4-FFF2-40B4-BE49-F238E27FC236}">
-                <a16:creationId xmlns="" xmlns:a16="http://schemas.microsoft.com/office/drawing/2014/main" id="{04F69230-F3A6-4586-9371-A858F4763E9F}"/>
+                <a16:creationId xmlns:a16="http://schemas.microsoft.com/office/drawing/2014/main" xmlns="" id="{04F69230-F3A6-4586-9371-A858F4763E9F}"/>
               </a:ext>
             </a:extLst>
           </p:cNvPr>
@@ -3786,7 +5967,7 @@
     </p:spTree>
     <p:extLst>
       <p:ext uri="{BB962C8B-B14F-4D97-AF65-F5344CB8AC3E}">
-        <p14:creationId xmlns="" xmlns:p14="http://schemas.microsoft.com/office/powerpoint/2010/main" val="3086777742"/>
+        <p14:creationId xmlns:p14="http://schemas.microsoft.com/office/powerpoint/2010/main" xmlns="" val="3086777742"/>
       </p:ext>
     </p:extLst>
   </p:cSld>
@@ -3825,7 +6006,7 @@
           <p:cNvPr id="18" name="文本框 10">
             <a:extLst>
               <a:ext uri="{FF2B5EF4-FFF2-40B4-BE49-F238E27FC236}">
-                <a16:creationId xmlns="" xmlns:a16="http://schemas.microsoft.com/office/drawing/2014/main" id="{4260DF62-7F11-427A-840A-1DEB397607E4}"/>
+                <a16:creationId xmlns:a16="http://schemas.microsoft.com/office/drawing/2014/main" xmlns="" id="{4260DF62-7F11-427A-840A-1DEB397607E4}"/>
               </a:ext>
             </a:extLst>
           </p:cNvPr>
@@ -3846,7 +6027,7 @@
           </a:ln>
           <a:extLst>
             <a:ext uri="{91240B29-F687-4F45-9708-019B960494DF}">
-              <a14:hiddenLine xmlns="" xmlns:a14="http://schemas.microsoft.com/office/drawing/2010/main" w="9525">
+              <a14:hiddenLine xmlns:a14="http://schemas.microsoft.com/office/drawing/2010/main" xmlns="" w="9525">
                 <a:solidFill>
                   <a:srgbClr val="000000"/>
                 </a:solidFill>
@@ -3947,7 +6128,7 @@
           <p:cNvPr id="19" name="矩形 18">
             <a:extLst>
               <a:ext uri="{FF2B5EF4-FFF2-40B4-BE49-F238E27FC236}">
-                <a16:creationId xmlns="" xmlns:a16="http://schemas.microsoft.com/office/drawing/2014/main" id="{871C39CC-A0A7-4725-BE91-53C112F75B58}"/>
+                <a16:creationId xmlns:a16="http://schemas.microsoft.com/office/drawing/2014/main" xmlns="" id="{871C39CC-A0A7-4725-BE91-53C112F75B58}"/>
               </a:ext>
             </a:extLst>
           </p:cNvPr>
@@ -3968,14 +6149,14 @@
           </a:ln>
           <a:extLst>
             <a:ext uri="{909E8E84-426E-40DD-AFC4-6F175D3DCCD1}">
-              <a14:hiddenFill xmlns="" xmlns:a14="http://schemas.microsoft.com/office/drawing/2010/main">
+              <a14:hiddenFill xmlns:a14="http://schemas.microsoft.com/office/drawing/2010/main" xmlns="">
                 <a:solidFill>
                   <a:srgbClr val="FFFFFF"/>
                 </a:solidFill>
               </a14:hiddenFill>
             </a:ext>
             <a:ext uri="{91240B29-F687-4F45-9708-019B960494DF}">
-              <a14:hiddenLine xmlns="" xmlns:a14="http://schemas.microsoft.com/office/drawing/2010/main" w="9525">
+              <a14:hiddenLine xmlns:a14="http://schemas.microsoft.com/office/drawing/2010/main" xmlns="" w="9525">
                 <a:solidFill>
                   <a:srgbClr val="000000"/>
                 </a:solidFill>
@@ -4169,7 +6350,7 @@
           <p:cNvPr id="22" name="文本框 14">
             <a:extLst>
               <a:ext uri="{FF2B5EF4-FFF2-40B4-BE49-F238E27FC236}">
-                <a16:creationId xmlns="" xmlns:a16="http://schemas.microsoft.com/office/drawing/2014/main" id="{F9BA9B28-8F3D-4810-BB18-53370E9D74D0}"/>
+                <a16:creationId xmlns:a16="http://schemas.microsoft.com/office/drawing/2014/main" xmlns="" id="{F9BA9B28-8F3D-4810-BB18-53370E9D74D0}"/>
               </a:ext>
             </a:extLst>
           </p:cNvPr>
@@ -4190,7 +6371,7 @@
           </a:ln>
           <a:extLst>
             <a:ext uri="{91240B29-F687-4F45-9708-019B960494DF}">
-              <a14:hiddenLine xmlns="" xmlns:a14="http://schemas.microsoft.com/office/drawing/2010/main" w="9525">
+              <a14:hiddenLine xmlns:a14="http://schemas.microsoft.com/office/drawing/2010/main" xmlns="" w="9525">
                 <a:solidFill>
                   <a:srgbClr val="000000"/>
                 </a:solidFill>
@@ -4300,7 +6481,7 @@
           <p:cNvPr id="23" name="矩形 22">
             <a:extLst>
               <a:ext uri="{FF2B5EF4-FFF2-40B4-BE49-F238E27FC236}">
-                <a16:creationId xmlns="" xmlns:a16="http://schemas.microsoft.com/office/drawing/2014/main" id="{0716DC75-B395-44F7-A71E-815D51CD3E1E}"/>
+                <a16:creationId xmlns:a16="http://schemas.microsoft.com/office/drawing/2014/main" xmlns="" id="{0716DC75-B395-44F7-A71E-815D51CD3E1E}"/>
               </a:ext>
             </a:extLst>
           </p:cNvPr>
@@ -4321,14 +6502,14 @@
           </a:ln>
           <a:extLst>
             <a:ext uri="{909E8E84-426E-40DD-AFC4-6F175D3DCCD1}">
-              <a14:hiddenFill xmlns="" xmlns:a14="http://schemas.microsoft.com/office/drawing/2010/main">
+              <a14:hiddenFill xmlns:a14="http://schemas.microsoft.com/office/drawing/2010/main" xmlns="">
                 <a:solidFill>
                   <a:srgbClr val="FFFFFF"/>
                 </a:solidFill>
               </a14:hiddenFill>
             </a:ext>
             <a:ext uri="{91240B29-F687-4F45-9708-019B960494DF}">
-              <a14:hiddenLine xmlns="" xmlns:a14="http://schemas.microsoft.com/office/drawing/2010/main" w="9525">
+              <a14:hiddenLine xmlns:a14="http://schemas.microsoft.com/office/drawing/2010/main" xmlns="" w="9525">
                 <a:solidFill>
                   <a:srgbClr val="000000"/>
                 </a:solidFill>
@@ -4504,7 +6685,7 @@
           <p:cNvPr id="24" name="直接连接符 23">
             <a:extLst>
               <a:ext uri="{FF2B5EF4-FFF2-40B4-BE49-F238E27FC236}">
-                <a16:creationId xmlns="" xmlns:a16="http://schemas.microsoft.com/office/drawing/2014/main" id="{351D6702-9883-4660-B835-6B7C47409B47}"/>
+                <a16:creationId xmlns:a16="http://schemas.microsoft.com/office/drawing/2014/main" xmlns="" id="{351D6702-9883-4660-B835-6B7C47409B47}"/>
               </a:ext>
             </a:extLst>
           </p:cNvPr>
@@ -4547,7 +6728,7 @@
           <p:cNvPr id="25" name="直接连接符 24">
             <a:extLst>
               <a:ext uri="{FF2B5EF4-FFF2-40B4-BE49-F238E27FC236}">
-                <a16:creationId xmlns="" xmlns:a16="http://schemas.microsoft.com/office/drawing/2014/main" id="{825EDB52-4FA5-4BB1-AAF3-AFB90AA890E1}"/>
+                <a16:creationId xmlns:a16="http://schemas.microsoft.com/office/drawing/2014/main" xmlns="" id="{825EDB52-4FA5-4BB1-AAF3-AFB90AA890E1}"/>
               </a:ext>
             </a:extLst>
           </p:cNvPr>
@@ -4590,7 +6771,7 @@
           <p:cNvPr id="28" name="文本框 20">
             <a:extLst>
               <a:ext uri="{FF2B5EF4-FFF2-40B4-BE49-F238E27FC236}">
-                <a16:creationId xmlns="" xmlns:a16="http://schemas.microsoft.com/office/drawing/2014/main" id="{D9220A36-9C8E-40E3-8C97-9261BA5FB16D}"/>
+                <a16:creationId xmlns:a16="http://schemas.microsoft.com/office/drawing/2014/main" xmlns="" id="{D9220A36-9C8E-40E3-8C97-9261BA5FB16D}"/>
               </a:ext>
             </a:extLst>
           </p:cNvPr>
@@ -4611,7 +6792,7 @@
           </a:ln>
           <a:extLst>
             <a:ext uri="{91240B29-F687-4F45-9708-019B960494DF}">
-              <a14:hiddenLine xmlns="" xmlns:a14="http://schemas.microsoft.com/office/drawing/2010/main" w="9525">
+              <a14:hiddenLine xmlns:a14="http://schemas.microsoft.com/office/drawing/2010/main" xmlns="" w="9525">
                 <a:solidFill>
                   <a:srgbClr val="000000"/>
                 </a:solidFill>
@@ -4713,7 +6894,7 @@
           <p:cNvPr id="29" name="矩形 28">
             <a:extLst>
               <a:ext uri="{FF2B5EF4-FFF2-40B4-BE49-F238E27FC236}">
-                <a16:creationId xmlns="" xmlns:a16="http://schemas.microsoft.com/office/drawing/2014/main" id="{FFD4F739-EA15-47BF-BF6A-17BB1C67EB4E}"/>
+                <a16:creationId xmlns:a16="http://schemas.microsoft.com/office/drawing/2014/main" xmlns="" id="{FFD4F739-EA15-47BF-BF6A-17BB1C67EB4E}"/>
               </a:ext>
             </a:extLst>
           </p:cNvPr>
@@ -4734,14 +6915,14 @@
           </a:ln>
           <a:extLst>
             <a:ext uri="{909E8E84-426E-40DD-AFC4-6F175D3DCCD1}">
-              <a14:hiddenFill xmlns="" xmlns:a14="http://schemas.microsoft.com/office/drawing/2010/main">
+              <a14:hiddenFill xmlns:a14="http://schemas.microsoft.com/office/drawing/2010/main" xmlns="">
                 <a:solidFill>
                   <a:srgbClr val="FFFFFF"/>
                 </a:solidFill>
               </a14:hiddenFill>
             </a:ext>
             <a:ext uri="{91240B29-F687-4F45-9708-019B960494DF}">
-              <a14:hiddenLine xmlns="" xmlns:a14="http://schemas.microsoft.com/office/drawing/2010/main" w="9525">
+              <a14:hiddenLine xmlns:a14="http://schemas.microsoft.com/office/drawing/2010/main" xmlns="" w="9525">
                 <a:solidFill>
                   <a:srgbClr val="000000"/>
                 </a:solidFill>
@@ -4893,7 +7074,7 @@
           <p:cNvPr id="38" name="文本框 31">
             <a:extLst>
               <a:ext uri="{FF2B5EF4-FFF2-40B4-BE49-F238E27FC236}">
-                <a16:creationId xmlns="" xmlns:a16="http://schemas.microsoft.com/office/drawing/2014/main" id="{BD78F350-0B95-4A21-97E4-094E7ECB876A}"/>
+                <a16:creationId xmlns:a16="http://schemas.microsoft.com/office/drawing/2014/main" xmlns="" id="{BD78F350-0B95-4A21-97E4-094E7ECB876A}"/>
               </a:ext>
             </a:extLst>
           </p:cNvPr>
@@ -4914,7 +7095,7 @@
           </a:ln>
           <a:extLst>
             <a:ext uri="{91240B29-F687-4F45-9708-019B960494DF}">
-              <a14:hiddenLine xmlns="" xmlns:a14="http://schemas.microsoft.com/office/drawing/2010/main" w="9525">
+              <a14:hiddenLine xmlns:a14="http://schemas.microsoft.com/office/drawing/2010/main" xmlns="" w="9525">
                 <a:solidFill>
                   <a:srgbClr val="000000"/>
                 </a:solidFill>
@@ -5022,7 +7203,7 @@
           <p:cNvPr id="39" name="矩形 38">
             <a:extLst>
               <a:ext uri="{FF2B5EF4-FFF2-40B4-BE49-F238E27FC236}">
-                <a16:creationId xmlns="" xmlns:a16="http://schemas.microsoft.com/office/drawing/2014/main" id="{9BD394D6-00F0-4498-97F6-D3F613E1B30F}"/>
+                <a16:creationId xmlns:a16="http://schemas.microsoft.com/office/drawing/2014/main" xmlns="" id="{9BD394D6-00F0-4498-97F6-D3F613E1B30F}"/>
               </a:ext>
             </a:extLst>
           </p:cNvPr>
@@ -5043,14 +7224,14 @@
           </a:ln>
           <a:extLst>
             <a:ext uri="{909E8E84-426E-40DD-AFC4-6F175D3DCCD1}">
-              <a14:hiddenFill xmlns="" xmlns:a14="http://schemas.microsoft.com/office/drawing/2010/main">
+              <a14:hiddenFill xmlns:a14="http://schemas.microsoft.com/office/drawing/2010/main" xmlns="">
                 <a:solidFill>
                   <a:srgbClr val="FFFFFF"/>
                 </a:solidFill>
               </a14:hiddenFill>
             </a:ext>
             <a:ext uri="{91240B29-F687-4F45-9708-019B960494DF}">
-              <a14:hiddenLine xmlns="" xmlns:a14="http://schemas.microsoft.com/office/drawing/2010/main" w="9525">
+              <a14:hiddenLine xmlns:a14="http://schemas.microsoft.com/office/drawing/2010/main" xmlns="" w="9525">
                 <a:solidFill>
                   <a:srgbClr val="000000"/>
                 </a:solidFill>
@@ -5170,7 +7351,7 @@
           <p:cNvPr id="59" name="文本框 20">
             <a:extLst>
               <a:ext uri="{FF2B5EF4-FFF2-40B4-BE49-F238E27FC236}">
-                <a16:creationId xmlns="" xmlns:a16="http://schemas.microsoft.com/office/drawing/2014/main" id="{D9220A36-9C8E-40E3-8C97-9261BA5FB16D}"/>
+                <a16:creationId xmlns:a16="http://schemas.microsoft.com/office/drawing/2014/main" xmlns="" id="{D9220A36-9C8E-40E3-8C97-9261BA5FB16D}"/>
               </a:ext>
             </a:extLst>
           </p:cNvPr>
@@ -5191,7 +7372,7 @@
           </a:ln>
           <a:extLst>
             <a:ext uri="{91240B29-F687-4F45-9708-019B960494DF}">
-              <a14:hiddenLine xmlns="" xmlns:a14="http://schemas.microsoft.com/office/drawing/2010/main" w="9525">
+              <a14:hiddenLine xmlns:a14="http://schemas.microsoft.com/office/drawing/2010/main" xmlns="" w="9525">
                 <a:solidFill>
                   <a:srgbClr val="000000"/>
                 </a:solidFill>
@@ -5301,7 +7482,7 @@
           <p:cNvPr id="60" name="矩形 59">
             <a:extLst>
               <a:ext uri="{FF2B5EF4-FFF2-40B4-BE49-F238E27FC236}">
-                <a16:creationId xmlns="" xmlns:a16="http://schemas.microsoft.com/office/drawing/2014/main" id="{FFD4F739-EA15-47BF-BF6A-17BB1C67EB4E}"/>
+                <a16:creationId xmlns:a16="http://schemas.microsoft.com/office/drawing/2014/main" xmlns="" id="{FFD4F739-EA15-47BF-BF6A-17BB1C67EB4E}"/>
               </a:ext>
             </a:extLst>
           </p:cNvPr>
@@ -5322,14 +7503,14 @@
           </a:ln>
           <a:extLst>
             <a:ext uri="{909E8E84-426E-40DD-AFC4-6F175D3DCCD1}">
-              <a14:hiddenFill xmlns="" xmlns:a14="http://schemas.microsoft.com/office/drawing/2010/main">
+              <a14:hiddenFill xmlns:a14="http://schemas.microsoft.com/office/drawing/2010/main" xmlns="">
                 <a:solidFill>
                   <a:srgbClr val="FFFFFF"/>
                 </a:solidFill>
               </a14:hiddenFill>
             </a:ext>
             <a:ext uri="{91240B29-F687-4F45-9708-019B960494DF}">
-              <a14:hiddenLine xmlns="" xmlns:a14="http://schemas.microsoft.com/office/drawing/2010/main" w="9525">
+              <a14:hiddenLine xmlns:a14="http://schemas.microsoft.com/office/drawing/2010/main" xmlns="" w="9525">
                 <a:solidFill>
                   <a:srgbClr val="000000"/>
                 </a:solidFill>
@@ -5533,7 +7714,7 @@
     </p:spTree>
     <p:extLst>
       <p:ext uri="{BB962C8B-B14F-4D97-AF65-F5344CB8AC3E}">
-        <p14:creationId xmlns="" xmlns:p14="http://schemas.microsoft.com/office/powerpoint/2010/main" val="2371597387"/>
+        <p14:creationId xmlns:p14="http://schemas.microsoft.com/office/powerpoint/2010/main" xmlns="" val="2371597387"/>
       </p:ext>
     </p:extLst>
   </p:cSld>
@@ -5551,6 +7732,988 @@
 </file>
 
 <file path=ppt/slides/slide6.xml><?xml version="1.0" encoding="utf-8"?>
+<p:sld xmlns:a="http://schemas.openxmlformats.org/drawingml/2006/main" xmlns:r="http://schemas.openxmlformats.org/officeDocument/2006/relationships" xmlns:p="http://schemas.openxmlformats.org/presentationml/2006/main">
+  <p:cSld>
+    <p:spTree>
+      <p:nvGrpSpPr>
+        <p:cNvPr id="1" name=""/>
+        <p:cNvGrpSpPr/>
+        <p:nvPr/>
+      </p:nvGrpSpPr>
+      <p:grpSpPr>
+        <a:xfrm>
+          <a:off x="0" y="0"/>
+          <a:ext cx="0" cy="0"/>
+          <a:chOff x="0" y="0"/>
+          <a:chExt cx="0" cy="0"/>
+        </a:xfrm>
+      </p:grpSpPr>
+      <p:sp>
+        <p:nvSpPr>
+          <p:cNvPr id="28" name="文本框 20">
+            <a:extLst>
+              <a:ext uri="{FF2B5EF4-FFF2-40B4-BE49-F238E27FC236}">
+                <a16:creationId xmlns:a16="http://schemas.microsoft.com/office/drawing/2014/main" xmlns="" id="{D9220A36-9C8E-40E3-8C97-9261BA5FB16D}"/>
+              </a:ext>
+            </a:extLst>
+          </p:cNvPr>
+          <p:cNvSpPr txBox="1"/>
+          <p:nvPr/>
+        </p:nvSpPr>
+        <p:spPr bwMode="auto">
+          <a:xfrm>
+            <a:off x="1015265" y="1076521"/>
+            <a:ext cx="4328670" cy="441805"/>
+          </a:xfrm>
+          <a:prstGeom prst="rect">
+            <a:avLst/>
+          </a:prstGeom>
+          <a:noFill/>
+          <a:ln>
+            <a:noFill/>
+          </a:ln>
+          <a:extLst>
+            <a:ext uri="{91240B29-F687-4F45-9708-019B960494DF}">
+              <a14:hiddenLine xmlns:a14="http://schemas.microsoft.com/office/drawing/2010/main" xmlns="" w="9525">
+                <a:solidFill>
+                  <a:srgbClr val="000000"/>
+                </a:solidFill>
+                <a:miter lim="800000"/>
+                <a:headEnd/>
+                <a:tailEnd/>
+              </a14:hiddenLine>
+            </a:ext>
+          </a:extLst>
+        </p:spPr>
+        <p:txBody>
+          <a:bodyPr wrap="square" lIns="90000" tIns="46800" rIns="90000" bIns="46800" anchor="b">
+            <a:normAutofit/>
+          </a:bodyPr>
+          <a:lstStyle>
+            <a:defPPr>
+              <a:defRPr lang="zh-CN"/>
+            </a:defPPr>
+            <a:lvl1pPr marL="0" algn="l" defTabSz="914377" rtl="0" eaLnBrk="1" latinLnBrk="0" hangingPunct="1">
+              <a:defRPr sz="1800" kern="1200">
+                <a:solidFill>
+                  <a:schemeClr val="tx1"/>
+                </a:solidFill>
+              </a:defRPr>
+            </a:lvl1pPr>
+            <a:lvl2pPr marL="457189" algn="l" defTabSz="914377" rtl="0" eaLnBrk="1" latinLnBrk="0" hangingPunct="1">
+              <a:defRPr sz="1800" kern="1200">
+                <a:solidFill>
+                  <a:schemeClr val="tx1"/>
+                </a:solidFill>
+              </a:defRPr>
+            </a:lvl2pPr>
+            <a:lvl3pPr marL="914377" algn="l" defTabSz="914377" rtl="0" eaLnBrk="1" latinLnBrk="0" hangingPunct="1">
+              <a:defRPr sz="1800" kern="1200">
+                <a:solidFill>
+                  <a:schemeClr val="tx1"/>
+                </a:solidFill>
+              </a:defRPr>
+            </a:lvl3pPr>
+            <a:lvl4pPr marL="1371566" algn="l" defTabSz="914377" rtl="0" eaLnBrk="1" latinLnBrk="0" hangingPunct="1">
+              <a:defRPr sz="1800" kern="1200">
+                <a:solidFill>
+                  <a:schemeClr val="tx1"/>
+                </a:solidFill>
+              </a:defRPr>
+            </a:lvl4pPr>
+            <a:lvl5pPr marL="1828754" algn="l" defTabSz="914377" rtl="0" eaLnBrk="1" latinLnBrk="0" hangingPunct="1">
+              <a:defRPr sz="1800" kern="1200">
+                <a:solidFill>
+                  <a:schemeClr val="tx1"/>
+                </a:solidFill>
+              </a:defRPr>
+            </a:lvl5pPr>
+            <a:lvl6pPr marL="2285943" algn="l" defTabSz="914377" rtl="0" eaLnBrk="1" latinLnBrk="0" hangingPunct="1">
+              <a:defRPr sz="1800" kern="1200">
+                <a:solidFill>
+                  <a:schemeClr val="tx1"/>
+                </a:solidFill>
+              </a:defRPr>
+            </a:lvl6pPr>
+            <a:lvl7pPr marL="2743131" algn="l" defTabSz="914377" rtl="0" eaLnBrk="1" latinLnBrk="0" hangingPunct="1">
+              <a:defRPr sz="1800" kern="1200">
+                <a:solidFill>
+                  <a:schemeClr val="tx1"/>
+                </a:solidFill>
+              </a:defRPr>
+            </a:lvl7pPr>
+            <a:lvl8pPr marL="3200320" algn="l" defTabSz="914377" rtl="0" eaLnBrk="1" latinLnBrk="0" hangingPunct="1">
+              <a:defRPr sz="1800" kern="1200">
+                <a:solidFill>
+                  <a:schemeClr val="tx1"/>
+                </a:solidFill>
+              </a:defRPr>
+            </a:lvl8pPr>
+            <a:lvl9pPr marL="3657509" algn="l" defTabSz="914377" rtl="0" eaLnBrk="1" latinLnBrk="0" hangingPunct="1">
+              <a:defRPr sz="1800" kern="1200">
+                <a:solidFill>
+                  <a:schemeClr val="tx1"/>
+                </a:solidFill>
+              </a:defRPr>
+            </a:lvl9pPr>
+          </a:lstStyle>
+          <a:p>
+            <a:pPr>
+              <a:spcBef>
+                <a:spcPct val="0"/>
+              </a:spcBef>
+            </a:pPr>
+            <a:r>
+              <a:rPr lang="zh-CN" altLang="en-US" sz="2000" b="1" dirty="0" smtClean="0"/>
+              <a:t>路径</a:t>
+            </a:r>
+            <a:endParaRPr lang="en-US" altLang="zh-CN" sz="2000" b="1" dirty="0"/>
+          </a:p>
+        </p:txBody>
+      </p:sp>
+      <p:sp>
+        <p:nvSpPr>
+          <p:cNvPr id="29" name="矩形 28">
+            <a:extLst>
+              <a:ext uri="{FF2B5EF4-FFF2-40B4-BE49-F238E27FC236}">
+                <a16:creationId xmlns:a16="http://schemas.microsoft.com/office/drawing/2014/main" xmlns="" id="{FFD4F739-EA15-47BF-BF6A-17BB1C67EB4E}"/>
+              </a:ext>
+            </a:extLst>
+          </p:cNvPr>
+          <p:cNvSpPr/>
+          <p:nvPr/>
+        </p:nvSpPr>
+        <p:spPr bwMode="auto">
+          <a:xfrm>
+            <a:off x="1015265" y="1518327"/>
+            <a:ext cx="4328670" cy="1353973"/>
+          </a:xfrm>
+          <a:prstGeom prst="rect">
+            <a:avLst/>
+          </a:prstGeom>
+          <a:noFill/>
+          <a:ln>
+            <a:noFill/>
+          </a:ln>
+          <a:extLst>
+            <a:ext uri="{909E8E84-426E-40DD-AFC4-6F175D3DCCD1}">
+              <a14:hiddenFill xmlns:a14="http://schemas.microsoft.com/office/drawing/2010/main" xmlns="">
+                <a:solidFill>
+                  <a:srgbClr val="FFFFFF"/>
+                </a:solidFill>
+              </a14:hiddenFill>
+            </a:ext>
+            <a:ext uri="{91240B29-F687-4F45-9708-019B960494DF}">
+              <a14:hiddenLine xmlns:a14="http://schemas.microsoft.com/office/drawing/2010/main" xmlns="" w="9525">
+                <a:solidFill>
+                  <a:srgbClr val="000000"/>
+                </a:solidFill>
+                <a:miter lim="800000"/>
+                <a:headEnd/>
+                <a:tailEnd/>
+              </a14:hiddenLine>
+            </a:ext>
+          </a:extLst>
+        </p:spPr>
+        <p:txBody>
+          <a:bodyPr wrap="square" lIns="90000" tIns="46800" rIns="90000" bIns="46800" anchor="t" anchorCtr="0">
+            <a:normAutofit/>
+          </a:bodyPr>
+          <a:lstStyle>
+            <a:defPPr>
+              <a:defRPr lang="zh-CN"/>
+            </a:defPPr>
+            <a:lvl1pPr marL="0" algn="l" defTabSz="914377" rtl="0" eaLnBrk="1" latinLnBrk="0" hangingPunct="1">
+              <a:defRPr sz="1800" kern="1200">
+                <a:solidFill>
+                  <a:schemeClr val="tx1"/>
+                </a:solidFill>
+              </a:defRPr>
+            </a:lvl1pPr>
+            <a:lvl2pPr marL="457189" algn="l" defTabSz="914377" rtl="0" eaLnBrk="1" latinLnBrk="0" hangingPunct="1">
+              <a:defRPr sz="1800" kern="1200">
+                <a:solidFill>
+                  <a:schemeClr val="tx1"/>
+                </a:solidFill>
+              </a:defRPr>
+            </a:lvl2pPr>
+            <a:lvl3pPr marL="914377" algn="l" defTabSz="914377" rtl="0" eaLnBrk="1" latinLnBrk="0" hangingPunct="1">
+              <a:defRPr sz="1800" kern="1200">
+                <a:solidFill>
+                  <a:schemeClr val="tx1"/>
+                </a:solidFill>
+              </a:defRPr>
+            </a:lvl3pPr>
+            <a:lvl4pPr marL="1371566" algn="l" defTabSz="914377" rtl="0" eaLnBrk="1" latinLnBrk="0" hangingPunct="1">
+              <a:defRPr sz="1800" kern="1200">
+                <a:solidFill>
+                  <a:schemeClr val="tx1"/>
+                </a:solidFill>
+              </a:defRPr>
+            </a:lvl4pPr>
+            <a:lvl5pPr marL="1828754" algn="l" defTabSz="914377" rtl="0" eaLnBrk="1" latinLnBrk="0" hangingPunct="1">
+              <a:defRPr sz="1800" kern="1200">
+                <a:solidFill>
+                  <a:schemeClr val="tx1"/>
+                </a:solidFill>
+              </a:defRPr>
+            </a:lvl5pPr>
+            <a:lvl6pPr marL="2285943" algn="l" defTabSz="914377" rtl="0" eaLnBrk="1" latinLnBrk="0" hangingPunct="1">
+              <a:defRPr sz="1800" kern="1200">
+                <a:solidFill>
+                  <a:schemeClr val="tx1"/>
+                </a:solidFill>
+              </a:defRPr>
+            </a:lvl6pPr>
+            <a:lvl7pPr marL="2743131" algn="l" defTabSz="914377" rtl="0" eaLnBrk="1" latinLnBrk="0" hangingPunct="1">
+              <a:defRPr sz="1800" kern="1200">
+                <a:solidFill>
+                  <a:schemeClr val="tx1"/>
+                </a:solidFill>
+              </a:defRPr>
+            </a:lvl7pPr>
+            <a:lvl8pPr marL="3200320" algn="l" defTabSz="914377" rtl="0" eaLnBrk="1" latinLnBrk="0" hangingPunct="1">
+              <a:defRPr sz="1800" kern="1200">
+                <a:solidFill>
+                  <a:schemeClr val="tx1"/>
+                </a:solidFill>
+              </a:defRPr>
+            </a:lvl8pPr>
+            <a:lvl9pPr marL="3657509" algn="l" defTabSz="914377" rtl="0" eaLnBrk="1" latinLnBrk="0" hangingPunct="1">
+              <a:defRPr sz="1800" kern="1200">
+                <a:solidFill>
+                  <a:schemeClr val="tx1"/>
+                </a:solidFill>
+              </a:defRPr>
+            </a:lvl9pPr>
+          </a:lstStyle>
+          <a:p>
+            <a:pPr marL="171450" indent="-171450">
+              <a:lnSpc>
+                <a:spcPct val="150000"/>
+              </a:lnSpc>
+              <a:buFont typeface="Arial" panose="020B0604020202020204" pitchFamily="34" charset="0"/>
+              <a:buChar char="•"/>
+            </a:pPr>
+            <a:r>
+              <a:rPr lang="zh-CN" altLang="en-US" sz="1200" dirty="0" smtClean="0"/>
+              <a:t>应该尽量将</a:t>
+            </a:r>
+            <a:r>
+              <a:rPr lang="en-US" altLang="zh-CN" sz="1200" dirty="0" smtClean="0"/>
+              <a:t>API</a:t>
+            </a:r>
+            <a:r>
+              <a:rPr lang="zh-CN" altLang="en-US" sz="1200" dirty="0" smtClean="0"/>
+              <a:t>部署在专用域名之下。 </a:t>
+            </a:r>
+            <a:endParaRPr lang="en-US" altLang="zh-CN" sz="1200" dirty="0" smtClean="0"/>
+          </a:p>
+          <a:p>
+            <a:pPr marL="171450" indent="-171450">
+              <a:lnSpc>
+                <a:spcPct val="150000"/>
+              </a:lnSpc>
+              <a:buFont typeface="Arial" panose="020B0604020202020204" pitchFamily="34" charset="0"/>
+              <a:buChar char="•"/>
+            </a:pPr>
+            <a:r>
+              <a:rPr lang="en-US" altLang="zh-CN" sz="1200" dirty="0" smtClean="0"/>
+              <a:t>https://api.example.org</a:t>
+            </a:r>
+          </a:p>
+          <a:p>
+            <a:pPr marL="171450" indent="-171450">
+              <a:lnSpc>
+                <a:spcPct val="150000"/>
+              </a:lnSpc>
+              <a:buFont typeface="Arial" panose="020B0604020202020204" pitchFamily="34" charset="0"/>
+              <a:buChar char="•"/>
+            </a:pPr>
+            <a:r>
+              <a:rPr lang="zh-CN" altLang="en-US" sz="1200" dirty="0" smtClean="0"/>
+              <a:t>也可以考虑放在主域名下  </a:t>
+            </a:r>
+            <a:endParaRPr lang="en-US" altLang="zh-CN" sz="1200" dirty="0" smtClean="0"/>
+          </a:p>
+          <a:p>
+            <a:pPr marL="171450" indent="-171450">
+              <a:lnSpc>
+                <a:spcPct val="150000"/>
+              </a:lnSpc>
+              <a:buFont typeface="Arial" panose="020B0604020202020204" pitchFamily="34" charset="0"/>
+              <a:buChar char="•"/>
+            </a:pPr>
+            <a:r>
+              <a:rPr lang="en-US" altLang="zh-CN" sz="1200" dirty="0" smtClean="0"/>
+              <a:t>https://example.org/api/</a:t>
+            </a:r>
+          </a:p>
+        </p:txBody>
+      </p:sp>
+      <p:sp>
+        <p:nvSpPr>
+          <p:cNvPr id="38" name="文本框 31">
+            <a:extLst>
+              <a:ext uri="{FF2B5EF4-FFF2-40B4-BE49-F238E27FC236}">
+                <a16:creationId xmlns:a16="http://schemas.microsoft.com/office/drawing/2014/main" xmlns="" id="{BD78F350-0B95-4A21-97E4-094E7ECB876A}"/>
+              </a:ext>
+            </a:extLst>
+          </p:cNvPr>
+          <p:cNvSpPr txBox="1"/>
+          <p:nvPr/>
+        </p:nvSpPr>
+        <p:spPr bwMode="auto">
+          <a:xfrm>
+            <a:off x="7224713" y="1076521"/>
+            <a:ext cx="2417085" cy="441805"/>
+          </a:xfrm>
+          <a:prstGeom prst="rect">
+            <a:avLst/>
+          </a:prstGeom>
+          <a:noFill/>
+          <a:ln>
+            <a:noFill/>
+          </a:ln>
+          <a:extLst>
+            <a:ext uri="{91240B29-F687-4F45-9708-019B960494DF}">
+              <a14:hiddenLine xmlns:a14="http://schemas.microsoft.com/office/drawing/2010/main" xmlns="" w="9525">
+                <a:solidFill>
+                  <a:srgbClr val="000000"/>
+                </a:solidFill>
+                <a:miter lim="800000"/>
+                <a:headEnd/>
+                <a:tailEnd/>
+              </a14:hiddenLine>
+            </a:ext>
+          </a:extLst>
+        </p:spPr>
+        <p:txBody>
+          <a:bodyPr wrap="square" lIns="90000" tIns="46800" rIns="90000" bIns="46800" anchor="b">
+            <a:normAutofit/>
+          </a:bodyPr>
+          <a:lstStyle>
+            <a:defPPr>
+              <a:defRPr lang="zh-CN"/>
+            </a:defPPr>
+            <a:lvl1pPr marL="0" algn="l" defTabSz="914377" rtl="0" eaLnBrk="1" latinLnBrk="0" hangingPunct="1">
+              <a:defRPr sz="1800" kern="1200">
+                <a:solidFill>
+                  <a:schemeClr val="tx1"/>
+                </a:solidFill>
+              </a:defRPr>
+            </a:lvl1pPr>
+            <a:lvl2pPr marL="457189" algn="l" defTabSz="914377" rtl="0" eaLnBrk="1" latinLnBrk="0" hangingPunct="1">
+              <a:defRPr sz="1800" kern="1200">
+                <a:solidFill>
+                  <a:schemeClr val="tx1"/>
+                </a:solidFill>
+              </a:defRPr>
+            </a:lvl2pPr>
+            <a:lvl3pPr marL="914377" algn="l" defTabSz="914377" rtl="0" eaLnBrk="1" latinLnBrk="0" hangingPunct="1">
+              <a:defRPr sz="1800" kern="1200">
+                <a:solidFill>
+                  <a:schemeClr val="tx1"/>
+                </a:solidFill>
+              </a:defRPr>
+            </a:lvl3pPr>
+            <a:lvl4pPr marL="1371566" algn="l" defTabSz="914377" rtl="0" eaLnBrk="1" latinLnBrk="0" hangingPunct="1">
+              <a:defRPr sz="1800" kern="1200">
+                <a:solidFill>
+                  <a:schemeClr val="tx1"/>
+                </a:solidFill>
+              </a:defRPr>
+            </a:lvl4pPr>
+            <a:lvl5pPr marL="1828754" algn="l" defTabSz="914377" rtl="0" eaLnBrk="1" latinLnBrk="0" hangingPunct="1">
+              <a:defRPr sz="1800" kern="1200">
+                <a:solidFill>
+                  <a:schemeClr val="tx1"/>
+                </a:solidFill>
+              </a:defRPr>
+            </a:lvl5pPr>
+            <a:lvl6pPr marL="2285943" algn="l" defTabSz="914377" rtl="0" eaLnBrk="1" latinLnBrk="0" hangingPunct="1">
+              <a:defRPr sz="1800" kern="1200">
+                <a:solidFill>
+                  <a:schemeClr val="tx1"/>
+                </a:solidFill>
+              </a:defRPr>
+            </a:lvl6pPr>
+            <a:lvl7pPr marL="2743131" algn="l" defTabSz="914377" rtl="0" eaLnBrk="1" latinLnBrk="0" hangingPunct="1">
+              <a:defRPr sz="1800" kern="1200">
+                <a:solidFill>
+                  <a:schemeClr val="tx1"/>
+                </a:solidFill>
+              </a:defRPr>
+            </a:lvl7pPr>
+            <a:lvl8pPr marL="3200320" algn="l" defTabSz="914377" rtl="0" eaLnBrk="1" latinLnBrk="0" hangingPunct="1">
+              <a:defRPr sz="1800" kern="1200">
+                <a:solidFill>
+                  <a:schemeClr val="tx1"/>
+                </a:solidFill>
+              </a:defRPr>
+            </a:lvl8pPr>
+            <a:lvl9pPr marL="3657509" algn="l" defTabSz="914377" rtl="0" eaLnBrk="1" latinLnBrk="0" hangingPunct="1">
+              <a:defRPr sz="1800" kern="1200">
+                <a:solidFill>
+                  <a:schemeClr val="tx1"/>
+                </a:solidFill>
+              </a:defRPr>
+            </a:lvl9pPr>
+          </a:lstStyle>
+          <a:p>
+            <a:pPr algn="ctr" eaLnBrk="1" hangingPunct="1">
+              <a:lnSpc>
+                <a:spcPct val="100000"/>
+              </a:lnSpc>
+              <a:spcBef>
+                <a:spcPct val="0"/>
+              </a:spcBef>
+            </a:pPr>
+            <a:r>
+              <a:rPr lang="en-US" altLang="zh-CN" sz="2000" b="1" dirty="0">
+                <a:solidFill>
+                  <a:schemeClr val="bg1"/>
+                </a:solidFill>
+              </a:rPr>
+              <a:t>Text here</a:t>
+            </a:r>
+          </a:p>
+        </p:txBody>
+      </p:sp>
+      <p:sp>
+        <p:nvSpPr>
+          <p:cNvPr id="39" name="矩形 38">
+            <a:extLst>
+              <a:ext uri="{FF2B5EF4-FFF2-40B4-BE49-F238E27FC236}">
+                <a16:creationId xmlns:a16="http://schemas.microsoft.com/office/drawing/2014/main" xmlns="" id="{9BD394D6-00F0-4498-97F6-D3F613E1B30F}"/>
+              </a:ext>
+            </a:extLst>
+          </p:cNvPr>
+          <p:cNvSpPr/>
+          <p:nvPr/>
+        </p:nvSpPr>
+        <p:spPr bwMode="auto">
+          <a:xfrm>
+            <a:off x="7224713" y="1518328"/>
+            <a:ext cx="2417085" cy="662938"/>
+          </a:xfrm>
+          <a:prstGeom prst="rect">
+            <a:avLst/>
+          </a:prstGeom>
+          <a:noFill/>
+          <a:ln>
+            <a:noFill/>
+          </a:ln>
+          <a:extLst>
+            <a:ext uri="{909E8E84-426E-40DD-AFC4-6F175D3DCCD1}">
+              <a14:hiddenFill xmlns:a14="http://schemas.microsoft.com/office/drawing/2010/main" xmlns="">
+                <a:solidFill>
+                  <a:srgbClr val="FFFFFF"/>
+                </a:solidFill>
+              </a14:hiddenFill>
+            </a:ext>
+            <a:ext uri="{91240B29-F687-4F45-9708-019B960494DF}">
+              <a14:hiddenLine xmlns:a14="http://schemas.microsoft.com/office/drawing/2010/main" xmlns="" w="9525">
+                <a:solidFill>
+                  <a:srgbClr val="000000"/>
+                </a:solidFill>
+                <a:miter lim="800000"/>
+                <a:headEnd/>
+                <a:tailEnd/>
+              </a14:hiddenLine>
+            </a:ext>
+          </a:extLst>
+        </p:spPr>
+        <p:txBody>
+          <a:bodyPr wrap="square" lIns="90000" tIns="46800" rIns="90000" bIns="46800" anchor="t" anchorCtr="0">
+            <a:normAutofit/>
+          </a:bodyPr>
+          <a:lstStyle>
+            <a:defPPr>
+              <a:defRPr lang="zh-CN"/>
+            </a:defPPr>
+            <a:lvl1pPr marL="0" algn="l" defTabSz="914377" rtl="0" eaLnBrk="1" latinLnBrk="0" hangingPunct="1">
+              <a:defRPr sz="1800" kern="1200">
+                <a:solidFill>
+                  <a:schemeClr val="tx1"/>
+                </a:solidFill>
+              </a:defRPr>
+            </a:lvl1pPr>
+            <a:lvl2pPr marL="457189" algn="l" defTabSz="914377" rtl="0" eaLnBrk="1" latinLnBrk="0" hangingPunct="1">
+              <a:defRPr sz="1800" kern="1200">
+                <a:solidFill>
+                  <a:schemeClr val="tx1"/>
+                </a:solidFill>
+              </a:defRPr>
+            </a:lvl2pPr>
+            <a:lvl3pPr marL="914377" algn="l" defTabSz="914377" rtl="0" eaLnBrk="1" latinLnBrk="0" hangingPunct="1">
+              <a:defRPr sz="1800" kern="1200">
+                <a:solidFill>
+                  <a:schemeClr val="tx1"/>
+                </a:solidFill>
+              </a:defRPr>
+            </a:lvl3pPr>
+            <a:lvl4pPr marL="1371566" algn="l" defTabSz="914377" rtl="0" eaLnBrk="1" latinLnBrk="0" hangingPunct="1">
+              <a:defRPr sz="1800" kern="1200">
+                <a:solidFill>
+                  <a:schemeClr val="tx1"/>
+                </a:solidFill>
+              </a:defRPr>
+            </a:lvl4pPr>
+            <a:lvl5pPr marL="1828754" algn="l" defTabSz="914377" rtl="0" eaLnBrk="1" latinLnBrk="0" hangingPunct="1">
+              <a:defRPr sz="1800" kern="1200">
+                <a:solidFill>
+                  <a:schemeClr val="tx1"/>
+                </a:solidFill>
+              </a:defRPr>
+            </a:lvl5pPr>
+            <a:lvl6pPr marL="2285943" algn="l" defTabSz="914377" rtl="0" eaLnBrk="1" latinLnBrk="0" hangingPunct="1">
+              <a:defRPr sz="1800" kern="1200">
+                <a:solidFill>
+                  <a:schemeClr val="tx1"/>
+                </a:solidFill>
+              </a:defRPr>
+            </a:lvl6pPr>
+            <a:lvl7pPr marL="2743131" algn="l" defTabSz="914377" rtl="0" eaLnBrk="1" latinLnBrk="0" hangingPunct="1">
+              <a:defRPr sz="1800" kern="1200">
+                <a:solidFill>
+                  <a:schemeClr val="tx1"/>
+                </a:solidFill>
+              </a:defRPr>
+            </a:lvl7pPr>
+            <a:lvl8pPr marL="3200320" algn="l" defTabSz="914377" rtl="0" eaLnBrk="1" latinLnBrk="0" hangingPunct="1">
+              <a:defRPr sz="1800" kern="1200">
+                <a:solidFill>
+                  <a:schemeClr val="tx1"/>
+                </a:solidFill>
+              </a:defRPr>
+            </a:lvl8pPr>
+            <a:lvl9pPr marL="3657509" algn="l" defTabSz="914377" rtl="0" eaLnBrk="1" latinLnBrk="0" hangingPunct="1">
+              <a:defRPr sz="1800" kern="1200">
+                <a:solidFill>
+                  <a:schemeClr val="tx1"/>
+                </a:solidFill>
+              </a:defRPr>
+            </a:lvl9pPr>
+          </a:lstStyle>
+          <a:p>
+            <a:pPr algn="ctr">
+              <a:lnSpc>
+                <a:spcPct val="150000"/>
+              </a:lnSpc>
+            </a:pPr>
+            <a:r>
+              <a:rPr lang="en-US" altLang="zh-CN" sz="1100" dirty="0">
+                <a:solidFill>
+                  <a:schemeClr val="bg1"/>
+                </a:solidFill>
+              </a:rPr>
+              <a:t>Supporting text here. </a:t>
+            </a:r>
+          </a:p>
+          <a:p>
+            <a:pPr algn="ctr">
+              <a:lnSpc>
+                <a:spcPct val="150000"/>
+              </a:lnSpc>
+            </a:pPr>
+            <a:r>
+              <a:rPr lang="en-US" altLang="zh-CN" sz="1100" dirty="0">
+                <a:solidFill>
+                  <a:schemeClr val="bg1"/>
+                </a:solidFill>
+              </a:rPr>
+              <a:t>……</a:t>
+            </a:r>
+          </a:p>
+        </p:txBody>
+      </p:sp>
+      <p:sp>
+        <p:nvSpPr>
+          <p:cNvPr id="59" name="文本框 20">
+            <a:extLst>
+              <a:ext uri="{FF2B5EF4-FFF2-40B4-BE49-F238E27FC236}">
+                <a16:creationId xmlns:a16="http://schemas.microsoft.com/office/drawing/2014/main" xmlns="" id="{D9220A36-9C8E-40E3-8C97-9261BA5FB16D}"/>
+              </a:ext>
+            </a:extLst>
+          </p:cNvPr>
+          <p:cNvSpPr txBox="1"/>
+          <p:nvPr/>
+        </p:nvSpPr>
+        <p:spPr bwMode="auto">
+          <a:xfrm>
+            <a:off x="5804189" y="1089072"/>
+            <a:ext cx="4328670" cy="441805"/>
+          </a:xfrm>
+          <a:prstGeom prst="rect">
+            <a:avLst/>
+          </a:prstGeom>
+          <a:noFill/>
+          <a:ln>
+            <a:noFill/>
+          </a:ln>
+          <a:extLst>
+            <a:ext uri="{91240B29-F687-4F45-9708-019B960494DF}">
+              <a14:hiddenLine xmlns:a14="http://schemas.microsoft.com/office/drawing/2010/main" xmlns="" w="9525">
+                <a:solidFill>
+                  <a:srgbClr val="000000"/>
+                </a:solidFill>
+                <a:miter lim="800000"/>
+                <a:headEnd/>
+                <a:tailEnd/>
+              </a14:hiddenLine>
+            </a:ext>
+          </a:extLst>
+        </p:spPr>
+        <p:txBody>
+          <a:bodyPr wrap="square" lIns="90000" tIns="46800" rIns="90000" bIns="46800" anchor="b">
+            <a:normAutofit/>
+          </a:bodyPr>
+          <a:lstStyle>
+            <a:defPPr>
+              <a:defRPr lang="zh-CN"/>
+            </a:defPPr>
+            <a:lvl1pPr marL="0" algn="l" defTabSz="914377" rtl="0" eaLnBrk="1" latinLnBrk="0" hangingPunct="1">
+              <a:defRPr sz="1800" kern="1200">
+                <a:solidFill>
+                  <a:schemeClr val="tx1"/>
+                </a:solidFill>
+              </a:defRPr>
+            </a:lvl1pPr>
+            <a:lvl2pPr marL="457189" algn="l" defTabSz="914377" rtl="0" eaLnBrk="1" latinLnBrk="0" hangingPunct="1">
+              <a:defRPr sz="1800" kern="1200">
+                <a:solidFill>
+                  <a:schemeClr val="tx1"/>
+                </a:solidFill>
+              </a:defRPr>
+            </a:lvl2pPr>
+            <a:lvl3pPr marL="914377" algn="l" defTabSz="914377" rtl="0" eaLnBrk="1" latinLnBrk="0" hangingPunct="1">
+              <a:defRPr sz="1800" kern="1200">
+                <a:solidFill>
+                  <a:schemeClr val="tx1"/>
+                </a:solidFill>
+              </a:defRPr>
+            </a:lvl3pPr>
+            <a:lvl4pPr marL="1371566" algn="l" defTabSz="914377" rtl="0" eaLnBrk="1" latinLnBrk="0" hangingPunct="1">
+              <a:defRPr sz="1800" kern="1200">
+                <a:solidFill>
+                  <a:schemeClr val="tx1"/>
+                </a:solidFill>
+              </a:defRPr>
+            </a:lvl4pPr>
+            <a:lvl5pPr marL="1828754" algn="l" defTabSz="914377" rtl="0" eaLnBrk="1" latinLnBrk="0" hangingPunct="1">
+              <a:defRPr sz="1800" kern="1200">
+                <a:solidFill>
+                  <a:schemeClr val="tx1"/>
+                </a:solidFill>
+              </a:defRPr>
+            </a:lvl5pPr>
+            <a:lvl6pPr marL="2285943" algn="l" defTabSz="914377" rtl="0" eaLnBrk="1" latinLnBrk="0" hangingPunct="1">
+              <a:defRPr sz="1800" kern="1200">
+                <a:solidFill>
+                  <a:schemeClr val="tx1"/>
+                </a:solidFill>
+              </a:defRPr>
+            </a:lvl6pPr>
+            <a:lvl7pPr marL="2743131" algn="l" defTabSz="914377" rtl="0" eaLnBrk="1" latinLnBrk="0" hangingPunct="1">
+              <a:defRPr sz="1800" kern="1200">
+                <a:solidFill>
+                  <a:schemeClr val="tx1"/>
+                </a:solidFill>
+              </a:defRPr>
+            </a:lvl7pPr>
+            <a:lvl8pPr marL="3200320" algn="l" defTabSz="914377" rtl="0" eaLnBrk="1" latinLnBrk="0" hangingPunct="1">
+              <a:defRPr sz="1800" kern="1200">
+                <a:solidFill>
+                  <a:schemeClr val="tx1"/>
+                </a:solidFill>
+              </a:defRPr>
+            </a:lvl8pPr>
+            <a:lvl9pPr marL="3657509" algn="l" defTabSz="914377" rtl="0" eaLnBrk="1" latinLnBrk="0" hangingPunct="1">
+              <a:defRPr sz="1800" kern="1200">
+                <a:solidFill>
+                  <a:schemeClr val="tx1"/>
+                </a:solidFill>
+              </a:defRPr>
+            </a:lvl9pPr>
+          </a:lstStyle>
+          <a:p>
+            <a:pPr>
+              <a:spcBef>
+                <a:spcPct val="0"/>
+              </a:spcBef>
+            </a:pPr>
+            <a:r>
+              <a:rPr lang="zh-CN" altLang="en-US" sz="2000" b="1" dirty="0" smtClean="0"/>
+              <a:t>状态码（</a:t>
+            </a:r>
+            <a:r>
+              <a:rPr lang="en-US" altLang="zh-CN" sz="2000" b="1" dirty="0" smtClean="0"/>
+              <a:t>Status Codes</a:t>
+            </a:r>
+            <a:r>
+              <a:rPr lang="zh-CN" altLang="en-US" sz="2000" b="1" dirty="0" smtClean="0"/>
+              <a:t>）</a:t>
+            </a:r>
+            <a:endParaRPr lang="en-US" altLang="zh-CN" sz="2000" b="1" dirty="0"/>
+          </a:p>
+        </p:txBody>
+      </p:sp>
+      <p:sp>
+        <p:nvSpPr>
+          <p:cNvPr id="60" name="矩形 59">
+            <a:extLst>
+              <a:ext uri="{FF2B5EF4-FFF2-40B4-BE49-F238E27FC236}">
+                <a16:creationId xmlns:a16="http://schemas.microsoft.com/office/drawing/2014/main" xmlns="" id="{FFD4F739-EA15-47BF-BF6A-17BB1C67EB4E}"/>
+              </a:ext>
+            </a:extLst>
+          </p:cNvPr>
+          <p:cNvSpPr/>
+          <p:nvPr/>
+        </p:nvSpPr>
+        <p:spPr bwMode="auto">
+          <a:xfrm>
+            <a:off x="5809126" y="1530879"/>
+            <a:ext cx="6067312" cy="2212792"/>
+          </a:xfrm>
+          <a:prstGeom prst="rect">
+            <a:avLst/>
+          </a:prstGeom>
+          <a:noFill/>
+          <a:ln>
+            <a:noFill/>
+          </a:ln>
+          <a:extLst>
+            <a:ext uri="{909E8E84-426E-40DD-AFC4-6F175D3DCCD1}">
+              <a14:hiddenFill xmlns:a14="http://schemas.microsoft.com/office/drawing/2010/main" xmlns="">
+                <a:solidFill>
+                  <a:srgbClr val="FFFFFF"/>
+                </a:solidFill>
+              </a14:hiddenFill>
+            </a:ext>
+            <a:ext uri="{91240B29-F687-4F45-9708-019B960494DF}">
+              <a14:hiddenLine xmlns:a14="http://schemas.microsoft.com/office/drawing/2010/main" xmlns="" w="9525">
+                <a:solidFill>
+                  <a:srgbClr val="000000"/>
+                </a:solidFill>
+                <a:miter lim="800000"/>
+                <a:headEnd/>
+                <a:tailEnd/>
+              </a14:hiddenLine>
+            </a:ext>
+          </a:extLst>
+        </p:spPr>
+        <p:txBody>
+          <a:bodyPr wrap="square" lIns="90000" tIns="46800" rIns="90000" bIns="46800" anchor="t" anchorCtr="0">
+            <a:noAutofit/>
+          </a:bodyPr>
+          <a:lstStyle>
+            <a:defPPr>
+              <a:defRPr lang="zh-CN"/>
+            </a:defPPr>
+            <a:lvl1pPr marL="0" algn="l" defTabSz="914377" rtl="0" eaLnBrk="1" latinLnBrk="0" hangingPunct="1">
+              <a:defRPr sz="1800" kern="1200">
+                <a:solidFill>
+                  <a:schemeClr val="tx1"/>
+                </a:solidFill>
+              </a:defRPr>
+            </a:lvl1pPr>
+            <a:lvl2pPr marL="457189" algn="l" defTabSz="914377" rtl="0" eaLnBrk="1" latinLnBrk="0" hangingPunct="1">
+              <a:defRPr sz="1800" kern="1200">
+                <a:solidFill>
+                  <a:schemeClr val="tx1"/>
+                </a:solidFill>
+              </a:defRPr>
+            </a:lvl2pPr>
+            <a:lvl3pPr marL="914377" algn="l" defTabSz="914377" rtl="0" eaLnBrk="1" latinLnBrk="0" hangingPunct="1">
+              <a:defRPr sz="1800" kern="1200">
+                <a:solidFill>
+                  <a:schemeClr val="tx1"/>
+                </a:solidFill>
+              </a:defRPr>
+            </a:lvl3pPr>
+            <a:lvl4pPr marL="1371566" algn="l" defTabSz="914377" rtl="0" eaLnBrk="1" latinLnBrk="0" hangingPunct="1">
+              <a:defRPr sz="1800" kern="1200">
+                <a:solidFill>
+                  <a:schemeClr val="tx1"/>
+                </a:solidFill>
+              </a:defRPr>
+            </a:lvl4pPr>
+            <a:lvl5pPr marL="1828754" algn="l" defTabSz="914377" rtl="0" eaLnBrk="1" latinLnBrk="0" hangingPunct="1">
+              <a:defRPr sz="1800" kern="1200">
+                <a:solidFill>
+                  <a:schemeClr val="tx1"/>
+                </a:solidFill>
+              </a:defRPr>
+            </a:lvl5pPr>
+            <a:lvl6pPr marL="2285943" algn="l" defTabSz="914377" rtl="0" eaLnBrk="1" latinLnBrk="0" hangingPunct="1">
+              <a:defRPr sz="1800" kern="1200">
+                <a:solidFill>
+                  <a:schemeClr val="tx1"/>
+                </a:solidFill>
+              </a:defRPr>
+            </a:lvl6pPr>
+            <a:lvl7pPr marL="2743131" algn="l" defTabSz="914377" rtl="0" eaLnBrk="1" latinLnBrk="0" hangingPunct="1">
+              <a:defRPr sz="1800" kern="1200">
+                <a:solidFill>
+                  <a:schemeClr val="tx1"/>
+                </a:solidFill>
+              </a:defRPr>
+            </a:lvl7pPr>
+            <a:lvl8pPr marL="3200320" algn="l" defTabSz="914377" rtl="0" eaLnBrk="1" latinLnBrk="0" hangingPunct="1">
+              <a:defRPr sz="1800" kern="1200">
+                <a:solidFill>
+                  <a:schemeClr val="tx1"/>
+                </a:solidFill>
+              </a:defRPr>
+            </a:lvl8pPr>
+            <a:lvl9pPr marL="3657509" algn="l" defTabSz="914377" rtl="0" eaLnBrk="1" latinLnBrk="0" hangingPunct="1">
+              <a:defRPr sz="1800" kern="1200">
+                <a:solidFill>
+                  <a:schemeClr val="tx1"/>
+                </a:solidFill>
+              </a:defRPr>
+            </a:lvl9pPr>
+          </a:lstStyle>
+          <a:p>
+            <a:pPr marL="171450" indent="-171450">
+              <a:lnSpc>
+                <a:spcPct val="150000"/>
+              </a:lnSpc>
+              <a:buFont typeface="Arial" panose="020B0604020202020204" pitchFamily="34" charset="0"/>
+              <a:buChar char="•"/>
+            </a:pPr>
+            <a:r>
+              <a:rPr lang="en-US" altLang="zh-CN" sz="1200" dirty="0" smtClean="0"/>
+              <a:t>200 OK</a:t>
+            </a:r>
+            <a:r>
+              <a:rPr lang="zh-CN" altLang="en-US" sz="1200" dirty="0" smtClean="0"/>
+              <a:t>：服务器成功返回用户请求的数据</a:t>
+            </a:r>
+            <a:endParaRPr lang="en-US" altLang="zh-CN" sz="1200" dirty="0" smtClean="0"/>
+          </a:p>
+          <a:p>
+            <a:pPr marL="171450" indent="-171450">
+              <a:lnSpc>
+                <a:spcPct val="150000"/>
+              </a:lnSpc>
+              <a:buFont typeface="Arial" panose="020B0604020202020204" pitchFamily="34" charset="0"/>
+              <a:buChar char="•"/>
+            </a:pPr>
+            <a:r>
+              <a:rPr lang="en-US" altLang="zh-CN" sz="1200" dirty="0" smtClean="0"/>
+              <a:t>400 INVALID REQUEST</a:t>
+            </a:r>
+            <a:r>
+              <a:rPr lang="zh-CN" altLang="en-US" sz="1200" dirty="0" smtClean="0"/>
+              <a:t>：用户发出的请求有错误，服务器没有进行新建或修改数据的操作</a:t>
+            </a:r>
+            <a:endParaRPr lang="en-US" altLang="zh-CN" sz="1200" dirty="0" smtClean="0"/>
+          </a:p>
+          <a:p>
+            <a:pPr marL="171450" indent="-171450">
+              <a:lnSpc>
+                <a:spcPct val="150000"/>
+              </a:lnSpc>
+              <a:buFont typeface="Arial" panose="020B0604020202020204" pitchFamily="34" charset="0"/>
+              <a:buChar char="•"/>
+            </a:pPr>
+            <a:r>
+              <a:rPr lang="en-US" altLang="zh-CN" sz="1200" dirty="0" smtClean="0"/>
+              <a:t>401 Unauthorized</a:t>
+            </a:r>
+            <a:r>
+              <a:rPr lang="zh-CN" altLang="en-US" sz="1200" dirty="0" smtClean="0"/>
+              <a:t>：表示用户没有权限（令牌、用户名、密码错误）</a:t>
+            </a:r>
+            <a:endParaRPr lang="en-US" altLang="zh-CN" sz="1200" dirty="0" smtClean="0"/>
+          </a:p>
+          <a:p>
+            <a:pPr marL="171450" indent="-171450">
+              <a:lnSpc>
+                <a:spcPct val="150000"/>
+              </a:lnSpc>
+              <a:buFont typeface="Arial" panose="020B0604020202020204" pitchFamily="34" charset="0"/>
+              <a:buChar char="•"/>
+            </a:pPr>
+            <a:r>
+              <a:rPr lang="en-US" altLang="zh-CN" sz="1200" dirty="0" smtClean="0"/>
+              <a:t>403 Forbidden</a:t>
+            </a:r>
+            <a:r>
+              <a:rPr lang="zh-CN" altLang="en-US" sz="1200" dirty="0" smtClean="0"/>
+              <a:t>：表示用户得到授权（与</a:t>
+            </a:r>
+            <a:r>
+              <a:rPr lang="en-US" altLang="zh-CN" sz="1200" dirty="0" smtClean="0"/>
+              <a:t>401</a:t>
+            </a:r>
+            <a:r>
+              <a:rPr lang="zh-CN" altLang="en-US" sz="1200" dirty="0" smtClean="0"/>
+              <a:t>错误相对），但是访问是被禁止的</a:t>
+            </a:r>
+            <a:endParaRPr lang="en-US" altLang="zh-CN" sz="1200" dirty="0" smtClean="0"/>
+          </a:p>
+          <a:p>
+            <a:pPr marL="171450" indent="-171450">
+              <a:lnSpc>
+                <a:spcPct val="150000"/>
+              </a:lnSpc>
+              <a:buFont typeface="Arial" panose="020B0604020202020204" pitchFamily="34" charset="0"/>
+              <a:buChar char="•"/>
+            </a:pPr>
+            <a:r>
+              <a:rPr lang="en-US" altLang="zh-CN" sz="1200" dirty="0" smtClean="0"/>
+              <a:t>404 NOT FOUND</a:t>
+            </a:r>
+            <a:r>
+              <a:rPr lang="zh-CN" altLang="en-US" sz="1200" dirty="0" smtClean="0"/>
+              <a:t>：用户发出的请求针对的是不存在的记录，服务器没有进行操作</a:t>
+            </a:r>
+            <a:endParaRPr lang="en-US" altLang="zh-CN" sz="1200" dirty="0" smtClean="0"/>
+          </a:p>
+          <a:p>
+            <a:pPr marL="171450" indent="-171450">
+              <a:lnSpc>
+                <a:spcPct val="150000"/>
+              </a:lnSpc>
+              <a:buFont typeface="Arial" panose="020B0604020202020204" pitchFamily="34" charset="0"/>
+              <a:buChar char="•"/>
+            </a:pPr>
+            <a:r>
+              <a:rPr lang="en-US" altLang="zh-CN" sz="1200" dirty="0" smtClean="0"/>
+              <a:t>500 INTERNAL SERVER ERROR</a:t>
+            </a:r>
+            <a:r>
+              <a:rPr lang="zh-CN" altLang="en-US" sz="1200" dirty="0" smtClean="0"/>
+              <a:t>：服务器发生错误，用户将无法判断发出的请求是否成功</a:t>
+            </a:r>
+            <a:endParaRPr lang="en-US" altLang="zh-CN" sz="1200" dirty="0"/>
+          </a:p>
+        </p:txBody>
+      </p:sp>
+    </p:spTree>
+    <p:extLst>
+      <p:ext uri="{BB962C8B-B14F-4D97-AF65-F5344CB8AC3E}">
+        <p14:creationId xmlns:p14="http://schemas.microsoft.com/office/powerpoint/2010/main" xmlns="" val="2371597387"/>
+      </p:ext>
+    </p:extLst>
+  </p:cSld>
+  <p:clrMapOvr>
+    <a:masterClrMapping/>
+  </p:clrMapOvr>
+  <p:timing>
+    <p:tnLst>
+      <p:par>
+        <p:cTn id="1" dur="indefinite" restart="never" nodeType="tmRoot"/>
+      </p:par>
+    </p:tnLst>
+  </p:timing>
+</p:sld>
+</file>
+
+<file path=ppt/slides/slide7.xml><?xml version="1.0" encoding="utf-8"?>
 <p:sld xmlns:a="http://schemas.openxmlformats.org/drawingml/2006/main" xmlns:r="http://schemas.openxmlformats.org/officeDocument/2006/relationships" xmlns:p="http://schemas.openxmlformats.org/presentationml/2006/main">
   <p:cSld>
     <p:spTree>
@@ -5640,7 +8803,7 @@
           <p:cNvPr id="44" name="直接连接符 43">
             <a:extLst>
               <a:ext uri="{FF2B5EF4-FFF2-40B4-BE49-F238E27FC236}">
-                <a16:creationId xmlns="" xmlns:a16="http://schemas.microsoft.com/office/drawing/2014/main" id="{55200430-2ECD-48E4-86E8-F9AAAD8E1D02}"/>
+                <a16:creationId xmlns:a16="http://schemas.microsoft.com/office/drawing/2014/main" xmlns="" id="{55200430-2ECD-48E4-86E8-F9AAAD8E1D02}"/>
               </a:ext>
             </a:extLst>
           </p:cNvPr>
@@ -5681,7 +8844,7 @@
           <p:cNvPr id="15" name="文本框 14">
             <a:extLst>
               <a:ext uri="{FF2B5EF4-FFF2-40B4-BE49-F238E27FC236}">
-                <a16:creationId xmlns="" xmlns:a16="http://schemas.microsoft.com/office/drawing/2014/main" id="{04F69230-F3A6-4586-9371-A858F4763E9F}"/>
+                <a16:creationId xmlns:a16="http://schemas.microsoft.com/office/drawing/2014/main" xmlns="" id="{04F69230-F3A6-4586-9371-A858F4763E9F}"/>
               </a:ext>
             </a:extLst>
           </p:cNvPr>
@@ -5733,7 +8896,7 @@
     </p:spTree>
     <p:extLst>
       <p:ext uri="{BB962C8B-B14F-4D97-AF65-F5344CB8AC3E}">
-        <p14:creationId xmlns="" xmlns:p14="http://schemas.microsoft.com/office/powerpoint/2010/main" val="2420446435"/>
+        <p14:creationId xmlns:p14="http://schemas.microsoft.com/office/powerpoint/2010/main" xmlns="" val="2420446435"/>
       </p:ext>
     </p:extLst>
   </p:cSld>
@@ -5750,7 +8913,7 @@
 </p:sld>
 </file>
 
-<file path=ppt/slides/slide7.xml><?xml version="1.0" encoding="utf-8"?>
+<file path=ppt/slides/slide8.xml><?xml version="1.0" encoding="utf-8"?>
 <p:sld xmlns:a="http://schemas.openxmlformats.org/drawingml/2006/main" xmlns:r="http://schemas.openxmlformats.org/officeDocument/2006/relationships" xmlns:p="http://schemas.openxmlformats.org/presentationml/2006/main">
   <p:cSld>
     <p:spTree>
@@ -5772,7 +8935,7 @@
           <p:cNvPr id="2" name="标题 1">
             <a:extLst>
               <a:ext uri="{FF2B5EF4-FFF2-40B4-BE49-F238E27FC236}">
-                <a16:creationId xmlns="" xmlns:a16="http://schemas.microsoft.com/office/drawing/2014/main" id="{4A134B6C-B2EB-40F4-AE53-404968D96401}"/>
+                <a16:creationId xmlns:a16="http://schemas.microsoft.com/office/drawing/2014/main" xmlns="" id="{4A134B6C-B2EB-40F4-AE53-404968D96401}"/>
               </a:ext>
             </a:extLst>
           </p:cNvPr>
@@ -5796,42 +8959,12 @@
           </a:p>
         </p:txBody>
       </p:sp>
-      <p:sp>
-        <p:nvSpPr>
-          <p:cNvPr id="4" name="灯片编号占位符 3">
-            <a:extLst>
-              <a:ext uri="{FF2B5EF4-FFF2-40B4-BE49-F238E27FC236}">
-                <a16:creationId xmlns="" xmlns:a16="http://schemas.microsoft.com/office/drawing/2014/main" id="{69EFE09B-3939-4072-824B-09299B1373D1}"/>
-              </a:ext>
-            </a:extLst>
-          </p:cNvPr>
-          <p:cNvSpPr>
-            <a:spLocks noGrp="1"/>
-          </p:cNvSpPr>
-          <p:nvPr>
-            <p:ph type="sldNum" sz="quarter" idx="12"/>
-          </p:nvPr>
-        </p:nvSpPr>
-        <p:spPr/>
-        <p:txBody>
-          <a:bodyPr/>
-          <a:lstStyle/>
-          <a:p>
-            <a:fld id="{5DD3DB80-B894-403A-B48E-6FDC1A72010E}" type="slidenum">
-              <a:rPr lang="zh-CN" altLang="en-US" smtClean="0"/>
-              <a:pPr/>
-              <a:t>7</a:t>
-            </a:fld>
-            <a:endParaRPr lang="zh-CN" altLang="en-US"/>
-          </a:p>
-        </p:txBody>
-      </p:sp>
       <p:grpSp>
         <p:nvGrpSpPr>
           <p:cNvPr id="59" name="组合 58">
             <a:extLst>
               <a:ext uri="{FF2B5EF4-FFF2-40B4-BE49-F238E27FC236}">
-                <a16:creationId xmlns="" xmlns:a16="http://schemas.microsoft.com/office/drawing/2014/main" id="{5F10BD37-85C2-492F-90DB-6BE92DFA8ED7}"/>
+                <a16:creationId xmlns:a16="http://schemas.microsoft.com/office/drawing/2014/main" xmlns="" id="{5F10BD37-85C2-492F-90DB-6BE92DFA8ED7}"/>
               </a:ext>
             </a:extLst>
           </p:cNvPr>
@@ -5841,9 +8974,9 @@
         <p:grpSpPr>
           <a:xfrm>
             <a:off x="673288" y="1388845"/>
-            <a:ext cx="3680600" cy="1308761"/>
+            <a:ext cx="3680600" cy="1989056"/>
             <a:chOff x="660400" y="1560626"/>
-            <a:chExt cx="3680600" cy="1308761"/>
+            <a:chExt cx="3680600" cy="1953122"/>
           </a:xfrm>
         </p:grpSpPr>
         <p:grpSp>
@@ -5851,7 +8984,7 @@
             <p:cNvPr id="75" name="组合 74">
               <a:extLst>
                 <a:ext uri="{FF2B5EF4-FFF2-40B4-BE49-F238E27FC236}">
-                  <a16:creationId xmlns="" xmlns:a16="http://schemas.microsoft.com/office/drawing/2014/main" id="{D01CAFDC-1576-428E-8975-9221446800A4}"/>
+                  <a16:creationId xmlns:a16="http://schemas.microsoft.com/office/drawing/2014/main" xmlns="" id="{D01CAFDC-1576-428E-8975-9221446800A4}"/>
                 </a:ext>
               </a:extLst>
             </p:cNvPr>
@@ -5861,9 +8994,9 @@
           <p:grpSpPr>
             <a:xfrm>
               <a:off x="660400" y="1560626"/>
-              <a:ext cx="3421582" cy="1308761"/>
+              <a:ext cx="3421582" cy="1953122"/>
               <a:chOff x="8211000" y="1130300"/>
-              <a:chExt cx="3307900" cy="1308761"/>
+              <a:chExt cx="3307900" cy="1953122"/>
             </a:xfrm>
           </p:grpSpPr>
           <p:sp>
@@ -5871,7 +9004,7 @@
               <p:cNvPr id="77" name="íṩḻídè">
                 <a:extLst>
                   <a:ext uri="{FF2B5EF4-FFF2-40B4-BE49-F238E27FC236}">
-                    <a16:creationId xmlns="" xmlns:a16="http://schemas.microsoft.com/office/drawing/2014/main" id="{83BA4F46-B1A6-42CC-866F-6C1355C5EB6A}"/>
+                    <a16:creationId xmlns:a16="http://schemas.microsoft.com/office/drawing/2014/main" xmlns="" id="{83BA4F46-B1A6-42CC-866F-6C1355C5EB6A}"/>
                   </a:ext>
                 </a:extLst>
               </p:cNvPr>
@@ -5892,7 +9025,7 @@
               </a:ln>
               <a:extLst>
                 <a:ext uri="{91240B29-F687-4F45-9708-019B960494DF}">
-                  <a14:hiddenLine xmlns="" xmlns:a14="http://schemas.microsoft.com/office/drawing/2010/main" w="9525">
+                  <a14:hiddenLine xmlns:a14="http://schemas.microsoft.com/office/drawing/2010/main" xmlns="" w="9525">
                     <a:solidFill>
                       <a:srgbClr val="000000"/>
                     </a:solidFill>
@@ -6021,7 +9154,7 @@
               <p:cNvPr id="78" name="i$ľîḓê">
                 <a:extLst>
                   <a:ext uri="{FF2B5EF4-FFF2-40B4-BE49-F238E27FC236}">
-                    <a16:creationId xmlns="" xmlns:a16="http://schemas.microsoft.com/office/drawing/2014/main" id="{33798A41-F2F6-4784-9B4C-D57FF1D30981}"/>
+                    <a16:creationId xmlns:a16="http://schemas.microsoft.com/office/drawing/2014/main" xmlns="" id="{33798A41-F2F6-4784-9B4C-D57FF1D30981}"/>
                   </a:ext>
                 </a:extLst>
               </p:cNvPr>
@@ -6031,7 +9164,7 @@
             <p:spPr bwMode="auto">
               <a:xfrm>
                 <a:off x="8211000" y="1572106"/>
-                <a:ext cx="3307900" cy="866955"/>
+                <a:ext cx="3307900" cy="1511316"/>
               </a:xfrm>
               <a:prstGeom prst="rect">
                 <a:avLst/>
@@ -6042,14 +9175,14 @@
               </a:ln>
               <a:extLst>
                 <a:ext uri="{909E8E84-426E-40DD-AFC4-6F175D3DCCD1}">
-                  <a14:hiddenFill xmlns="" xmlns:a14="http://schemas.microsoft.com/office/drawing/2010/main">
+                  <a14:hiddenFill xmlns:a14="http://schemas.microsoft.com/office/drawing/2010/main" xmlns="">
                     <a:solidFill>
                       <a:srgbClr val="FFFFFF"/>
                     </a:solidFill>
                   </a14:hiddenFill>
                 </a:ext>
                 <a:ext uri="{91240B29-F687-4F45-9708-019B960494DF}">
-                  <a14:hiddenLine xmlns="" xmlns:a14="http://schemas.microsoft.com/office/drawing/2010/main" w="9525">
+                  <a14:hiddenLine xmlns:a14="http://schemas.microsoft.com/office/drawing/2010/main" xmlns="" w="9525">
                     <a:solidFill>
                       <a:srgbClr val="000000"/>
                     </a:solidFill>
@@ -6183,7 +9316,25 @@
                 </a:pPr>
                 <a:r>
                   <a:rPr lang="zh-CN" altLang="en-US" sz="1300" dirty="0" smtClean="0"/>
-                  <a:t>如果没有值，要返回默认值</a:t>
+                  <a:t>如果没有值，要返回默认</a:t>
+                </a:r>
+                <a:r>
+                  <a:rPr lang="zh-CN" altLang="en-US" sz="1300" dirty="0" smtClean="0"/>
+                  <a:t>值</a:t>
+                </a:r>
+                <a:endParaRPr lang="en-US" altLang="zh-CN" sz="1300" dirty="0" smtClean="0"/>
+              </a:p>
+              <a:p>
+                <a:pPr marL="171450" indent="-171450">
+                  <a:lnSpc>
+                    <a:spcPct val="150000"/>
+                  </a:lnSpc>
+                  <a:buFont typeface="Arial" panose="020B0604020202020204" pitchFamily="34" charset="0"/>
+                  <a:buChar char="•"/>
+                </a:pPr>
+                <a:r>
+                  <a:rPr lang="zh-CN" altLang="en-US" sz="1300" dirty="0" smtClean="0"/>
+                  <a:t>统一的数据结构</a:t>
                 </a:r>
                 <a:endParaRPr lang="en-US" altLang="zh-CN" sz="1300" dirty="0"/>
               </a:p>
@@ -6195,7 +9346,7 @@
             <p:cNvPr id="76" name="直接连接符 75">
               <a:extLst>
                 <a:ext uri="{FF2B5EF4-FFF2-40B4-BE49-F238E27FC236}">
-                  <a16:creationId xmlns="" xmlns:a16="http://schemas.microsoft.com/office/drawing/2014/main" id="{500AC691-762A-489E-AC61-47A688636A4C}"/>
+                  <a16:creationId xmlns:a16="http://schemas.microsoft.com/office/drawing/2014/main" xmlns="" id="{500AC691-762A-489E-AC61-47A688636A4C}"/>
                 </a:ext>
               </a:extLst>
             </p:cNvPr>
@@ -6239,10 +9390,10 @@
       </p:grpSp>
       <p:grpSp>
         <p:nvGrpSpPr>
-          <p:cNvPr id="60" name="组合 59">
+          <p:cNvPr id="61" name="组合 60">
             <a:extLst>
               <a:ext uri="{FF2B5EF4-FFF2-40B4-BE49-F238E27FC236}">
-                <a16:creationId xmlns="" xmlns:a16="http://schemas.microsoft.com/office/drawing/2014/main" id="{1A7FC89C-8776-4B29-8FAE-DD3C7A0E1793}"/>
+                <a16:creationId xmlns:a16="http://schemas.microsoft.com/office/drawing/2014/main" xmlns="" id="{3A5C5340-5A0B-4068-B916-17F0DC45D988}"/>
               </a:ext>
             </a:extLst>
           </p:cNvPr>
@@ -6251,7 +9402,493 @@
         </p:nvGrpSpPr>
         <p:grpSpPr>
           <a:xfrm>
-            <a:off x="673287" y="4293857"/>
+            <a:off x="7723991" y="1388845"/>
+            <a:ext cx="3794721" cy="1634054"/>
+            <a:chOff x="7850260" y="1130300"/>
+            <a:chExt cx="3668642" cy="1634054"/>
+          </a:xfrm>
+        </p:grpSpPr>
+        <p:sp>
+          <p:nvSpPr>
+            <p:cNvPr id="67" name="íṩḻídè">
+              <a:extLst>
+                <a:ext uri="{FF2B5EF4-FFF2-40B4-BE49-F238E27FC236}">
+                  <a16:creationId xmlns:a16="http://schemas.microsoft.com/office/drawing/2014/main" xmlns="" id="{6BD19095-890A-4DB9-B63B-86BE7E385863}"/>
+                </a:ext>
+              </a:extLst>
+            </p:cNvPr>
+            <p:cNvSpPr txBox="1"/>
+            <p:nvPr/>
+          </p:nvSpPr>
+          <p:spPr bwMode="auto">
+            <a:xfrm>
+              <a:off x="8211000" y="1130300"/>
+              <a:ext cx="3307900" cy="441805"/>
+            </a:xfrm>
+            <a:prstGeom prst="rect">
+              <a:avLst/>
+            </a:prstGeom>
+            <a:noFill/>
+            <a:ln>
+              <a:noFill/>
+            </a:ln>
+            <a:extLst>
+              <a:ext uri="{91240B29-F687-4F45-9708-019B960494DF}">
+                <a14:hiddenLine xmlns:a14="http://schemas.microsoft.com/office/drawing/2010/main" xmlns="" w="9525">
+                  <a:solidFill>
+                    <a:srgbClr val="000000"/>
+                  </a:solidFill>
+                  <a:miter lim="800000"/>
+                  <a:headEnd/>
+                  <a:tailEnd/>
+                </a14:hiddenLine>
+              </a:ext>
+            </a:extLst>
+          </p:spPr>
+          <p:txBody>
+            <a:bodyPr wrap="none" lIns="90000" tIns="46800" rIns="90000" bIns="46800" anchor="b">
+              <a:normAutofit/>
+            </a:bodyPr>
+            <a:lstStyle>
+              <a:defPPr>
+                <a:defRPr lang="zh-CN"/>
+              </a:defPPr>
+              <a:lvl1pPr marL="0" algn="l" defTabSz="914400" rtl="0" eaLnBrk="1" latinLnBrk="0" hangingPunct="1">
+                <a:defRPr sz="1800" kern="1200">
+                  <a:solidFill>
+                    <a:schemeClr val="tx1"/>
+                  </a:solidFill>
+                  <a:latin typeface="+mn-lt"/>
+                  <a:ea typeface="+mn-ea"/>
+                  <a:cs typeface="+mn-cs"/>
+                </a:defRPr>
+              </a:lvl1pPr>
+              <a:lvl2pPr marL="457200" algn="l" defTabSz="914400" rtl="0" eaLnBrk="1" latinLnBrk="0" hangingPunct="1">
+                <a:defRPr sz="1800" kern="1200">
+                  <a:solidFill>
+                    <a:schemeClr val="tx1"/>
+                  </a:solidFill>
+                  <a:latin typeface="+mn-lt"/>
+                  <a:ea typeface="+mn-ea"/>
+                  <a:cs typeface="+mn-cs"/>
+                </a:defRPr>
+              </a:lvl2pPr>
+              <a:lvl3pPr marL="914400" algn="l" defTabSz="914400" rtl="0" eaLnBrk="1" latinLnBrk="0" hangingPunct="1">
+                <a:defRPr sz="1800" kern="1200">
+                  <a:solidFill>
+                    <a:schemeClr val="tx1"/>
+                  </a:solidFill>
+                  <a:latin typeface="+mn-lt"/>
+                  <a:ea typeface="+mn-ea"/>
+                  <a:cs typeface="+mn-cs"/>
+                </a:defRPr>
+              </a:lvl3pPr>
+              <a:lvl4pPr marL="1371600" algn="l" defTabSz="914400" rtl="0" eaLnBrk="1" latinLnBrk="0" hangingPunct="1">
+                <a:defRPr sz="1800" kern="1200">
+                  <a:solidFill>
+                    <a:schemeClr val="tx1"/>
+                  </a:solidFill>
+                  <a:latin typeface="+mn-lt"/>
+                  <a:ea typeface="+mn-ea"/>
+                  <a:cs typeface="+mn-cs"/>
+                </a:defRPr>
+              </a:lvl4pPr>
+              <a:lvl5pPr marL="1828800" algn="l" defTabSz="914400" rtl="0" eaLnBrk="1" latinLnBrk="0" hangingPunct="1">
+                <a:defRPr sz="1800" kern="1200">
+                  <a:solidFill>
+                    <a:schemeClr val="tx1"/>
+                  </a:solidFill>
+                  <a:latin typeface="+mn-lt"/>
+                  <a:ea typeface="+mn-ea"/>
+                  <a:cs typeface="+mn-cs"/>
+                </a:defRPr>
+              </a:lvl5pPr>
+              <a:lvl6pPr marL="2286000" algn="l" defTabSz="914400" rtl="0" eaLnBrk="1" latinLnBrk="0" hangingPunct="1">
+                <a:defRPr sz="1800" kern="1200">
+                  <a:solidFill>
+                    <a:schemeClr val="tx1"/>
+                  </a:solidFill>
+                  <a:latin typeface="+mn-lt"/>
+                  <a:ea typeface="+mn-ea"/>
+                  <a:cs typeface="+mn-cs"/>
+                </a:defRPr>
+              </a:lvl6pPr>
+              <a:lvl7pPr marL="2743200" algn="l" defTabSz="914400" rtl="0" eaLnBrk="1" latinLnBrk="0" hangingPunct="1">
+                <a:defRPr sz="1800" kern="1200">
+                  <a:solidFill>
+                    <a:schemeClr val="tx1"/>
+                  </a:solidFill>
+                  <a:latin typeface="+mn-lt"/>
+                  <a:ea typeface="+mn-ea"/>
+                  <a:cs typeface="+mn-cs"/>
+                </a:defRPr>
+              </a:lvl7pPr>
+              <a:lvl8pPr marL="3200400" algn="l" defTabSz="914400" rtl="0" eaLnBrk="1" latinLnBrk="0" hangingPunct="1">
+                <a:defRPr sz="1800" kern="1200">
+                  <a:solidFill>
+                    <a:schemeClr val="tx1"/>
+                  </a:solidFill>
+                  <a:latin typeface="+mn-lt"/>
+                  <a:ea typeface="+mn-ea"/>
+                  <a:cs typeface="+mn-cs"/>
+                </a:defRPr>
+              </a:lvl8pPr>
+              <a:lvl9pPr marL="3657600" algn="l" defTabSz="914400" rtl="0" eaLnBrk="1" latinLnBrk="0" hangingPunct="1">
+                <a:defRPr sz="1800" kern="1200">
+                  <a:solidFill>
+                    <a:schemeClr val="tx1"/>
+                  </a:solidFill>
+                  <a:latin typeface="+mn-lt"/>
+                  <a:ea typeface="+mn-ea"/>
+                  <a:cs typeface="+mn-cs"/>
+                </a:defRPr>
+              </a:lvl9pPr>
+            </a:lstStyle>
+            <a:p>
+              <a:pPr algn="r">
+                <a:spcBef>
+                  <a:spcPct val="0"/>
+                </a:spcBef>
+              </a:pPr>
+              <a:r>
+                <a:rPr lang="zh-CN" altLang="en-US" sz="2000" b="1" dirty="0" smtClean="0"/>
+                <a:t>入参</a:t>
+              </a:r>
+              <a:endParaRPr lang="en-US" altLang="zh-CN" sz="2000" b="1" dirty="0"/>
+            </a:p>
+          </p:txBody>
+        </p:sp>
+        <p:sp>
+          <p:nvSpPr>
+            <p:cNvPr id="68" name="i$ľîḓê">
+              <a:extLst>
+                <a:ext uri="{FF2B5EF4-FFF2-40B4-BE49-F238E27FC236}">
+                  <a16:creationId xmlns:a16="http://schemas.microsoft.com/office/drawing/2014/main" xmlns="" id="{E741BA0A-DF66-475E-B418-53B9D3AAAD5D}"/>
+                </a:ext>
+              </a:extLst>
+            </p:cNvPr>
+            <p:cNvSpPr/>
+            <p:nvPr/>
+          </p:nvSpPr>
+          <p:spPr bwMode="auto">
+            <a:xfrm>
+              <a:off x="7850260" y="1572106"/>
+              <a:ext cx="3668642" cy="1192248"/>
+            </a:xfrm>
+            <a:prstGeom prst="rect">
+              <a:avLst/>
+            </a:prstGeom>
+            <a:noFill/>
+            <a:ln>
+              <a:noFill/>
+            </a:ln>
+            <a:extLst>
+              <a:ext uri="{909E8E84-426E-40DD-AFC4-6F175D3DCCD1}">
+                <a14:hiddenFill xmlns:a14="http://schemas.microsoft.com/office/drawing/2010/main" xmlns="">
+                  <a:solidFill>
+                    <a:srgbClr val="FFFFFF"/>
+                  </a:solidFill>
+                </a14:hiddenFill>
+              </a:ext>
+              <a:ext uri="{91240B29-F687-4F45-9708-019B960494DF}">
+                <a14:hiddenLine xmlns:a14="http://schemas.microsoft.com/office/drawing/2010/main" xmlns="" w="9525">
+                  <a:solidFill>
+                    <a:srgbClr val="000000"/>
+                  </a:solidFill>
+                  <a:miter lim="800000"/>
+                  <a:headEnd/>
+                  <a:tailEnd/>
+                </a14:hiddenLine>
+              </a:ext>
+            </a:extLst>
+          </p:spPr>
+          <p:txBody>
+            <a:bodyPr wrap="square" lIns="90000" tIns="46800" rIns="90000" bIns="46800" anchor="t" anchorCtr="0">
+              <a:normAutofit/>
+            </a:bodyPr>
+            <a:lstStyle>
+              <a:defPPr>
+                <a:defRPr lang="zh-CN"/>
+              </a:defPPr>
+              <a:lvl1pPr marL="0" algn="l" defTabSz="914400" rtl="0" eaLnBrk="1" latinLnBrk="0" hangingPunct="1">
+                <a:defRPr sz="1800" kern="1200">
+                  <a:solidFill>
+                    <a:schemeClr val="tx1"/>
+                  </a:solidFill>
+                  <a:latin typeface="+mn-lt"/>
+                  <a:ea typeface="+mn-ea"/>
+                  <a:cs typeface="+mn-cs"/>
+                </a:defRPr>
+              </a:lvl1pPr>
+              <a:lvl2pPr marL="457200" algn="l" defTabSz="914400" rtl="0" eaLnBrk="1" latinLnBrk="0" hangingPunct="1">
+                <a:defRPr sz="1800" kern="1200">
+                  <a:solidFill>
+                    <a:schemeClr val="tx1"/>
+                  </a:solidFill>
+                  <a:latin typeface="+mn-lt"/>
+                  <a:ea typeface="+mn-ea"/>
+                  <a:cs typeface="+mn-cs"/>
+                </a:defRPr>
+              </a:lvl2pPr>
+              <a:lvl3pPr marL="914400" algn="l" defTabSz="914400" rtl="0" eaLnBrk="1" latinLnBrk="0" hangingPunct="1">
+                <a:defRPr sz="1800" kern="1200">
+                  <a:solidFill>
+                    <a:schemeClr val="tx1"/>
+                  </a:solidFill>
+                  <a:latin typeface="+mn-lt"/>
+                  <a:ea typeface="+mn-ea"/>
+                  <a:cs typeface="+mn-cs"/>
+                </a:defRPr>
+              </a:lvl3pPr>
+              <a:lvl4pPr marL="1371600" algn="l" defTabSz="914400" rtl="0" eaLnBrk="1" latinLnBrk="0" hangingPunct="1">
+                <a:defRPr sz="1800" kern="1200">
+                  <a:solidFill>
+                    <a:schemeClr val="tx1"/>
+                  </a:solidFill>
+                  <a:latin typeface="+mn-lt"/>
+                  <a:ea typeface="+mn-ea"/>
+                  <a:cs typeface="+mn-cs"/>
+                </a:defRPr>
+              </a:lvl4pPr>
+              <a:lvl5pPr marL="1828800" algn="l" defTabSz="914400" rtl="0" eaLnBrk="1" latinLnBrk="0" hangingPunct="1">
+                <a:defRPr sz="1800" kern="1200">
+                  <a:solidFill>
+                    <a:schemeClr val="tx1"/>
+                  </a:solidFill>
+                  <a:latin typeface="+mn-lt"/>
+                  <a:ea typeface="+mn-ea"/>
+                  <a:cs typeface="+mn-cs"/>
+                </a:defRPr>
+              </a:lvl5pPr>
+              <a:lvl6pPr marL="2286000" algn="l" defTabSz="914400" rtl="0" eaLnBrk="1" latinLnBrk="0" hangingPunct="1">
+                <a:defRPr sz="1800" kern="1200">
+                  <a:solidFill>
+                    <a:schemeClr val="tx1"/>
+                  </a:solidFill>
+                  <a:latin typeface="+mn-lt"/>
+                  <a:ea typeface="+mn-ea"/>
+                  <a:cs typeface="+mn-cs"/>
+                </a:defRPr>
+              </a:lvl6pPr>
+              <a:lvl7pPr marL="2743200" algn="l" defTabSz="914400" rtl="0" eaLnBrk="1" latinLnBrk="0" hangingPunct="1">
+                <a:defRPr sz="1800" kern="1200">
+                  <a:solidFill>
+                    <a:schemeClr val="tx1"/>
+                  </a:solidFill>
+                  <a:latin typeface="+mn-lt"/>
+                  <a:ea typeface="+mn-ea"/>
+                  <a:cs typeface="+mn-cs"/>
+                </a:defRPr>
+              </a:lvl7pPr>
+              <a:lvl8pPr marL="3200400" algn="l" defTabSz="914400" rtl="0" eaLnBrk="1" latinLnBrk="0" hangingPunct="1">
+                <a:defRPr sz="1800" kern="1200">
+                  <a:solidFill>
+                    <a:schemeClr val="tx1"/>
+                  </a:solidFill>
+                  <a:latin typeface="+mn-lt"/>
+                  <a:ea typeface="+mn-ea"/>
+                  <a:cs typeface="+mn-cs"/>
+                </a:defRPr>
+              </a:lvl8pPr>
+              <a:lvl9pPr marL="3657600" algn="l" defTabSz="914400" rtl="0" eaLnBrk="1" latinLnBrk="0" hangingPunct="1">
+                <a:defRPr sz="1800" kern="1200">
+                  <a:solidFill>
+                    <a:schemeClr val="tx1"/>
+                  </a:solidFill>
+                  <a:latin typeface="+mn-lt"/>
+                  <a:ea typeface="+mn-ea"/>
+                  <a:cs typeface="+mn-cs"/>
+                </a:defRPr>
+              </a:lvl9pPr>
+            </a:lstStyle>
+            <a:p>
+              <a:pPr marL="171450" indent="-171450" algn="r">
+                <a:lnSpc>
+                  <a:spcPct val="150000"/>
+                </a:lnSpc>
+                <a:buFont typeface="Arial" panose="020B0604020202020204" pitchFamily="34" charset="0"/>
+                <a:buChar char="•"/>
+              </a:pPr>
+              <a:r>
+                <a:rPr lang="zh-CN" altLang="en-US" sz="1300" dirty="0" smtClean="0"/>
+                <a:t>标明哪些是必填参数，哪些是非必填</a:t>
+              </a:r>
+              <a:r>
+                <a:rPr lang="zh-CN" altLang="en-US" sz="1300" dirty="0" smtClean="0"/>
+                <a:t>参数</a:t>
+              </a:r>
+              <a:endParaRPr lang="en-US" altLang="zh-CN" sz="1300" dirty="0" smtClean="0"/>
+            </a:p>
+            <a:p>
+              <a:pPr marL="171450" indent="-171450" algn="r">
+                <a:lnSpc>
+                  <a:spcPct val="150000"/>
+                </a:lnSpc>
+                <a:buFont typeface="Arial" panose="020B0604020202020204" pitchFamily="34" charset="0"/>
+                <a:buChar char="•"/>
+              </a:pPr>
+              <a:r>
+                <a:rPr lang="zh-CN" altLang="en-US" sz="1300" dirty="0" smtClean="0"/>
+                <a:t>统一</a:t>
+              </a:r>
+              <a:r>
+                <a:rPr lang="zh-CN" altLang="en-US" sz="1300" dirty="0" smtClean="0"/>
+                <a:t>类型的接口要统一入参，如列表分</a:t>
+              </a:r>
+              <a:r>
+                <a:rPr lang="zh-CN" altLang="en-US" sz="1300" smtClean="0"/>
+                <a:t>页</a:t>
+              </a:r>
+              <a:r>
+                <a:rPr lang="zh-CN" altLang="en-US" sz="1300" smtClean="0"/>
+                <a:t>参数</a:t>
+              </a:r>
+              <a:endParaRPr lang="en-US" altLang="zh-CN" sz="1300" dirty="0" smtClean="0"/>
+            </a:p>
+            <a:p>
+              <a:pPr marL="171450" indent="-171450" algn="r">
+                <a:lnSpc>
+                  <a:spcPct val="150000"/>
+                </a:lnSpc>
+                <a:buFont typeface="Arial" panose="020B0604020202020204" pitchFamily="34" charset="0"/>
+                <a:buChar char="•"/>
+              </a:pPr>
+              <a:r>
+                <a:rPr lang="zh-CN" altLang="en-US" sz="1300" dirty="0" smtClean="0"/>
+                <a:t>标明参数的数据类型</a:t>
+              </a:r>
+              <a:endParaRPr lang="en-US" altLang="zh-CN" sz="1300" dirty="0" smtClean="0"/>
+            </a:p>
+          </p:txBody>
+        </p:sp>
+      </p:grpSp>
+      <p:cxnSp>
+        <p:nvCxnSpPr>
+          <p:cNvPr id="62" name="直接连接符 61">
+            <a:extLst>
+              <a:ext uri="{FF2B5EF4-FFF2-40B4-BE49-F238E27FC236}">
+                <a16:creationId xmlns:a16="http://schemas.microsoft.com/office/drawing/2014/main" xmlns="" id="{3F6BB461-268E-40CE-93B1-8B3FCAE2534B}"/>
+              </a:ext>
+            </a:extLst>
+          </p:cNvPr>
+          <p:cNvCxnSpPr/>
+          <p:nvPr/>
+        </p:nvCxnSpPr>
+        <p:spPr>
+          <a:xfrm>
+            <a:off x="7851188" y="1830650"/>
+            <a:ext cx="3680600" cy="0"/>
+          </a:xfrm>
+          <a:prstGeom prst="line">
+            <a:avLst/>
+          </a:prstGeom>
+          <a:ln w="3175" cap="rnd">
+            <a:solidFill>
+              <a:schemeClr val="tx2">
+                <a:lumMod val="90000"/>
+              </a:schemeClr>
+            </a:solidFill>
+            <a:round/>
+            <a:headEnd type="none"/>
+            <a:tailEnd type="none" w="med" len="med"/>
+          </a:ln>
+        </p:spPr>
+        <p:style>
+          <a:lnRef idx="1">
+            <a:schemeClr val="accent1"/>
+          </a:lnRef>
+          <a:fillRef idx="0">
+            <a:schemeClr val="accent1"/>
+          </a:fillRef>
+          <a:effectRef idx="0">
+            <a:schemeClr val="accent1"/>
+          </a:effectRef>
+          <a:fontRef idx="minor">
+            <a:schemeClr val="tx1"/>
+          </a:fontRef>
+        </p:style>
+      </p:cxnSp>
+    </p:spTree>
+    <p:extLst>
+      <p:ext uri="{BB962C8B-B14F-4D97-AF65-F5344CB8AC3E}">
+        <p14:creationId xmlns:p14="http://schemas.microsoft.com/office/powerpoint/2010/main" xmlns="" val="1236087829"/>
+      </p:ext>
+    </p:extLst>
+  </p:cSld>
+  <p:clrMapOvr>
+    <a:masterClrMapping/>
+  </p:clrMapOvr>
+  <p:timing>
+    <p:tnLst>
+      <p:par>
+        <p:cTn id="1" dur="indefinite" restart="never" nodeType="tmRoot"/>
+      </p:par>
+    </p:tnLst>
+  </p:timing>
+</p:sld>
+</file>
+
+<file path=ppt/slides/slide9.xml><?xml version="1.0" encoding="utf-8"?>
+<p:sld xmlns:a="http://schemas.openxmlformats.org/drawingml/2006/main" xmlns:r="http://schemas.openxmlformats.org/officeDocument/2006/relationships" xmlns:p="http://schemas.openxmlformats.org/presentationml/2006/main">
+  <p:cSld>
+    <p:spTree>
+      <p:nvGrpSpPr>
+        <p:cNvPr id="1" name=""/>
+        <p:cNvGrpSpPr/>
+        <p:nvPr/>
+      </p:nvGrpSpPr>
+      <p:grpSpPr>
+        <a:xfrm>
+          <a:off x="0" y="0"/>
+          <a:ext cx="0" cy="0"/>
+          <a:chOff x="0" y="0"/>
+          <a:chExt cx="0" cy="0"/>
+        </a:xfrm>
+      </p:grpSpPr>
+      <p:sp>
+        <p:nvSpPr>
+          <p:cNvPr id="2" name="标题 1">
+            <a:extLst>
+              <a:ext uri="{FF2B5EF4-FFF2-40B4-BE49-F238E27FC236}">
+                <a16:creationId xmlns:a16="http://schemas.microsoft.com/office/drawing/2014/main" xmlns="" id="{4A134B6C-B2EB-40F4-AE53-404968D96401}"/>
+              </a:ext>
+            </a:extLst>
+          </p:cNvPr>
+          <p:cNvSpPr>
+            <a:spLocks noGrp="1"/>
+          </p:cNvSpPr>
+          <p:nvPr>
+            <p:ph type="title"/>
+          </p:nvPr>
+        </p:nvSpPr>
+        <p:spPr/>
+        <p:txBody>
+          <a:bodyPr/>
+          <a:lstStyle/>
+          <a:p>
+            <a:r>
+              <a:rPr lang="zh-CN" altLang="en-US" dirty="0" smtClean="0"/>
+              <a:t>前端理想的接口</a:t>
+            </a:r>
+            <a:endParaRPr lang="zh-CN" altLang="en-US" dirty="0"/>
+          </a:p>
+        </p:txBody>
+      </p:sp>
+      <p:grpSp>
+        <p:nvGrpSpPr>
+          <p:cNvPr id="6" name="组合 59">
+            <a:extLst>
+              <a:ext uri="{FF2B5EF4-FFF2-40B4-BE49-F238E27FC236}">
+                <a16:creationId xmlns:a16="http://schemas.microsoft.com/office/drawing/2014/main" xmlns="" id="{1A7FC89C-8776-4B29-8FAE-DD3C7A0E1793}"/>
+              </a:ext>
+            </a:extLst>
+          </p:cNvPr>
+          <p:cNvGrpSpPr/>
+          <p:nvPr/>
+        </p:nvGrpSpPr>
+        <p:grpSpPr>
+          <a:xfrm>
+            <a:off x="673287" y="1378439"/>
             <a:ext cx="4845386" cy="2289823"/>
             <a:chOff x="660399" y="1560626"/>
             <a:chExt cx="4845386" cy="2289823"/>
@@ -6259,10 +9896,10 @@
         </p:grpSpPr>
         <p:grpSp>
           <p:nvGrpSpPr>
-            <p:cNvPr id="70" name="组合 69">
+            <p:cNvPr id="7" name="组合 69">
               <a:extLst>
                 <a:ext uri="{FF2B5EF4-FFF2-40B4-BE49-F238E27FC236}">
-                  <a16:creationId xmlns="" xmlns:a16="http://schemas.microsoft.com/office/drawing/2014/main" id="{E18337D5-5A47-4E29-BB4F-B81B98F532CB}"/>
+                  <a16:creationId xmlns:a16="http://schemas.microsoft.com/office/drawing/2014/main" xmlns="" id="{E18337D5-5A47-4E29-BB4F-B81B98F532CB}"/>
                 </a:ext>
               </a:extLst>
             </p:cNvPr>
@@ -6282,7 +9919,7 @@
               <p:cNvPr id="72" name="íṩḻídè">
                 <a:extLst>
                   <a:ext uri="{FF2B5EF4-FFF2-40B4-BE49-F238E27FC236}">
-                    <a16:creationId xmlns="" xmlns:a16="http://schemas.microsoft.com/office/drawing/2014/main" id="{5A81899F-8D32-429F-8004-B6F7F2404EE0}"/>
+                    <a16:creationId xmlns:a16="http://schemas.microsoft.com/office/drawing/2014/main" xmlns="" id="{5A81899F-8D32-429F-8004-B6F7F2404EE0}"/>
                   </a:ext>
                 </a:extLst>
               </p:cNvPr>
@@ -6303,7 +9940,7 @@
               </a:ln>
               <a:extLst>
                 <a:ext uri="{91240B29-F687-4F45-9708-019B960494DF}">
-                  <a14:hiddenLine xmlns="" xmlns:a14="http://schemas.microsoft.com/office/drawing/2010/main" w="9525">
+                  <a14:hiddenLine xmlns:a14="http://schemas.microsoft.com/office/drawing/2010/main" xmlns="" w="9525">
                     <a:solidFill>
                       <a:srgbClr val="000000"/>
                     </a:solidFill>
@@ -6435,7 +10072,7 @@
               <p:cNvPr id="73" name="i$ľîḓê">
                 <a:extLst>
                   <a:ext uri="{FF2B5EF4-FFF2-40B4-BE49-F238E27FC236}">
-                    <a16:creationId xmlns="" xmlns:a16="http://schemas.microsoft.com/office/drawing/2014/main" id="{8B1783A3-64B5-47C6-8724-1C1D2BD4847C}"/>
+                    <a16:creationId xmlns:a16="http://schemas.microsoft.com/office/drawing/2014/main" xmlns="" id="{8B1783A3-64B5-47C6-8724-1C1D2BD4847C}"/>
                   </a:ext>
                 </a:extLst>
               </p:cNvPr>
@@ -6456,14 +10093,14 @@
               </a:ln>
               <a:extLst>
                 <a:ext uri="{909E8E84-426E-40DD-AFC4-6F175D3DCCD1}">
-                  <a14:hiddenFill xmlns="" xmlns:a14="http://schemas.microsoft.com/office/drawing/2010/main">
+                  <a14:hiddenFill xmlns:a14="http://schemas.microsoft.com/office/drawing/2010/main" xmlns="">
                     <a:solidFill>
                       <a:srgbClr val="FFFFFF"/>
                     </a:solidFill>
                   </a14:hiddenFill>
                 </a:ext>
                 <a:ext uri="{91240B29-F687-4F45-9708-019B960494DF}">
-                  <a14:hiddenLine xmlns="" xmlns:a14="http://schemas.microsoft.com/office/drawing/2010/main" w="9525">
+                  <a14:hiddenLine xmlns:a14="http://schemas.microsoft.com/office/drawing/2010/main" xmlns="" w="9525">
                     <a:solidFill>
                       <a:srgbClr val="000000"/>
                     </a:solidFill>
@@ -6691,7 +10328,7 @@
             <p:cNvPr id="71" name="直接连接符 70">
               <a:extLst>
                 <a:ext uri="{FF2B5EF4-FFF2-40B4-BE49-F238E27FC236}">
-                  <a16:creationId xmlns="" xmlns:a16="http://schemas.microsoft.com/office/drawing/2014/main" id="{B7E9E4A7-A793-468F-AAF0-FB7549818B5C}"/>
+                  <a16:creationId xmlns:a16="http://schemas.microsoft.com/office/drawing/2014/main" xmlns="" id="{B7E9E4A7-A793-468F-AAF0-FB7549818B5C}"/>
                 </a:ext>
               </a:extLst>
             </p:cNvPr>
@@ -6735,10 +10372,10 @@
       </p:grpSp>
       <p:grpSp>
         <p:nvGrpSpPr>
-          <p:cNvPr id="61" name="组合 60">
+          <p:cNvPr id="9" name="组合 62">
             <a:extLst>
               <a:ext uri="{FF2B5EF4-FFF2-40B4-BE49-F238E27FC236}">
-                <a16:creationId xmlns="" xmlns:a16="http://schemas.microsoft.com/office/drawing/2014/main" id="{3A5C5340-5A0B-4068-B916-17F0DC45D988}"/>
+                <a16:creationId xmlns:a16="http://schemas.microsoft.com/office/drawing/2014/main" xmlns="" id="{51E185DE-1ECA-4FD3-9EA7-E05BABF1151B}"/>
               </a:ext>
             </a:extLst>
           </p:cNvPr>
@@ -6747,18 +10384,18 @@
         </p:nvGrpSpPr>
         <p:grpSpPr>
           <a:xfrm>
-            <a:off x="8097130" y="1388845"/>
-            <a:ext cx="3421582" cy="1308761"/>
-            <a:chOff x="8211000" y="1130300"/>
-            <a:chExt cx="3307900" cy="1308761"/>
+            <a:off x="6863378" y="1378439"/>
+            <a:ext cx="4655333" cy="1308761"/>
+            <a:chOff x="7018240" y="1130300"/>
+            <a:chExt cx="4500660" cy="1308761"/>
           </a:xfrm>
         </p:grpSpPr>
         <p:sp>
           <p:nvSpPr>
-            <p:cNvPr id="67" name="íṩḻídè">
+            <p:cNvPr id="65" name="íṩḻídè">
               <a:extLst>
                 <a:ext uri="{FF2B5EF4-FFF2-40B4-BE49-F238E27FC236}">
-                  <a16:creationId xmlns="" xmlns:a16="http://schemas.microsoft.com/office/drawing/2014/main" id="{6BD19095-890A-4DB9-B63B-86BE7E385863}"/>
+                  <a16:creationId xmlns:a16="http://schemas.microsoft.com/office/drawing/2014/main" xmlns="" id="{11C18C3B-4A4C-49F5-8C1E-D1E8133DD7E3}"/>
                 </a:ext>
               </a:extLst>
             </p:cNvPr>
@@ -6779,383 +10416,7 @@
             </a:ln>
             <a:extLst>
               <a:ext uri="{91240B29-F687-4F45-9708-019B960494DF}">
-                <a14:hiddenLine xmlns="" xmlns:a14="http://schemas.microsoft.com/office/drawing/2010/main" w="9525">
-                  <a:solidFill>
-                    <a:srgbClr val="000000"/>
-                  </a:solidFill>
-                  <a:miter lim="800000"/>
-                  <a:headEnd/>
-                  <a:tailEnd/>
-                </a14:hiddenLine>
-              </a:ext>
-            </a:extLst>
-          </p:spPr>
-          <p:txBody>
-            <a:bodyPr wrap="none" lIns="90000" tIns="46800" rIns="90000" bIns="46800" anchor="b">
-              <a:normAutofit/>
-            </a:bodyPr>
-            <a:lstStyle>
-              <a:defPPr>
-                <a:defRPr lang="zh-CN"/>
-              </a:defPPr>
-              <a:lvl1pPr marL="0" algn="l" defTabSz="914400" rtl="0" eaLnBrk="1" latinLnBrk="0" hangingPunct="1">
-                <a:defRPr sz="1800" kern="1200">
-                  <a:solidFill>
-                    <a:schemeClr val="tx1"/>
-                  </a:solidFill>
-                  <a:latin typeface="+mn-lt"/>
-                  <a:ea typeface="+mn-ea"/>
-                  <a:cs typeface="+mn-cs"/>
-                </a:defRPr>
-              </a:lvl1pPr>
-              <a:lvl2pPr marL="457200" algn="l" defTabSz="914400" rtl="0" eaLnBrk="1" latinLnBrk="0" hangingPunct="1">
-                <a:defRPr sz="1800" kern="1200">
-                  <a:solidFill>
-                    <a:schemeClr val="tx1"/>
-                  </a:solidFill>
-                  <a:latin typeface="+mn-lt"/>
-                  <a:ea typeface="+mn-ea"/>
-                  <a:cs typeface="+mn-cs"/>
-                </a:defRPr>
-              </a:lvl2pPr>
-              <a:lvl3pPr marL="914400" algn="l" defTabSz="914400" rtl="0" eaLnBrk="1" latinLnBrk="0" hangingPunct="1">
-                <a:defRPr sz="1800" kern="1200">
-                  <a:solidFill>
-                    <a:schemeClr val="tx1"/>
-                  </a:solidFill>
-                  <a:latin typeface="+mn-lt"/>
-                  <a:ea typeface="+mn-ea"/>
-                  <a:cs typeface="+mn-cs"/>
-                </a:defRPr>
-              </a:lvl3pPr>
-              <a:lvl4pPr marL="1371600" algn="l" defTabSz="914400" rtl="0" eaLnBrk="1" latinLnBrk="0" hangingPunct="1">
-                <a:defRPr sz="1800" kern="1200">
-                  <a:solidFill>
-                    <a:schemeClr val="tx1"/>
-                  </a:solidFill>
-                  <a:latin typeface="+mn-lt"/>
-                  <a:ea typeface="+mn-ea"/>
-                  <a:cs typeface="+mn-cs"/>
-                </a:defRPr>
-              </a:lvl4pPr>
-              <a:lvl5pPr marL="1828800" algn="l" defTabSz="914400" rtl="0" eaLnBrk="1" latinLnBrk="0" hangingPunct="1">
-                <a:defRPr sz="1800" kern="1200">
-                  <a:solidFill>
-                    <a:schemeClr val="tx1"/>
-                  </a:solidFill>
-                  <a:latin typeface="+mn-lt"/>
-                  <a:ea typeface="+mn-ea"/>
-                  <a:cs typeface="+mn-cs"/>
-                </a:defRPr>
-              </a:lvl5pPr>
-              <a:lvl6pPr marL="2286000" algn="l" defTabSz="914400" rtl="0" eaLnBrk="1" latinLnBrk="0" hangingPunct="1">
-                <a:defRPr sz="1800" kern="1200">
-                  <a:solidFill>
-                    <a:schemeClr val="tx1"/>
-                  </a:solidFill>
-                  <a:latin typeface="+mn-lt"/>
-                  <a:ea typeface="+mn-ea"/>
-                  <a:cs typeface="+mn-cs"/>
-                </a:defRPr>
-              </a:lvl6pPr>
-              <a:lvl7pPr marL="2743200" algn="l" defTabSz="914400" rtl="0" eaLnBrk="1" latinLnBrk="0" hangingPunct="1">
-                <a:defRPr sz="1800" kern="1200">
-                  <a:solidFill>
-                    <a:schemeClr val="tx1"/>
-                  </a:solidFill>
-                  <a:latin typeface="+mn-lt"/>
-                  <a:ea typeface="+mn-ea"/>
-                  <a:cs typeface="+mn-cs"/>
-                </a:defRPr>
-              </a:lvl7pPr>
-              <a:lvl8pPr marL="3200400" algn="l" defTabSz="914400" rtl="0" eaLnBrk="1" latinLnBrk="0" hangingPunct="1">
-                <a:defRPr sz="1800" kern="1200">
-                  <a:solidFill>
-                    <a:schemeClr val="tx1"/>
-                  </a:solidFill>
-                  <a:latin typeface="+mn-lt"/>
-                  <a:ea typeface="+mn-ea"/>
-                  <a:cs typeface="+mn-cs"/>
-                </a:defRPr>
-              </a:lvl8pPr>
-              <a:lvl9pPr marL="3657600" algn="l" defTabSz="914400" rtl="0" eaLnBrk="1" latinLnBrk="0" hangingPunct="1">
-                <a:defRPr sz="1800" kern="1200">
-                  <a:solidFill>
-                    <a:schemeClr val="tx1"/>
-                  </a:solidFill>
-                  <a:latin typeface="+mn-lt"/>
-                  <a:ea typeface="+mn-ea"/>
-                  <a:cs typeface="+mn-cs"/>
-                </a:defRPr>
-              </a:lvl9pPr>
-            </a:lstStyle>
-            <a:p>
-              <a:pPr algn="r">
-                <a:spcBef>
-                  <a:spcPct val="0"/>
-                </a:spcBef>
-              </a:pPr>
-              <a:r>
-                <a:rPr lang="zh-CN" altLang="en-US" sz="2000" b="1" dirty="0" smtClean="0"/>
-                <a:t>入参</a:t>
-              </a:r>
-              <a:endParaRPr lang="en-US" altLang="zh-CN" sz="2000" b="1" dirty="0"/>
-            </a:p>
-          </p:txBody>
-        </p:sp>
-        <p:sp>
-          <p:nvSpPr>
-            <p:cNvPr id="68" name="i$ľîḓê">
-              <a:extLst>
-                <a:ext uri="{FF2B5EF4-FFF2-40B4-BE49-F238E27FC236}">
-                  <a16:creationId xmlns="" xmlns:a16="http://schemas.microsoft.com/office/drawing/2014/main" id="{E741BA0A-DF66-475E-B418-53B9D3AAAD5D}"/>
-                </a:ext>
-              </a:extLst>
-            </p:cNvPr>
-            <p:cNvSpPr/>
-            <p:nvPr/>
-          </p:nvSpPr>
-          <p:spPr bwMode="auto">
-            <a:xfrm>
-              <a:off x="8211000" y="1572106"/>
-              <a:ext cx="3307900" cy="866955"/>
-            </a:xfrm>
-            <a:prstGeom prst="rect">
-              <a:avLst/>
-            </a:prstGeom>
-            <a:noFill/>
-            <a:ln>
-              <a:noFill/>
-            </a:ln>
-            <a:extLst>
-              <a:ext uri="{909E8E84-426E-40DD-AFC4-6F175D3DCCD1}">
-                <a14:hiddenFill xmlns="" xmlns:a14="http://schemas.microsoft.com/office/drawing/2010/main">
-                  <a:solidFill>
-                    <a:srgbClr val="FFFFFF"/>
-                  </a:solidFill>
-                </a14:hiddenFill>
-              </a:ext>
-              <a:ext uri="{91240B29-F687-4F45-9708-019B960494DF}">
-                <a14:hiddenLine xmlns="" xmlns:a14="http://schemas.microsoft.com/office/drawing/2010/main" w="9525">
-                  <a:solidFill>
-                    <a:srgbClr val="000000"/>
-                  </a:solidFill>
-                  <a:miter lim="800000"/>
-                  <a:headEnd/>
-                  <a:tailEnd/>
-                </a14:hiddenLine>
-              </a:ext>
-            </a:extLst>
-          </p:spPr>
-          <p:txBody>
-            <a:bodyPr wrap="square" lIns="90000" tIns="46800" rIns="90000" bIns="46800" anchor="t" anchorCtr="0">
-              <a:normAutofit/>
-            </a:bodyPr>
-            <a:lstStyle>
-              <a:defPPr>
-                <a:defRPr lang="zh-CN"/>
-              </a:defPPr>
-              <a:lvl1pPr marL="0" algn="l" defTabSz="914400" rtl="0" eaLnBrk="1" latinLnBrk="0" hangingPunct="1">
-                <a:defRPr sz="1800" kern="1200">
-                  <a:solidFill>
-                    <a:schemeClr val="tx1"/>
-                  </a:solidFill>
-                  <a:latin typeface="+mn-lt"/>
-                  <a:ea typeface="+mn-ea"/>
-                  <a:cs typeface="+mn-cs"/>
-                </a:defRPr>
-              </a:lvl1pPr>
-              <a:lvl2pPr marL="457200" algn="l" defTabSz="914400" rtl="0" eaLnBrk="1" latinLnBrk="0" hangingPunct="1">
-                <a:defRPr sz="1800" kern="1200">
-                  <a:solidFill>
-                    <a:schemeClr val="tx1"/>
-                  </a:solidFill>
-                  <a:latin typeface="+mn-lt"/>
-                  <a:ea typeface="+mn-ea"/>
-                  <a:cs typeface="+mn-cs"/>
-                </a:defRPr>
-              </a:lvl2pPr>
-              <a:lvl3pPr marL="914400" algn="l" defTabSz="914400" rtl="0" eaLnBrk="1" latinLnBrk="0" hangingPunct="1">
-                <a:defRPr sz="1800" kern="1200">
-                  <a:solidFill>
-                    <a:schemeClr val="tx1"/>
-                  </a:solidFill>
-                  <a:latin typeface="+mn-lt"/>
-                  <a:ea typeface="+mn-ea"/>
-                  <a:cs typeface="+mn-cs"/>
-                </a:defRPr>
-              </a:lvl3pPr>
-              <a:lvl4pPr marL="1371600" algn="l" defTabSz="914400" rtl="0" eaLnBrk="1" latinLnBrk="0" hangingPunct="1">
-                <a:defRPr sz="1800" kern="1200">
-                  <a:solidFill>
-                    <a:schemeClr val="tx1"/>
-                  </a:solidFill>
-                  <a:latin typeface="+mn-lt"/>
-                  <a:ea typeface="+mn-ea"/>
-                  <a:cs typeface="+mn-cs"/>
-                </a:defRPr>
-              </a:lvl4pPr>
-              <a:lvl5pPr marL="1828800" algn="l" defTabSz="914400" rtl="0" eaLnBrk="1" latinLnBrk="0" hangingPunct="1">
-                <a:defRPr sz="1800" kern="1200">
-                  <a:solidFill>
-                    <a:schemeClr val="tx1"/>
-                  </a:solidFill>
-                  <a:latin typeface="+mn-lt"/>
-                  <a:ea typeface="+mn-ea"/>
-                  <a:cs typeface="+mn-cs"/>
-                </a:defRPr>
-              </a:lvl5pPr>
-              <a:lvl6pPr marL="2286000" algn="l" defTabSz="914400" rtl="0" eaLnBrk="1" latinLnBrk="0" hangingPunct="1">
-                <a:defRPr sz="1800" kern="1200">
-                  <a:solidFill>
-                    <a:schemeClr val="tx1"/>
-                  </a:solidFill>
-                  <a:latin typeface="+mn-lt"/>
-                  <a:ea typeface="+mn-ea"/>
-                  <a:cs typeface="+mn-cs"/>
-                </a:defRPr>
-              </a:lvl6pPr>
-              <a:lvl7pPr marL="2743200" algn="l" defTabSz="914400" rtl="0" eaLnBrk="1" latinLnBrk="0" hangingPunct="1">
-                <a:defRPr sz="1800" kern="1200">
-                  <a:solidFill>
-                    <a:schemeClr val="tx1"/>
-                  </a:solidFill>
-                  <a:latin typeface="+mn-lt"/>
-                  <a:ea typeface="+mn-ea"/>
-                  <a:cs typeface="+mn-cs"/>
-                </a:defRPr>
-              </a:lvl7pPr>
-              <a:lvl8pPr marL="3200400" algn="l" defTabSz="914400" rtl="0" eaLnBrk="1" latinLnBrk="0" hangingPunct="1">
-                <a:defRPr sz="1800" kern="1200">
-                  <a:solidFill>
-                    <a:schemeClr val="tx1"/>
-                  </a:solidFill>
-                  <a:latin typeface="+mn-lt"/>
-                  <a:ea typeface="+mn-ea"/>
-                  <a:cs typeface="+mn-cs"/>
-                </a:defRPr>
-              </a:lvl8pPr>
-              <a:lvl9pPr marL="3657600" algn="l" defTabSz="914400" rtl="0" eaLnBrk="1" latinLnBrk="0" hangingPunct="1">
-                <a:defRPr sz="1800" kern="1200">
-                  <a:solidFill>
-                    <a:schemeClr val="tx1"/>
-                  </a:solidFill>
-                  <a:latin typeface="+mn-lt"/>
-                  <a:ea typeface="+mn-ea"/>
-                  <a:cs typeface="+mn-cs"/>
-                </a:defRPr>
-              </a:lvl9pPr>
-            </a:lstStyle>
-            <a:p>
-              <a:pPr marL="171450" indent="-171450" algn="r">
-                <a:lnSpc>
-                  <a:spcPct val="150000"/>
-                </a:lnSpc>
-                <a:buFont typeface="Arial" panose="020B0604020202020204" pitchFamily="34" charset="0"/>
-                <a:buChar char="•"/>
-              </a:pPr>
-              <a:r>
-                <a:rPr lang="zh-CN" altLang="en-US" sz="1300" dirty="0" smtClean="0"/>
-                <a:t>标明哪些是必填参数，哪些是非必填参数</a:t>
-              </a:r>
-              <a:endParaRPr lang="en-US" altLang="zh-CN" sz="1300" dirty="0"/>
-            </a:p>
-          </p:txBody>
-        </p:sp>
-      </p:grpSp>
-      <p:cxnSp>
-        <p:nvCxnSpPr>
-          <p:cNvPr id="62" name="直接连接符 61">
-            <a:extLst>
-              <a:ext uri="{FF2B5EF4-FFF2-40B4-BE49-F238E27FC236}">
-                <a16:creationId xmlns="" xmlns:a16="http://schemas.microsoft.com/office/drawing/2014/main" id="{3F6BB461-268E-40CE-93B1-8B3FCAE2534B}"/>
-              </a:ext>
-            </a:extLst>
-          </p:cNvPr>
-          <p:cNvCxnSpPr/>
-          <p:nvPr/>
-        </p:nvCxnSpPr>
-        <p:spPr>
-          <a:xfrm>
-            <a:off x="7851188" y="1830650"/>
-            <a:ext cx="3680600" cy="0"/>
-          </a:xfrm>
-          <a:prstGeom prst="line">
-            <a:avLst/>
-          </a:prstGeom>
-          <a:ln w="3175" cap="rnd">
-            <a:solidFill>
-              <a:schemeClr val="tx2">
-                <a:lumMod val="90000"/>
-              </a:schemeClr>
-            </a:solidFill>
-            <a:round/>
-            <a:headEnd type="none"/>
-            <a:tailEnd type="none" w="med" len="med"/>
-          </a:ln>
-        </p:spPr>
-        <p:style>
-          <a:lnRef idx="1">
-            <a:schemeClr val="accent1"/>
-          </a:lnRef>
-          <a:fillRef idx="0">
-            <a:schemeClr val="accent1"/>
-          </a:fillRef>
-          <a:effectRef idx="0">
-            <a:schemeClr val="accent1"/>
-          </a:effectRef>
-          <a:fontRef idx="minor">
-            <a:schemeClr val="tx1"/>
-          </a:fontRef>
-        </p:style>
-      </p:cxnSp>
-      <p:grpSp>
-        <p:nvGrpSpPr>
-          <p:cNvPr id="63" name="组合 62">
-            <a:extLst>
-              <a:ext uri="{FF2B5EF4-FFF2-40B4-BE49-F238E27FC236}">
-                <a16:creationId xmlns="" xmlns:a16="http://schemas.microsoft.com/office/drawing/2014/main" id="{51E185DE-1ECA-4FD3-9EA7-E05BABF1151B}"/>
-              </a:ext>
-            </a:extLst>
-          </p:cNvPr>
-          <p:cNvGrpSpPr/>
-          <p:nvPr/>
-        </p:nvGrpSpPr>
-        <p:grpSpPr>
-          <a:xfrm>
-            <a:off x="6863378" y="4293857"/>
-            <a:ext cx="4655333" cy="1308761"/>
-            <a:chOff x="7018240" y="1130300"/>
-            <a:chExt cx="4500660" cy="1308761"/>
-          </a:xfrm>
-        </p:grpSpPr>
-        <p:sp>
-          <p:nvSpPr>
-            <p:cNvPr id="65" name="íṩḻídè">
-              <a:extLst>
-                <a:ext uri="{FF2B5EF4-FFF2-40B4-BE49-F238E27FC236}">
-                  <a16:creationId xmlns="" xmlns:a16="http://schemas.microsoft.com/office/drawing/2014/main" id="{11C18C3B-4A4C-49F5-8C1E-D1E8133DD7E3}"/>
-                </a:ext>
-              </a:extLst>
-            </p:cNvPr>
-            <p:cNvSpPr txBox="1"/>
-            <p:nvPr/>
-          </p:nvSpPr>
-          <p:spPr bwMode="auto">
-            <a:xfrm>
-              <a:off x="8211000" y="1130300"/>
-              <a:ext cx="3307900" cy="441805"/>
-            </a:xfrm>
-            <a:prstGeom prst="rect">
-              <a:avLst/>
-            </a:prstGeom>
-            <a:noFill/>
-            <a:ln>
-              <a:noFill/>
-            </a:ln>
-            <a:extLst>
-              <a:ext uri="{91240B29-F687-4F45-9708-019B960494DF}">
-                <a14:hiddenLine xmlns="" xmlns:a14="http://schemas.microsoft.com/office/drawing/2010/main" w="9525">
+                <a14:hiddenLine xmlns:a14="http://schemas.microsoft.com/office/drawing/2010/main" xmlns="" w="9525">
                   <a:solidFill>
                     <a:srgbClr val="000000"/>
                   </a:solidFill>
@@ -7274,10 +10535,6 @@
                   <a:spcPct val="0"/>
                 </a:spcBef>
               </a:pPr>
-              <a:r>
-                <a:rPr lang="zh-CN" altLang="en-US" sz="2000" b="1" dirty="0" smtClean="0"/>
-                <a:t>返回的数据类型</a:t>
-              </a:r>
               <a:endParaRPr lang="en-US" altLang="zh-CN" sz="2000" b="1" dirty="0"/>
             </a:p>
           </p:txBody>
@@ -7287,7 +10544,7 @@
             <p:cNvPr id="66" name="i$ľîḓê">
               <a:extLst>
                 <a:ext uri="{FF2B5EF4-FFF2-40B4-BE49-F238E27FC236}">
-                  <a16:creationId xmlns="" xmlns:a16="http://schemas.microsoft.com/office/drawing/2014/main" id="{B39B2E4D-7568-46E2-ACF8-686E537D2EE2}"/>
+                  <a16:creationId xmlns:a16="http://schemas.microsoft.com/office/drawing/2014/main" xmlns="" id="{B39B2E4D-7568-46E2-ACF8-686E537D2EE2}"/>
                 </a:ext>
               </a:extLst>
             </p:cNvPr>
@@ -7308,14 +10565,14 @@
             </a:ln>
             <a:extLst>
               <a:ext uri="{909E8E84-426E-40DD-AFC4-6F175D3DCCD1}">
-                <a14:hiddenFill xmlns="" xmlns:a14="http://schemas.microsoft.com/office/drawing/2010/main">
+                <a14:hiddenFill xmlns:a14="http://schemas.microsoft.com/office/drawing/2010/main" xmlns="">
                   <a:solidFill>
                     <a:srgbClr val="FFFFFF"/>
                   </a:solidFill>
                 </a14:hiddenFill>
               </a:ext>
               <a:ext uri="{91240B29-F687-4F45-9708-019B960494DF}">
-                <a14:hiddenLine xmlns="" xmlns:a14="http://schemas.microsoft.com/office/drawing/2010/main" w="9525">
+                <a14:hiddenLine xmlns:a14="http://schemas.microsoft.com/office/drawing/2010/main" xmlns="" w="9525">
                   <a:solidFill>
                     <a:srgbClr val="000000"/>
                   </a:solidFill>
@@ -7459,7 +10716,7 @@
           <p:cNvPr id="64" name="直接连接符 63">
             <a:extLst>
               <a:ext uri="{FF2B5EF4-FFF2-40B4-BE49-F238E27FC236}">
-                <a16:creationId xmlns="" xmlns:a16="http://schemas.microsoft.com/office/drawing/2014/main" id="{79C2C1B4-8105-4257-BAA9-460644B315ED}"/>
+                <a16:creationId xmlns:a16="http://schemas.microsoft.com/office/drawing/2014/main" xmlns="" id="{79C2C1B4-8105-4257-BAA9-460644B315ED}"/>
               </a:ext>
             </a:extLst>
           </p:cNvPr>
@@ -7468,7 +10725,7 @@
         </p:nvCxnSpPr>
         <p:spPr>
           <a:xfrm>
-            <a:off x="7851188" y="4735662"/>
+            <a:off x="7851188" y="1820244"/>
             <a:ext cx="3680600" cy="0"/>
           </a:xfrm>
           <a:prstGeom prst="line">
@@ -7500,2703 +10757,76 @@
           </a:fontRef>
         </p:style>
       </p:cxnSp>
+      <p:pic>
+        <p:nvPicPr>
+          <p:cNvPr id="1029" name="Picture 5"/>
+          <p:cNvPicPr>
+            <a:picLocks noChangeAspect="1" noChangeArrowheads="1"/>
+          </p:cNvPicPr>
+          <p:nvPr/>
+        </p:nvPicPr>
+        <p:blipFill>
+          <a:blip r:embed="rId2"/>
+          <a:srcRect/>
+          <a:stretch>
+            <a:fillRect/>
+          </a:stretch>
+        </p:blipFill>
+        <p:spPr bwMode="auto">
+          <a:xfrm>
+            <a:off x="804134" y="3507888"/>
+            <a:ext cx="4391810" cy="2482328"/>
+          </a:xfrm>
+          <a:prstGeom prst="rect">
+            <a:avLst/>
+          </a:prstGeom>
+          <a:noFill/>
+          <a:ln w="9525">
+            <a:noFill/>
+            <a:miter lim="800000"/>
+            <a:headEnd/>
+            <a:tailEnd/>
+          </a:ln>
+          <a:effectLst/>
+        </p:spPr>
+      </p:pic>
+      <p:pic>
+        <p:nvPicPr>
+          <p:cNvPr id="1030" name="Picture 6"/>
+          <p:cNvPicPr>
+            <a:picLocks noChangeAspect="1" noChangeArrowheads="1"/>
+          </p:cNvPicPr>
+          <p:nvPr/>
+        </p:nvPicPr>
+        <p:blipFill>
+          <a:blip r:embed="rId3"/>
+          <a:srcRect/>
+          <a:stretch>
+            <a:fillRect/>
+          </a:stretch>
+        </p:blipFill>
+        <p:spPr bwMode="auto">
+          <a:xfrm>
+            <a:off x="7299736" y="2678653"/>
+            <a:ext cx="4552568" cy="2153715"/>
+          </a:xfrm>
+          <a:prstGeom prst="rect">
+            <a:avLst/>
+          </a:prstGeom>
+          <a:noFill/>
+          <a:ln w="9525">
+            <a:noFill/>
+            <a:miter lim="800000"/>
+            <a:headEnd/>
+            <a:tailEnd/>
+          </a:ln>
+          <a:effectLst/>
+        </p:spPr>
+      </p:pic>
     </p:spTree>
     <p:extLst>
       <p:ext uri="{BB962C8B-B14F-4D97-AF65-F5344CB8AC3E}">
-        <p14:creationId xmlns="" xmlns:p14="http://schemas.microsoft.com/office/powerpoint/2010/main" val="1236087829"/>
-      </p:ext>
-    </p:extLst>
-  </p:cSld>
-  <p:clrMapOvr>
-    <a:masterClrMapping/>
-  </p:clrMapOvr>
-  <p:timing>
-    <p:tnLst>
-      <p:par>
-        <p:cTn id="1" dur="indefinite" restart="never" nodeType="tmRoot"/>
-      </p:par>
-    </p:tnLst>
-  </p:timing>
-</p:sld>
-</file>
-
-<file path=ppt/slides/slide8.xml><?xml version="1.0" encoding="utf-8"?>
-<p:sld xmlns:a="http://schemas.openxmlformats.org/drawingml/2006/main" xmlns:r="http://schemas.openxmlformats.org/officeDocument/2006/relationships" xmlns:p="http://schemas.openxmlformats.org/presentationml/2006/main">
-  <p:cSld>
-    <p:spTree>
-      <p:nvGrpSpPr>
-        <p:cNvPr id="1" name=""/>
-        <p:cNvGrpSpPr/>
-        <p:nvPr/>
-      </p:nvGrpSpPr>
-      <p:grpSpPr>
-        <a:xfrm>
-          <a:off x="0" y="0"/>
-          <a:ext cx="0" cy="0"/>
-          <a:chOff x="0" y="0"/>
-          <a:chExt cx="0" cy="0"/>
-        </a:xfrm>
-      </p:grpSpPr>
-      <p:grpSp>
-        <p:nvGrpSpPr>
-          <p:cNvPr id="7" name="ísľïdé">
-            <a:extLst>
-              <a:ext uri="{FF2B5EF4-FFF2-40B4-BE49-F238E27FC236}">
-                <a16:creationId xmlns:a16="http://schemas.microsoft.com/office/drawing/2014/main" xmlns="" id="{B8A9ADE8-F455-479C-8484-E26EE5BA5B71}"/>
-              </a:ext>
-            </a:extLst>
-          </p:cNvPr>
-          <p:cNvGrpSpPr/>
-          <p:nvPr/>
-        </p:nvGrpSpPr>
-        <p:grpSpPr>
-          <a:xfrm>
-            <a:off x="546325" y="1323191"/>
-            <a:ext cx="4918558" cy="2643226"/>
-            <a:chOff x="4031804" y="3071927"/>
-            <a:chExt cx="3088021" cy="2067073"/>
-          </a:xfrm>
-        </p:grpSpPr>
-        <p:sp>
-          <p:nvSpPr>
-            <p:cNvPr id="8" name="iṡḷîḑê">
-              <a:extLst>
-                <a:ext uri="{FF2B5EF4-FFF2-40B4-BE49-F238E27FC236}">
-                  <a16:creationId xmlns:a16="http://schemas.microsoft.com/office/drawing/2014/main" xmlns="" id="{6436B791-C84A-4FC0-BD8A-A8CE8B896CDF}"/>
-                </a:ext>
-              </a:extLst>
-            </p:cNvPr>
-            <p:cNvSpPr/>
-            <p:nvPr/>
-          </p:nvSpPr>
-          <p:spPr>
-            <a:xfrm>
-              <a:off x="4031806" y="3244540"/>
-              <a:ext cx="3088019" cy="1894460"/>
-            </a:xfrm>
-            <a:prstGeom prst="roundRect">
-              <a:avLst>
-                <a:gd name="adj" fmla="val 2415"/>
-              </a:avLst>
-            </a:prstGeom>
-            <a:gradFill flip="none" rotWithShape="1">
-              <a:gsLst>
-                <a:gs pos="0">
-                  <a:schemeClr val="accent3">
-                    <a:alpha val="23000"/>
-                  </a:schemeClr>
-                </a:gs>
-                <a:gs pos="100000">
-                  <a:schemeClr val="accent3">
-                    <a:alpha val="0"/>
-                  </a:schemeClr>
-                </a:gs>
-              </a:gsLst>
-              <a:lin ang="5400000" scaled="1"/>
-              <a:tileRect/>
-            </a:gradFill>
-            <a:ln w="3175">
-              <a:solidFill>
-                <a:schemeClr val="bg1">
-                  <a:lumMod val="85000"/>
-                </a:schemeClr>
-              </a:solidFill>
-              <a:prstDash val="solid"/>
-            </a:ln>
-          </p:spPr>
-          <p:style>
-            <a:lnRef idx="2">
-              <a:schemeClr val="accent1">
-                <a:shade val="50000"/>
-              </a:schemeClr>
-            </a:lnRef>
-            <a:fillRef idx="1">
-              <a:schemeClr val="accent1"/>
-            </a:fillRef>
-            <a:effectRef idx="0">
-              <a:schemeClr val="accent1"/>
-            </a:effectRef>
-            <a:fontRef idx="minor">
-              <a:schemeClr val="lt1"/>
-            </a:fontRef>
-          </p:style>
-          <p:txBody>
-            <a:bodyPr wrap="square" lIns="0" tIns="0" rIns="0" bIns="0" anchor="ctr" anchorCtr="1">
-              <a:normAutofit/>
-            </a:bodyPr>
-            <a:lstStyle/>
-            <a:p>
-              <a:pPr marL="171450" indent="-171450">
-                <a:lnSpc>
-                  <a:spcPct val="130000"/>
-                </a:lnSpc>
-                <a:buFont typeface="Arial" panose="020B0604020202020204" pitchFamily="34" charset="0"/>
-                <a:buChar char="•"/>
-              </a:pPr>
-              <a:r>
-                <a:rPr lang="zh-CN" altLang="en-US" sz="1200" dirty="0" smtClean="0">
-                  <a:solidFill>
-                    <a:schemeClr val="dk1">
-                      <a:lumMod val="100000"/>
-                    </a:schemeClr>
-                  </a:solidFill>
-                </a:rPr>
-                <a:t>不返回统一的数据结构，或使用了统一的结构，但数据类型比较随意。。。</a:t>
-              </a:r>
-              <a:endParaRPr lang="en-US" altLang="zh-CN" sz="1200" dirty="0" smtClean="0">
-                <a:solidFill>
-                  <a:schemeClr val="dk1">
-                    <a:lumMod val="100000"/>
-                  </a:schemeClr>
-                </a:solidFill>
-              </a:endParaRPr>
-            </a:p>
-            <a:p>
-              <a:pPr marL="171450" indent="-171450">
-                <a:lnSpc>
-                  <a:spcPct val="130000"/>
-                </a:lnSpc>
-                <a:buFont typeface="Arial" panose="020B0604020202020204" pitchFamily="34" charset="0"/>
-                <a:buChar char="•"/>
-              </a:pPr>
-              <a:r>
-                <a:rPr lang="en-US" altLang="zh-CN" sz="1200" dirty="0" smtClean="0">
-                  <a:solidFill>
-                    <a:schemeClr val="dk1">
-                      <a:lumMod val="100000"/>
-                    </a:schemeClr>
-                  </a:solidFill>
-                </a:rPr>
-                <a:t>You can use the icon </a:t>
-              </a:r>
-              <a:r>
-                <a:rPr lang="en-US" altLang="zh-CN" sz="1200" smtClean="0">
-                  <a:solidFill>
-                    <a:schemeClr val="dk1">
-                      <a:lumMod val="100000"/>
-                    </a:schemeClr>
-                  </a:solidFill>
-                </a:rPr>
-                <a:t>library </a:t>
-              </a:r>
-              <a:r>
-                <a:rPr lang="en-US" altLang="zh-CN" sz="1200" smtClean="0">
-                  <a:solidFill>
-                    <a:schemeClr val="dk1">
-                      <a:lumMod val="100000"/>
-                    </a:schemeClr>
-                  </a:solidFill>
-                </a:rPr>
-                <a:t>in</a:t>
-              </a:r>
-              <a:endParaRPr lang="en-US" altLang="zh-CN" sz="1200" dirty="0">
-                <a:solidFill>
-                  <a:schemeClr val="dk1">
-                    <a:lumMod val="100000"/>
-                  </a:schemeClr>
-                </a:solidFill>
-              </a:endParaRPr>
-            </a:p>
-          </p:txBody>
-        </p:sp>
-        <p:sp>
-          <p:nvSpPr>
-            <p:cNvPr id="9" name="ïsļíďê">
-              <a:extLst>
-                <a:ext uri="{FF2B5EF4-FFF2-40B4-BE49-F238E27FC236}">
-                  <a16:creationId xmlns:a16="http://schemas.microsoft.com/office/drawing/2014/main" xmlns="" id="{6DE4E8D5-9B13-4E8D-9A87-EFEA3BF7B37F}"/>
-                </a:ext>
-              </a:extLst>
-            </p:cNvPr>
-            <p:cNvSpPr/>
-            <p:nvPr/>
-          </p:nvSpPr>
-          <p:spPr>
-            <a:xfrm>
-              <a:off x="4031804" y="3071927"/>
-              <a:ext cx="3088021" cy="385277"/>
-            </a:xfrm>
-            <a:prstGeom prst="roundRect">
-              <a:avLst>
-                <a:gd name="adj" fmla="val 50000"/>
-              </a:avLst>
-            </a:prstGeom>
-            <a:solidFill>
-              <a:schemeClr val="accent3"/>
-            </a:solidFill>
-            <a:ln w="12700">
-              <a:solidFill>
-                <a:schemeClr val="bg1"/>
-              </a:solidFill>
-            </a:ln>
-            <a:effectLst/>
-          </p:spPr>
-          <p:style>
-            <a:lnRef idx="2">
-              <a:schemeClr val="accent1">
-                <a:shade val="50000"/>
-              </a:schemeClr>
-            </a:lnRef>
-            <a:fillRef idx="1">
-              <a:schemeClr val="accent1"/>
-            </a:fillRef>
-            <a:effectRef idx="0">
-              <a:schemeClr val="accent1"/>
-            </a:effectRef>
-            <a:fontRef idx="minor">
-              <a:schemeClr val="lt1"/>
-            </a:fontRef>
-          </p:style>
-          <p:txBody>
-            <a:bodyPr wrap="none" anchor="ctr">
-              <a:normAutofit/>
-            </a:bodyPr>
-            <a:lstStyle/>
-            <a:p>
-              <a:pPr algn="ctr"/>
-              <a:r>
-                <a:rPr lang="zh-CN" altLang="en-US" sz="1400" b="1" dirty="0" smtClean="0">
-                  <a:solidFill>
-                    <a:schemeClr val="bg1"/>
-                  </a:solidFill>
-                </a:rPr>
-                <a:t>不理想的接口</a:t>
-              </a:r>
-              <a:endParaRPr lang="en-US" altLang="zh-CN" sz="1400" b="1" dirty="0">
-                <a:solidFill>
-                  <a:schemeClr val="bg1"/>
-                </a:solidFill>
-              </a:endParaRPr>
-            </a:p>
-          </p:txBody>
-        </p:sp>
-      </p:grpSp>
-      <p:grpSp>
-        <p:nvGrpSpPr>
-          <p:cNvPr id="13" name="íṩḻiḓè">
-            <a:extLst>
-              <a:ext uri="{FF2B5EF4-FFF2-40B4-BE49-F238E27FC236}">
-                <a16:creationId xmlns:a16="http://schemas.microsoft.com/office/drawing/2014/main" xmlns="" id="{6F58A99B-32AE-4498-86B2-3074B0CBB14A}"/>
-              </a:ext>
-            </a:extLst>
-          </p:cNvPr>
-          <p:cNvGrpSpPr/>
-          <p:nvPr/>
-        </p:nvGrpSpPr>
-        <p:grpSpPr>
-          <a:xfrm>
-            <a:off x="6023203" y="1333946"/>
-            <a:ext cx="4906569" cy="2610953"/>
-            <a:chOff x="676650" y="3071927"/>
-            <a:chExt cx="3088021" cy="2067073"/>
-          </a:xfrm>
-        </p:grpSpPr>
-        <p:sp>
-          <p:nvSpPr>
-            <p:cNvPr id="14" name="iSḻîḋè">
-              <a:extLst>
-                <a:ext uri="{FF2B5EF4-FFF2-40B4-BE49-F238E27FC236}">
-                  <a16:creationId xmlns:a16="http://schemas.microsoft.com/office/drawing/2014/main" xmlns="" id="{E81B2E60-DF17-4B58-AA39-72402FB1386F}"/>
-                </a:ext>
-              </a:extLst>
-            </p:cNvPr>
-            <p:cNvSpPr/>
-            <p:nvPr/>
-          </p:nvSpPr>
-          <p:spPr>
-            <a:xfrm>
-              <a:off x="676652" y="3244540"/>
-              <a:ext cx="3088019" cy="1894460"/>
-            </a:xfrm>
-            <a:prstGeom prst="roundRect">
-              <a:avLst>
-                <a:gd name="adj" fmla="val 2415"/>
-              </a:avLst>
-            </a:prstGeom>
-            <a:gradFill flip="none" rotWithShape="1">
-              <a:gsLst>
-                <a:gs pos="0">
-                  <a:schemeClr val="accent1">
-                    <a:alpha val="23000"/>
-                  </a:schemeClr>
-                </a:gs>
-                <a:gs pos="100000">
-                  <a:schemeClr val="accent1">
-                    <a:alpha val="0"/>
-                  </a:schemeClr>
-                </a:gs>
-              </a:gsLst>
-              <a:lin ang="5400000" scaled="1"/>
-              <a:tileRect/>
-            </a:gradFill>
-            <a:ln w="3175">
-              <a:solidFill>
-                <a:schemeClr val="bg1">
-                  <a:lumMod val="85000"/>
-                </a:schemeClr>
-              </a:solidFill>
-              <a:prstDash val="solid"/>
-            </a:ln>
-          </p:spPr>
-          <p:style>
-            <a:lnRef idx="2">
-              <a:schemeClr val="accent1">
-                <a:shade val="50000"/>
-              </a:schemeClr>
-            </a:lnRef>
-            <a:fillRef idx="1">
-              <a:schemeClr val="accent1"/>
-            </a:fillRef>
-            <a:effectRef idx="0">
-              <a:schemeClr val="accent1"/>
-            </a:effectRef>
-            <a:fontRef idx="minor">
-              <a:schemeClr val="lt1"/>
-            </a:fontRef>
-          </p:style>
-          <p:txBody>
-            <a:bodyPr wrap="square" lIns="0" tIns="0" rIns="0" bIns="0" anchor="ctr" anchorCtr="1">
-              <a:normAutofit/>
-            </a:bodyPr>
-            <a:lstStyle/>
-            <a:p>
-              <a:pPr marL="171450" indent="-171450">
-                <a:lnSpc>
-                  <a:spcPct val="130000"/>
-                </a:lnSpc>
-                <a:buFont typeface="Arial" panose="020B0604020202020204" pitchFamily="34" charset="0"/>
-                <a:buChar char="•"/>
-                <a:defRPr/>
-              </a:pPr>
-              <a:r>
-                <a:rPr lang="en-US" altLang="zh-CN" sz="1200" dirty="0">
-                  <a:solidFill>
-                    <a:schemeClr val="dk1">
-                      <a:lumMod val="100000"/>
-                    </a:schemeClr>
-                  </a:solidFill>
-                </a:rPr>
-                <a:t>Supporting text here.</a:t>
-              </a:r>
-            </a:p>
-            <a:p>
-              <a:pPr marL="171450" indent="-171450">
-                <a:lnSpc>
-                  <a:spcPct val="130000"/>
-                </a:lnSpc>
-                <a:buFont typeface="Arial" panose="020B0604020202020204" pitchFamily="34" charset="0"/>
-                <a:buChar char="•"/>
-              </a:pPr>
-              <a:r>
-                <a:rPr lang="zh-CN" altLang="en-US" sz="1200" dirty="0" smtClean="0">
-                  <a:solidFill>
-                    <a:schemeClr val="dk1">
-                      <a:lumMod val="100000"/>
-                    </a:schemeClr>
-                  </a:solidFill>
-                </a:rPr>
-                <a:t>返回</a:t>
-              </a:r>
-              <a:r>
-                <a:rPr lang="zh-CN" altLang="en-US" sz="1200" dirty="0" smtClean="0">
-                  <a:solidFill>
-                    <a:schemeClr val="dk1">
-                      <a:lumMod val="100000"/>
-                    </a:schemeClr>
-                  </a:solidFill>
-                </a:rPr>
-                <a:t>统一的数据结构，或使用了统一的结构，但数据类型比较随意。。。</a:t>
-              </a:r>
-              <a:endParaRPr lang="en-US" altLang="zh-CN" sz="1200" dirty="0" smtClean="0">
-                <a:solidFill>
-                  <a:schemeClr val="dk1">
-                    <a:lumMod val="100000"/>
-                  </a:schemeClr>
-                </a:solidFill>
-              </a:endParaRPr>
-            </a:p>
-          </p:txBody>
-        </p:sp>
-        <p:sp>
-          <p:nvSpPr>
-            <p:cNvPr id="15" name="íṧ1ïḋê">
-              <a:extLst>
-                <a:ext uri="{FF2B5EF4-FFF2-40B4-BE49-F238E27FC236}">
-                  <a16:creationId xmlns:a16="http://schemas.microsoft.com/office/drawing/2014/main" xmlns="" id="{6A8A1DE2-0519-4C24-BFFD-99EDE330F952}"/>
-                </a:ext>
-              </a:extLst>
-            </p:cNvPr>
-            <p:cNvSpPr/>
-            <p:nvPr/>
-          </p:nvSpPr>
-          <p:spPr>
-            <a:xfrm>
-              <a:off x="676650" y="3071927"/>
-              <a:ext cx="3088021" cy="385277"/>
-            </a:xfrm>
-            <a:prstGeom prst="roundRect">
-              <a:avLst>
-                <a:gd name="adj" fmla="val 50000"/>
-              </a:avLst>
-            </a:prstGeom>
-            <a:solidFill>
-              <a:schemeClr val="accent1"/>
-            </a:solidFill>
-            <a:ln w="12700">
-              <a:solidFill>
-                <a:schemeClr val="bg1"/>
-              </a:solidFill>
-            </a:ln>
-            <a:effectLst/>
-          </p:spPr>
-          <p:style>
-            <a:lnRef idx="2">
-              <a:schemeClr val="accent1">
-                <a:shade val="50000"/>
-              </a:schemeClr>
-            </a:lnRef>
-            <a:fillRef idx="1">
-              <a:schemeClr val="accent1"/>
-            </a:fillRef>
-            <a:effectRef idx="0">
-              <a:schemeClr val="accent1"/>
-            </a:effectRef>
-            <a:fontRef idx="minor">
-              <a:schemeClr val="lt1"/>
-            </a:fontRef>
-          </p:style>
-          <p:txBody>
-            <a:bodyPr wrap="none" anchor="ctr">
-              <a:normAutofit/>
-            </a:bodyPr>
-            <a:lstStyle/>
-            <a:p>
-              <a:pPr algn="ctr"/>
-              <a:r>
-                <a:rPr lang="zh-CN" altLang="en-US" sz="1400" b="1" dirty="0" smtClean="0">
-                  <a:solidFill>
-                    <a:schemeClr val="bg1"/>
-                  </a:solidFill>
-                </a:rPr>
-                <a:t>理想的接口</a:t>
-              </a:r>
-              <a:endParaRPr lang="en-US" altLang="zh-CN" sz="1400" b="1" dirty="0">
-                <a:solidFill>
-                  <a:schemeClr val="bg1"/>
-                </a:solidFill>
-              </a:endParaRPr>
-            </a:p>
-          </p:txBody>
-        </p:sp>
-      </p:grpSp>
-    </p:spTree>
-  </p:cSld>
-  <p:clrMapOvr>
-    <a:masterClrMapping/>
-  </p:clrMapOvr>
-  <p:timing>
-    <p:tnLst>
-      <p:par>
-        <p:cTn id="1" dur="indefinite" restart="never" nodeType="tmRoot"/>
-      </p:par>
-    </p:tnLst>
-  </p:timing>
-</p:sld>
-</file>
-
-<file path=ppt/slides/slide9.xml><?xml version="1.0" encoding="utf-8"?>
-<p:sld xmlns:a="http://schemas.openxmlformats.org/drawingml/2006/main" xmlns:r="http://schemas.openxmlformats.org/officeDocument/2006/relationships" xmlns:p="http://schemas.openxmlformats.org/presentationml/2006/main">
-  <p:cSld>
-    <p:spTree>
-      <p:nvGrpSpPr>
-        <p:cNvPr id="1" name=""/>
-        <p:cNvGrpSpPr/>
-        <p:nvPr/>
-      </p:nvGrpSpPr>
-      <p:grpSpPr>
-        <a:xfrm>
-          <a:off x="0" y="0"/>
-          <a:ext cx="0" cy="0"/>
-          <a:chOff x="0" y="0"/>
-          <a:chExt cx="0" cy="0"/>
-        </a:xfrm>
-      </p:grpSpPr>
-      <p:grpSp>
-        <p:nvGrpSpPr>
-          <p:cNvPr id="8" name="组合 7">
-            <a:extLst>
-              <a:ext uri="{FF2B5EF4-FFF2-40B4-BE49-F238E27FC236}">
-                <a16:creationId xmlns="" xmlns:a16="http://schemas.microsoft.com/office/drawing/2014/main" id="{EF4A9425-6528-4782-A738-982A41E38201}"/>
-              </a:ext>
-            </a:extLst>
-          </p:cNvPr>
-          <p:cNvGrpSpPr/>
-          <p:nvPr/>
-        </p:nvGrpSpPr>
-        <p:grpSpPr>
-          <a:xfrm>
-            <a:off x="7139655" y="2089872"/>
-            <a:ext cx="2097478" cy="911394"/>
-            <a:chOff x="2855913" y="-477838"/>
-            <a:chExt cx="5757862" cy="2501900"/>
-          </a:xfrm>
-          <a:solidFill>
-            <a:schemeClr val="accent1"/>
-          </a:solidFill>
-        </p:grpSpPr>
-        <p:sp>
-          <p:nvSpPr>
-            <p:cNvPr id="9" name="Freeform 5">
-              <a:extLst>
-                <a:ext uri="{FF2B5EF4-FFF2-40B4-BE49-F238E27FC236}">
-                  <a16:creationId xmlns="" xmlns:a16="http://schemas.microsoft.com/office/drawing/2014/main" id="{5593E324-718B-4BDE-A814-D8F20D9707CC}"/>
-                </a:ext>
-              </a:extLst>
-            </p:cNvPr>
-            <p:cNvSpPr>
-              <a:spLocks/>
-            </p:cNvSpPr>
-            <p:nvPr/>
-          </p:nvSpPr>
-          <p:spPr bwMode="auto">
-            <a:xfrm>
-              <a:off x="2855913" y="76200"/>
-              <a:ext cx="1317625" cy="1687513"/>
-            </a:xfrm>
-            <a:custGeom>
-              <a:avLst/>
-              <a:gdLst>
-                <a:gd name="T0" fmla="*/ 557 w 702"/>
-                <a:gd name="T1" fmla="*/ 136 h 898"/>
-                <a:gd name="T2" fmla="*/ 681 w 702"/>
-                <a:gd name="T3" fmla="*/ 72 h 898"/>
-                <a:gd name="T4" fmla="*/ 700 w 702"/>
-                <a:gd name="T5" fmla="*/ 55 h 898"/>
-                <a:gd name="T6" fmla="*/ 673 w 702"/>
-                <a:gd name="T7" fmla="*/ 31 h 898"/>
-                <a:gd name="T8" fmla="*/ 656 w 702"/>
-                <a:gd name="T9" fmla="*/ 16 h 898"/>
-                <a:gd name="T10" fmla="*/ 569 w 702"/>
-                <a:gd name="T11" fmla="*/ 21 h 898"/>
-                <a:gd name="T12" fmla="*/ 286 w 702"/>
-                <a:gd name="T13" fmla="*/ 79 h 898"/>
-                <a:gd name="T14" fmla="*/ 38 w 702"/>
-                <a:gd name="T15" fmla="*/ 130 h 898"/>
-                <a:gd name="T16" fmla="*/ 4 w 702"/>
-                <a:gd name="T17" fmla="*/ 193 h 898"/>
-                <a:gd name="T18" fmla="*/ 34 w 702"/>
-                <a:gd name="T19" fmla="*/ 231 h 898"/>
-                <a:gd name="T20" fmla="*/ 216 w 702"/>
-                <a:gd name="T21" fmla="*/ 210 h 898"/>
-                <a:gd name="T22" fmla="*/ 381 w 702"/>
-                <a:gd name="T23" fmla="*/ 176 h 898"/>
-                <a:gd name="T24" fmla="*/ 374 w 702"/>
-                <a:gd name="T25" fmla="*/ 216 h 898"/>
-                <a:gd name="T26" fmla="*/ 351 w 702"/>
-                <a:gd name="T27" fmla="*/ 487 h 898"/>
-                <a:gd name="T28" fmla="*/ 338 w 702"/>
-                <a:gd name="T29" fmla="*/ 716 h 898"/>
-                <a:gd name="T30" fmla="*/ 329 w 702"/>
-                <a:gd name="T31" fmla="*/ 755 h 898"/>
-                <a:gd name="T32" fmla="*/ 350 w 702"/>
-                <a:gd name="T33" fmla="*/ 771 h 898"/>
-                <a:gd name="T34" fmla="*/ 350 w 702"/>
-                <a:gd name="T35" fmla="*/ 799 h 898"/>
-                <a:gd name="T36" fmla="*/ 345 w 702"/>
-                <a:gd name="T37" fmla="*/ 843 h 898"/>
-                <a:gd name="T38" fmla="*/ 358 w 702"/>
-                <a:gd name="T39" fmla="*/ 840 h 898"/>
-                <a:gd name="T40" fmla="*/ 397 w 702"/>
-                <a:gd name="T41" fmla="*/ 885 h 898"/>
-                <a:gd name="T42" fmla="*/ 402 w 702"/>
-                <a:gd name="T43" fmla="*/ 896 h 898"/>
-                <a:gd name="T44" fmla="*/ 412 w 702"/>
-                <a:gd name="T45" fmla="*/ 870 h 898"/>
-                <a:gd name="T46" fmla="*/ 427 w 702"/>
-                <a:gd name="T47" fmla="*/ 828 h 898"/>
-                <a:gd name="T48" fmla="*/ 444 w 702"/>
-                <a:gd name="T49" fmla="*/ 704 h 898"/>
-                <a:gd name="T50" fmla="*/ 534 w 702"/>
-                <a:gd name="T51" fmla="*/ 164 h 898"/>
-                <a:gd name="T52" fmla="*/ 557 w 702"/>
-                <a:gd name="T53" fmla="*/ 136 h 898"/>
-              </a:gdLst>
-              <a:ahLst/>
-              <a:cxnLst>
-                <a:cxn ang="0">
-                  <a:pos x="T0" y="T1"/>
-                </a:cxn>
-                <a:cxn ang="0">
-                  <a:pos x="T2" y="T3"/>
-                </a:cxn>
-                <a:cxn ang="0">
-                  <a:pos x="T4" y="T5"/>
-                </a:cxn>
-                <a:cxn ang="0">
-                  <a:pos x="T6" y="T7"/>
-                </a:cxn>
-                <a:cxn ang="0">
-                  <a:pos x="T8" y="T9"/>
-                </a:cxn>
-                <a:cxn ang="0">
-                  <a:pos x="T10" y="T11"/>
-                </a:cxn>
-                <a:cxn ang="0">
-                  <a:pos x="T12" y="T13"/>
-                </a:cxn>
-                <a:cxn ang="0">
-                  <a:pos x="T14" y="T15"/>
-                </a:cxn>
-                <a:cxn ang="0">
-                  <a:pos x="T16" y="T17"/>
-                </a:cxn>
-                <a:cxn ang="0">
-                  <a:pos x="T18" y="T19"/>
-                </a:cxn>
-                <a:cxn ang="0">
-                  <a:pos x="T20" y="T21"/>
-                </a:cxn>
-                <a:cxn ang="0">
-                  <a:pos x="T22" y="T23"/>
-                </a:cxn>
-                <a:cxn ang="0">
-                  <a:pos x="T24" y="T25"/>
-                </a:cxn>
-                <a:cxn ang="0">
-                  <a:pos x="T26" y="T27"/>
-                </a:cxn>
-                <a:cxn ang="0">
-                  <a:pos x="T28" y="T29"/>
-                </a:cxn>
-                <a:cxn ang="0">
-                  <a:pos x="T30" y="T31"/>
-                </a:cxn>
-                <a:cxn ang="0">
-                  <a:pos x="T32" y="T33"/>
-                </a:cxn>
-                <a:cxn ang="0">
-                  <a:pos x="T34" y="T35"/>
-                </a:cxn>
-                <a:cxn ang="0">
-                  <a:pos x="T36" y="T37"/>
-                </a:cxn>
-                <a:cxn ang="0">
-                  <a:pos x="T38" y="T39"/>
-                </a:cxn>
-                <a:cxn ang="0">
-                  <a:pos x="T40" y="T41"/>
-                </a:cxn>
-                <a:cxn ang="0">
-                  <a:pos x="T42" y="T43"/>
-                </a:cxn>
-                <a:cxn ang="0">
-                  <a:pos x="T44" y="T45"/>
-                </a:cxn>
-                <a:cxn ang="0">
-                  <a:pos x="T46" y="T47"/>
-                </a:cxn>
-                <a:cxn ang="0">
-                  <a:pos x="T48" y="T49"/>
-                </a:cxn>
-                <a:cxn ang="0">
-                  <a:pos x="T50" y="T51"/>
-                </a:cxn>
-                <a:cxn ang="0">
-                  <a:pos x="T52" y="T53"/>
-                </a:cxn>
-              </a:cxnLst>
-              <a:rect l="0" t="0" r="r" b="b"/>
-              <a:pathLst>
-                <a:path w="702" h="898">
-                  <a:moveTo>
-                    <a:pt x="557" y="136"/>
-                  </a:moveTo>
-                  <a:cubicBezTo>
-                    <a:pt x="599" y="117"/>
-                    <a:pt x="649" y="111"/>
-                    <a:pt x="681" y="72"/>
-                  </a:cubicBezTo>
-                  <a:cubicBezTo>
-                    <a:pt x="686" y="65"/>
-                    <a:pt x="702" y="68"/>
-                    <a:pt x="700" y="55"/>
-                  </a:cubicBezTo>
-                  <a:cubicBezTo>
-                    <a:pt x="698" y="40"/>
-                    <a:pt x="685" y="35"/>
-                    <a:pt x="673" y="31"/>
-                  </a:cubicBezTo>
-                  <a:cubicBezTo>
-                    <a:pt x="666" y="27"/>
-                    <a:pt x="680" y="0"/>
-                    <a:pt x="656" y="16"/>
-                  </a:cubicBezTo>
-                  <a:cubicBezTo>
-                    <a:pt x="627" y="16"/>
-                    <a:pt x="598" y="15"/>
-                    <a:pt x="569" y="21"/>
-                  </a:cubicBezTo>
-                  <a:cubicBezTo>
-                    <a:pt x="475" y="41"/>
-                    <a:pt x="380" y="60"/>
-                    <a:pt x="286" y="79"/>
-                  </a:cubicBezTo>
-                  <a:cubicBezTo>
-                    <a:pt x="203" y="96"/>
-                    <a:pt x="121" y="114"/>
-                    <a:pt x="38" y="130"/>
-                  </a:cubicBezTo>
-                  <a:cubicBezTo>
-                    <a:pt x="0" y="138"/>
-                    <a:pt x="7" y="167"/>
-                    <a:pt x="4" y="193"/>
-                  </a:cubicBezTo>
-                  <a:cubicBezTo>
-                    <a:pt x="1" y="216"/>
-                    <a:pt x="12" y="226"/>
-                    <a:pt x="34" y="231"/>
-                  </a:cubicBezTo>
-                  <a:cubicBezTo>
-                    <a:pt x="98" y="247"/>
-                    <a:pt x="156" y="221"/>
-                    <a:pt x="216" y="210"/>
-                  </a:cubicBezTo>
-                  <a:cubicBezTo>
-                    <a:pt x="271" y="201"/>
-                    <a:pt x="324" y="180"/>
-                    <a:pt x="381" y="176"/>
-                  </a:cubicBezTo>
-                  <a:cubicBezTo>
-                    <a:pt x="378" y="192"/>
-                    <a:pt x="375" y="204"/>
-                    <a:pt x="374" y="216"/>
-                  </a:cubicBezTo>
-                  <a:cubicBezTo>
-                    <a:pt x="362" y="306"/>
-                    <a:pt x="365" y="397"/>
-                    <a:pt x="351" y="487"/>
-                  </a:cubicBezTo>
-                  <a:cubicBezTo>
-                    <a:pt x="338" y="562"/>
-                    <a:pt x="341" y="640"/>
-                    <a:pt x="338" y="716"/>
-                  </a:cubicBezTo>
-                  <a:cubicBezTo>
-                    <a:pt x="335" y="729"/>
-                    <a:pt x="333" y="742"/>
-                    <a:pt x="329" y="755"/>
-                  </a:cubicBezTo>
-                  <a:cubicBezTo>
-                    <a:pt x="324" y="776"/>
-                    <a:pt x="336" y="774"/>
-                    <a:pt x="350" y="771"/>
-                  </a:cubicBezTo>
-                  <a:cubicBezTo>
-                    <a:pt x="345" y="781"/>
-                    <a:pt x="350" y="790"/>
-                    <a:pt x="350" y="799"/>
-                  </a:cubicBezTo>
-                  <a:cubicBezTo>
-                    <a:pt x="344" y="813"/>
-                    <a:pt x="341" y="829"/>
-                    <a:pt x="345" y="843"/>
-                  </a:cubicBezTo>
-                  <a:cubicBezTo>
-                    <a:pt x="349" y="859"/>
-                    <a:pt x="352" y="835"/>
-                    <a:pt x="358" y="840"/>
-                  </a:cubicBezTo>
-                  <a:cubicBezTo>
-                    <a:pt x="381" y="847"/>
-                    <a:pt x="379" y="875"/>
-                    <a:pt x="397" y="885"/>
-                  </a:cubicBezTo>
-                  <a:cubicBezTo>
-                    <a:pt x="397" y="889"/>
-                    <a:pt x="398" y="898"/>
-                    <a:pt x="402" y="896"/>
-                  </a:cubicBezTo>
-                  <a:cubicBezTo>
-                    <a:pt x="413" y="891"/>
-                    <a:pt x="411" y="879"/>
-                    <a:pt x="412" y="870"/>
-                  </a:cubicBezTo>
-                  <a:cubicBezTo>
-                    <a:pt x="424" y="858"/>
-                    <a:pt x="425" y="842"/>
-                    <a:pt x="427" y="828"/>
-                  </a:cubicBezTo>
-                  <a:cubicBezTo>
-                    <a:pt x="433" y="787"/>
-                    <a:pt x="438" y="745"/>
-                    <a:pt x="444" y="704"/>
-                  </a:cubicBezTo>
-                  <a:cubicBezTo>
-                    <a:pt x="467" y="523"/>
-                    <a:pt x="495" y="342"/>
-                    <a:pt x="534" y="164"/>
-                  </a:cubicBezTo>
-                  <a:cubicBezTo>
-                    <a:pt x="537" y="149"/>
-                    <a:pt x="541" y="143"/>
-                    <a:pt x="557" y="136"/>
-                  </a:cubicBezTo>
-                  <a:close/>
-                </a:path>
-              </a:pathLst>
-            </a:custGeom>
-            <a:grpFill/>
-            <a:ln>
-              <a:noFill/>
-            </a:ln>
-          </p:spPr>
-          <p:txBody>
-            <a:bodyPr vert="horz" wrap="square" lIns="91440" tIns="45720" rIns="91440" bIns="45720" numCol="1" anchor="t" anchorCtr="0" compatLnSpc="1">
-              <a:prstTxWarp prst="textNoShape">
-                <a:avLst/>
-              </a:prstTxWarp>
-            </a:bodyPr>
-            <a:lstStyle/>
-            <a:p>
-              <a:endParaRPr lang="zh-CN" altLang="en-US"/>
-            </a:p>
-          </p:txBody>
-        </p:sp>
-        <p:sp>
-          <p:nvSpPr>
-            <p:cNvPr id="10" name="Freeform 6">
-              <a:extLst>
-                <a:ext uri="{FF2B5EF4-FFF2-40B4-BE49-F238E27FC236}">
-                  <a16:creationId xmlns="" xmlns:a16="http://schemas.microsoft.com/office/drawing/2014/main" id="{9031A3BF-F619-459C-B1DC-E40D3FBC3CED}"/>
-                </a:ext>
-              </a:extLst>
-            </p:cNvPr>
-            <p:cNvSpPr>
-              <a:spLocks/>
-            </p:cNvSpPr>
-            <p:nvPr/>
-          </p:nvSpPr>
-          <p:spPr bwMode="auto">
-            <a:xfrm>
-              <a:off x="5822950" y="-236538"/>
-              <a:ext cx="796925" cy="1274763"/>
-            </a:xfrm>
-            <a:custGeom>
-              <a:avLst/>
-              <a:gdLst>
-                <a:gd name="T0" fmla="*/ 70 w 425"/>
-                <a:gd name="T1" fmla="*/ 666 h 678"/>
-                <a:gd name="T2" fmla="*/ 102 w 425"/>
-                <a:gd name="T3" fmla="*/ 625 h 678"/>
-                <a:gd name="T4" fmla="*/ 140 w 425"/>
-                <a:gd name="T5" fmla="*/ 469 h 678"/>
-                <a:gd name="T6" fmla="*/ 199 w 425"/>
-                <a:gd name="T7" fmla="*/ 577 h 678"/>
-                <a:gd name="T8" fmla="*/ 248 w 425"/>
-                <a:gd name="T9" fmla="*/ 639 h 678"/>
-                <a:gd name="T10" fmla="*/ 383 w 425"/>
-                <a:gd name="T11" fmla="*/ 548 h 678"/>
-                <a:gd name="T12" fmla="*/ 392 w 425"/>
-                <a:gd name="T13" fmla="*/ 470 h 678"/>
-                <a:gd name="T14" fmla="*/ 395 w 425"/>
-                <a:gd name="T15" fmla="*/ 377 h 678"/>
-                <a:gd name="T16" fmla="*/ 414 w 425"/>
-                <a:gd name="T17" fmla="*/ 160 h 678"/>
-                <a:gd name="T18" fmla="*/ 421 w 425"/>
-                <a:gd name="T19" fmla="*/ 110 h 678"/>
-                <a:gd name="T20" fmla="*/ 408 w 425"/>
-                <a:gd name="T21" fmla="*/ 136 h 678"/>
-                <a:gd name="T22" fmla="*/ 408 w 425"/>
-                <a:gd name="T23" fmla="*/ 61 h 678"/>
-                <a:gd name="T24" fmla="*/ 403 w 425"/>
-                <a:gd name="T25" fmla="*/ 47 h 678"/>
-                <a:gd name="T26" fmla="*/ 385 w 425"/>
-                <a:gd name="T27" fmla="*/ 53 h 678"/>
-                <a:gd name="T28" fmla="*/ 369 w 425"/>
-                <a:gd name="T29" fmla="*/ 31 h 678"/>
-                <a:gd name="T30" fmla="*/ 348 w 425"/>
-                <a:gd name="T31" fmla="*/ 0 h 678"/>
-                <a:gd name="T32" fmla="*/ 341 w 425"/>
-                <a:gd name="T33" fmla="*/ 24 h 678"/>
-                <a:gd name="T34" fmla="*/ 325 w 425"/>
-                <a:gd name="T35" fmla="*/ 70 h 678"/>
-                <a:gd name="T36" fmla="*/ 285 w 425"/>
-                <a:gd name="T37" fmla="*/ 308 h 678"/>
-                <a:gd name="T38" fmla="*/ 264 w 425"/>
-                <a:gd name="T39" fmla="*/ 407 h 678"/>
-                <a:gd name="T40" fmla="*/ 165 w 425"/>
-                <a:gd name="T41" fmla="*/ 251 h 678"/>
-                <a:gd name="T42" fmla="*/ 89 w 425"/>
-                <a:gd name="T43" fmla="*/ 222 h 678"/>
-                <a:gd name="T44" fmla="*/ 55 w 425"/>
-                <a:gd name="T45" fmla="*/ 274 h 678"/>
-                <a:gd name="T46" fmla="*/ 7 w 425"/>
-                <a:gd name="T47" fmla="*/ 539 h 678"/>
-                <a:gd name="T48" fmla="*/ 6 w 425"/>
-                <a:gd name="T49" fmla="*/ 622 h 678"/>
-                <a:gd name="T50" fmla="*/ 70 w 425"/>
-                <a:gd name="T51" fmla="*/ 666 h 678"/>
-              </a:gdLst>
-              <a:ahLst/>
-              <a:cxnLst>
-                <a:cxn ang="0">
-                  <a:pos x="T0" y="T1"/>
-                </a:cxn>
-                <a:cxn ang="0">
-                  <a:pos x="T2" y="T3"/>
-                </a:cxn>
-                <a:cxn ang="0">
-                  <a:pos x="T4" y="T5"/>
-                </a:cxn>
-                <a:cxn ang="0">
-                  <a:pos x="T6" y="T7"/>
-                </a:cxn>
-                <a:cxn ang="0">
-                  <a:pos x="T8" y="T9"/>
-                </a:cxn>
-                <a:cxn ang="0">
-                  <a:pos x="T10" y="T11"/>
-                </a:cxn>
-                <a:cxn ang="0">
-                  <a:pos x="T12" y="T13"/>
-                </a:cxn>
-                <a:cxn ang="0">
-                  <a:pos x="T14" y="T15"/>
-                </a:cxn>
-                <a:cxn ang="0">
-                  <a:pos x="T16" y="T17"/>
-                </a:cxn>
-                <a:cxn ang="0">
-                  <a:pos x="T18" y="T19"/>
-                </a:cxn>
-                <a:cxn ang="0">
-                  <a:pos x="T20" y="T21"/>
-                </a:cxn>
-                <a:cxn ang="0">
-                  <a:pos x="T22" y="T23"/>
-                </a:cxn>
-                <a:cxn ang="0">
-                  <a:pos x="T24" y="T25"/>
-                </a:cxn>
-                <a:cxn ang="0">
-                  <a:pos x="T26" y="T27"/>
-                </a:cxn>
-                <a:cxn ang="0">
-                  <a:pos x="T28" y="T29"/>
-                </a:cxn>
-                <a:cxn ang="0">
-                  <a:pos x="T30" y="T31"/>
-                </a:cxn>
-                <a:cxn ang="0">
-                  <a:pos x="T32" y="T33"/>
-                </a:cxn>
-                <a:cxn ang="0">
-                  <a:pos x="T34" y="T35"/>
-                </a:cxn>
-                <a:cxn ang="0">
-                  <a:pos x="T36" y="T37"/>
-                </a:cxn>
-                <a:cxn ang="0">
-                  <a:pos x="T38" y="T39"/>
-                </a:cxn>
-                <a:cxn ang="0">
-                  <a:pos x="T40" y="T41"/>
-                </a:cxn>
-                <a:cxn ang="0">
-                  <a:pos x="T42" y="T43"/>
-                </a:cxn>
-                <a:cxn ang="0">
-                  <a:pos x="T44" y="T45"/>
-                </a:cxn>
-                <a:cxn ang="0">
-                  <a:pos x="T46" y="T47"/>
-                </a:cxn>
-                <a:cxn ang="0">
-                  <a:pos x="T48" y="T49"/>
-                </a:cxn>
-                <a:cxn ang="0">
-                  <a:pos x="T50" y="T51"/>
-                </a:cxn>
-              </a:cxnLst>
-              <a:rect l="0" t="0" r="r" b="b"/>
-              <a:pathLst>
-                <a:path w="425" h="678">
-                  <a:moveTo>
-                    <a:pt x="70" y="666"/>
-                  </a:moveTo>
-                  <a:cubicBezTo>
-                    <a:pt x="91" y="660"/>
-                    <a:pt x="97" y="641"/>
-                    <a:pt x="102" y="625"/>
-                  </a:cubicBezTo>
-                  <a:cubicBezTo>
-                    <a:pt x="115" y="575"/>
-                    <a:pt x="126" y="525"/>
-                    <a:pt x="140" y="469"/>
-                  </a:cubicBezTo>
-                  <a:cubicBezTo>
-                    <a:pt x="156" y="511"/>
-                    <a:pt x="186" y="537"/>
-                    <a:pt x="199" y="577"/>
-                  </a:cubicBezTo>
-                  <a:cubicBezTo>
-                    <a:pt x="206" y="598"/>
-                    <a:pt x="211" y="636"/>
-                    <a:pt x="248" y="639"/>
-                  </a:cubicBezTo>
-                  <a:cubicBezTo>
-                    <a:pt x="327" y="646"/>
-                    <a:pt x="360" y="624"/>
-                    <a:pt x="383" y="548"/>
-                  </a:cubicBezTo>
-                  <a:cubicBezTo>
-                    <a:pt x="391" y="523"/>
-                    <a:pt x="394" y="497"/>
-                    <a:pt x="392" y="470"/>
-                  </a:cubicBezTo>
-                  <a:cubicBezTo>
-                    <a:pt x="391" y="439"/>
-                    <a:pt x="386" y="405"/>
-                    <a:pt x="395" y="377"/>
-                  </a:cubicBezTo>
-                  <a:cubicBezTo>
-                    <a:pt x="416" y="305"/>
-                    <a:pt x="410" y="232"/>
-                    <a:pt x="414" y="160"/>
-                  </a:cubicBezTo>
-                  <a:cubicBezTo>
-                    <a:pt x="421" y="144"/>
-                    <a:pt x="425" y="127"/>
-                    <a:pt x="421" y="110"/>
-                  </a:cubicBezTo>
-                  <a:cubicBezTo>
-                    <a:pt x="408" y="114"/>
-                    <a:pt x="424" y="133"/>
-                    <a:pt x="408" y="136"/>
-                  </a:cubicBezTo>
-                  <a:cubicBezTo>
-                    <a:pt x="402" y="111"/>
-                    <a:pt x="404" y="86"/>
-                    <a:pt x="408" y="61"/>
-                  </a:cubicBezTo>
-                  <a:cubicBezTo>
-                    <a:pt x="409" y="55"/>
-                    <a:pt x="410" y="49"/>
-                    <a:pt x="403" y="47"/>
-                  </a:cubicBezTo>
-                  <a:cubicBezTo>
-                    <a:pt x="396" y="45"/>
-                    <a:pt x="388" y="45"/>
-                    <a:pt x="385" y="53"/>
-                  </a:cubicBezTo>
-                  <a:cubicBezTo>
-                    <a:pt x="374" y="50"/>
-                    <a:pt x="370" y="41"/>
-                    <a:pt x="369" y="31"/>
-                  </a:cubicBezTo>
-                  <a:cubicBezTo>
-                    <a:pt x="373" y="14"/>
-                    <a:pt x="351" y="14"/>
-                    <a:pt x="348" y="0"/>
-                  </a:cubicBezTo>
-                  <a:cubicBezTo>
-                    <a:pt x="346" y="8"/>
-                    <a:pt x="344" y="16"/>
-                    <a:pt x="341" y="24"/>
-                  </a:cubicBezTo>
-                  <a:cubicBezTo>
-                    <a:pt x="332" y="38"/>
-                    <a:pt x="328" y="54"/>
-                    <a:pt x="325" y="70"/>
-                  </a:cubicBezTo>
-                  <a:cubicBezTo>
-                    <a:pt x="312" y="149"/>
-                    <a:pt x="300" y="229"/>
-                    <a:pt x="285" y="308"/>
-                  </a:cubicBezTo>
-                  <a:cubicBezTo>
-                    <a:pt x="279" y="341"/>
-                    <a:pt x="278" y="376"/>
-                    <a:pt x="264" y="407"/>
-                  </a:cubicBezTo>
-                  <a:cubicBezTo>
-                    <a:pt x="209" y="367"/>
-                    <a:pt x="207" y="297"/>
-                    <a:pt x="165" y="251"/>
-                  </a:cubicBezTo>
-                  <a:cubicBezTo>
-                    <a:pt x="144" y="228"/>
-                    <a:pt x="117" y="220"/>
-                    <a:pt x="89" y="222"/>
-                  </a:cubicBezTo>
-                  <a:cubicBezTo>
-                    <a:pt x="61" y="224"/>
-                    <a:pt x="57" y="252"/>
-                    <a:pt x="55" y="274"/>
-                  </a:cubicBezTo>
-                  <a:cubicBezTo>
-                    <a:pt x="45" y="363"/>
-                    <a:pt x="29" y="452"/>
-                    <a:pt x="7" y="539"/>
-                  </a:cubicBezTo>
-                  <a:cubicBezTo>
-                    <a:pt x="0" y="566"/>
-                    <a:pt x="2" y="595"/>
-                    <a:pt x="6" y="622"/>
-                  </a:cubicBezTo>
-                  <a:cubicBezTo>
-                    <a:pt x="14" y="673"/>
-                    <a:pt x="22" y="678"/>
-                    <a:pt x="70" y="666"/>
-                  </a:cubicBezTo>
-                  <a:close/>
-                </a:path>
-              </a:pathLst>
-            </a:custGeom>
-            <a:grpFill/>
-            <a:ln>
-              <a:noFill/>
-            </a:ln>
-          </p:spPr>
-          <p:txBody>
-            <a:bodyPr vert="horz" wrap="square" lIns="91440" tIns="45720" rIns="91440" bIns="45720" numCol="1" anchor="t" anchorCtr="0" compatLnSpc="1">
-              <a:prstTxWarp prst="textNoShape">
-                <a:avLst/>
-              </a:prstTxWarp>
-            </a:bodyPr>
-            <a:lstStyle/>
-            <a:p>
-              <a:endParaRPr lang="zh-CN" altLang="en-US"/>
-            </a:p>
-          </p:txBody>
-        </p:sp>
-        <p:sp>
-          <p:nvSpPr>
-            <p:cNvPr id="11" name="Freeform 7">
-              <a:extLst>
-                <a:ext uri="{FF2B5EF4-FFF2-40B4-BE49-F238E27FC236}">
-                  <a16:creationId xmlns="" xmlns:a16="http://schemas.microsoft.com/office/drawing/2014/main" id="{E2D73B5A-006A-4651-B8EB-7798C42F0ACE}"/>
-                </a:ext>
-              </a:extLst>
-            </p:cNvPr>
-            <p:cNvSpPr>
-              <a:spLocks/>
-            </p:cNvSpPr>
-            <p:nvPr/>
-          </p:nvSpPr>
-          <p:spPr bwMode="auto">
-            <a:xfrm>
-              <a:off x="3781425" y="1284287"/>
-              <a:ext cx="4832350" cy="739775"/>
-            </a:xfrm>
-            <a:custGeom>
-              <a:avLst/>
-              <a:gdLst>
-                <a:gd name="T0" fmla="*/ 2501 w 2575"/>
-                <a:gd name="T1" fmla="*/ 20 h 394"/>
-                <a:gd name="T2" fmla="*/ 2494 w 2575"/>
-                <a:gd name="T3" fmla="*/ 22 h 394"/>
-                <a:gd name="T4" fmla="*/ 2477 w 2575"/>
-                <a:gd name="T5" fmla="*/ 22 h 394"/>
-                <a:gd name="T6" fmla="*/ 2278 w 2575"/>
-                <a:gd name="T7" fmla="*/ 47 h 394"/>
-                <a:gd name="T8" fmla="*/ 1713 w 2575"/>
-                <a:gd name="T9" fmla="*/ 111 h 394"/>
-                <a:gd name="T10" fmla="*/ 1248 w 2575"/>
-                <a:gd name="T11" fmla="*/ 152 h 394"/>
-                <a:gd name="T12" fmla="*/ 649 w 2575"/>
-                <a:gd name="T13" fmla="*/ 207 h 394"/>
-                <a:gd name="T14" fmla="*/ 107 w 2575"/>
-                <a:gd name="T15" fmla="*/ 272 h 394"/>
-                <a:gd name="T16" fmla="*/ 20 w 2575"/>
-                <a:gd name="T17" fmla="*/ 296 h 394"/>
-                <a:gd name="T18" fmla="*/ 2 w 2575"/>
-                <a:gd name="T19" fmla="*/ 318 h 394"/>
-                <a:gd name="T20" fmla="*/ 20 w 2575"/>
-                <a:gd name="T21" fmla="*/ 335 h 394"/>
-                <a:gd name="T22" fmla="*/ 53 w 2575"/>
-                <a:gd name="T23" fmla="*/ 352 h 394"/>
-                <a:gd name="T24" fmla="*/ 122 w 2575"/>
-                <a:gd name="T25" fmla="*/ 385 h 394"/>
-                <a:gd name="T26" fmla="*/ 500 w 2575"/>
-                <a:gd name="T27" fmla="*/ 352 h 394"/>
-                <a:gd name="T28" fmla="*/ 1185 w 2575"/>
-                <a:gd name="T29" fmla="*/ 267 h 394"/>
-                <a:gd name="T30" fmla="*/ 1483 w 2575"/>
-                <a:gd name="T31" fmla="*/ 239 h 394"/>
-                <a:gd name="T32" fmla="*/ 2021 w 2575"/>
-                <a:gd name="T33" fmla="*/ 171 h 394"/>
-                <a:gd name="T34" fmla="*/ 2075 w 2575"/>
-                <a:gd name="T35" fmla="*/ 162 h 394"/>
-                <a:gd name="T36" fmla="*/ 2134 w 2575"/>
-                <a:gd name="T37" fmla="*/ 157 h 394"/>
-                <a:gd name="T38" fmla="*/ 2172 w 2575"/>
-                <a:gd name="T39" fmla="*/ 150 h 394"/>
-                <a:gd name="T40" fmla="*/ 2206 w 2575"/>
-                <a:gd name="T41" fmla="*/ 149 h 394"/>
-                <a:gd name="T42" fmla="*/ 2234 w 2575"/>
-                <a:gd name="T43" fmla="*/ 135 h 394"/>
-                <a:gd name="T44" fmla="*/ 2258 w 2575"/>
-                <a:gd name="T45" fmla="*/ 128 h 394"/>
-                <a:gd name="T46" fmla="*/ 2416 w 2575"/>
-                <a:gd name="T47" fmla="*/ 94 h 394"/>
-                <a:gd name="T48" fmla="*/ 2448 w 2575"/>
-                <a:gd name="T49" fmla="*/ 72 h 394"/>
-                <a:gd name="T50" fmla="*/ 2450 w 2575"/>
-                <a:gd name="T51" fmla="*/ 71 h 394"/>
-                <a:gd name="T52" fmla="*/ 2453 w 2575"/>
-                <a:gd name="T53" fmla="*/ 71 h 394"/>
-                <a:gd name="T54" fmla="*/ 2475 w 2575"/>
-                <a:gd name="T55" fmla="*/ 69 h 394"/>
-                <a:gd name="T56" fmla="*/ 2475 w 2575"/>
-                <a:gd name="T57" fmla="*/ 63 h 394"/>
-                <a:gd name="T58" fmla="*/ 2455 w 2575"/>
-                <a:gd name="T59" fmla="*/ 67 h 394"/>
-                <a:gd name="T60" fmla="*/ 2463 w 2575"/>
-                <a:gd name="T61" fmla="*/ 49 h 394"/>
-                <a:gd name="T62" fmla="*/ 2471 w 2575"/>
-                <a:gd name="T63" fmla="*/ 50 h 394"/>
-                <a:gd name="T64" fmla="*/ 2471 w 2575"/>
-                <a:gd name="T65" fmla="*/ 50 h 394"/>
-                <a:gd name="T66" fmla="*/ 2516 w 2575"/>
-                <a:gd name="T67" fmla="*/ 36 h 394"/>
-                <a:gd name="T68" fmla="*/ 2575 w 2575"/>
-                <a:gd name="T69" fmla="*/ 15 h 394"/>
-                <a:gd name="T70" fmla="*/ 2501 w 2575"/>
-                <a:gd name="T71" fmla="*/ 20 h 394"/>
-              </a:gdLst>
-              <a:ahLst/>
-              <a:cxnLst>
-                <a:cxn ang="0">
-                  <a:pos x="T0" y="T1"/>
-                </a:cxn>
-                <a:cxn ang="0">
-                  <a:pos x="T2" y="T3"/>
-                </a:cxn>
-                <a:cxn ang="0">
-                  <a:pos x="T4" y="T5"/>
-                </a:cxn>
-                <a:cxn ang="0">
-                  <a:pos x="T6" y="T7"/>
-                </a:cxn>
-                <a:cxn ang="0">
-                  <a:pos x="T8" y="T9"/>
-                </a:cxn>
-                <a:cxn ang="0">
-                  <a:pos x="T10" y="T11"/>
-                </a:cxn>
-                <a:cxn ang="0">
-                  <a:pos x="T12" y="T13"/>
-                </a:cxn>
-                <a:cxn ang="0">
-                  <a:pos x="T14" y="T15"/>
-                </a:cxn>
-                <a:cxn ang="0">
-                  <a:pos x="T16" y="T17"/>
-                </a:cxn>
-                <a:cxn ang="0">
-                  <a:pos x="T18" y="T19"/>
-                </a:cxn>
-                <a:cxn ang="0">
-                  <a:pos x="T20" y="T21"/>
-                </a:cxn>
-                <a:cxn ang="0">
-                  <a:pos x="T22" y="T23"/>
-                </a:cxn>
-                <a:cxn ang="0">
-                  <a:pos x="T24" y="T25"/>
-                </a:cxn>
-                <a:cxn ang="0">
-                  <a:pos x="T26" y="T27"/>
-                </a:cxn>
-                <a:cxn ang="0">
-                  <a:pos x="T28" y="T29"/>
-                </a:cxn>
-                <a:cxn ang="0">
-                  <a:pos x="T30" y="T31"/>
-                </a:cxn>
-                <a:cxn ang="0">
-                  <a:pos x="T32" y="T33"/>
-                </a:cxn>
-                <a:cxn ang="0">
-                  <a:pos x="T34" y="T35"/>
-                </a:cxn>
-                <a:cxn ang="0">
-                  <a:pos x="T36" y="T37"/>
-                </a:cxn>
-                <a:cxn ang="0">
-                  <a:pos x="T38" y="T39"/>
-                </a:cxn>
-                <a:cxn ang="0">
-                  <a:pos x="T40" y="T41"/>
-                </a:cxn>
-                <a:cxn ang="0">
-                  <a:pos x="T42" y="T43"/>
-                </a:cxn>
-                <a:cxn ang="0">
-                  <a:pos x="T44" y="T45"/>
-                </a:cxn>
-                <a:cxn ang="0">
-                  <a:pos x="T46" y="T47"/>
-                </a:cxn>
-                <a:cxn ang="0">
-                  <a:pos x="T48" y="T49"/>
-                </a:cxn>
-                <a:cxn ang="0">
-                  <a:pos x="T50" y="T51"/>
-                </a:cxn>
-                <a:cxn ang="0">
-                  <a:pos x="T52" y="T53"/>
-                </a:cxn>
-                <a:cxn ang="0">
-                  <a:pos x="T54" y="T55"/>
-                </a:cxn>
-                <a:cxn ang="0">
-                  <a:pos x="T56" y="T57"/>
-                </a:cxn>
-                <a:cxn ang="0">
-                  <a:pos x="T58" y="T59"/>
-                </a:cxn>
-                <a:cxn ang="0">
-                  <a:pos x="T60" y="T61"/>
-                </a:cxn>
-                <a:cxn ang="0">
-                  <a:pos x="T62" y="T63"/>
-                </a:cxn>
-                <a:cxn ang="0">
-                  <a:pos x="T64" y="T65"/>
-                </a:cxn>
-                <a:cxn ang="0">
-                  <a:pos x="T66" y="T67"/>
-                </a:cxn>
-                <a:cxn ang="0">
-                  <a:pos x="T68" y="T69"/>
-                </a:cxn>
-                <a:cxn ang="0">
-                  <a:pos x="T70" y="T71"/>
-                </a:cxn>
-              </a:cxnLst>
-              <a:rect l="0" t="0" r="r" b="b"/>
-              <a:pathLst>
-                <a:path w="2575" h="394">
-                  <a:moveTo>
-                    <a:pt x="2501" y="20"/>
-                  </a:moveTo>
-                  <a:cubicBezTo>
-                    <a:pt x="2499" y="21"/>
-                    <a:pt x="2496" y="21"/>
-                    <a:pt x="2494" y="22"/>
-                  </a:cubicBezTo>
-                  <a:cubicBezTo>
-                    <a:pt x="2488" y="22"/>
-                    <a:pt x="2483" y="22"/>
-                    <a:pt x="2477" y="22"/>
-                  </a:cubicBezTo>
-                  <a:cubicBezTo>
-                    <a:pt x="2409" y="18"/>
-                    <a:pt x="2344" y="37"/>
-                    <a:pt x="2278" y="47"/>
-                  </a:cubicBezTo>
-                  <a:cubicBezTo>
-                    <a:pt x="2091" y="74"/>
-                    <a:pt x="1902" y="89"/>
-                    <a:pt x="1713" y="111"/>
-                  </a:cubicBezTo>
-                  <a:cubicBezTo>
-                    <a:pt x="1559" y="128"/>
-                    <a:pt x="1403" y="134"/>
-                    <a:pt x="1248" y="152"/>
-                  </a:cubicBezTo>
-                  <a:cubicBezTo>
-                    <a:pt x="1049" y="174"/>
-                    <a:pt x="849" y="186"/>
-                    <a:pt x="649" y="207"/>
-                  </a:cubicBezTo>
-                  <a:cubicBezTo>
-                    <a:pt x="468" y="227"/>
-                    <a:pt x="287" y="244"/>
-                    <a:pt x="107" y="272"/>
-                  </a:cubicBezTo>
-                  <a:cubicBezTo>
-                    <a:pt x="77" y="277"/>
-                    <a:pt x="47" y="283"/>
-                    <a:pt x="20" y="296"/>
-                  </a:cubicBezTo>
-                  <a:cubicBezTo>
-                    <a:pt x="11" y="301"/>
-                    <a:pt x="0" y="306"/>
-                    <a:pt x="2" y="318"/>
-                  </a:cubicBezTo>
-                  <a:cubicBezTo>
-                    <a:pt x="3" y="328"/>
-                    <a:pt x="12" y="331"/>
-                    <a:pt x="20" y="335"/>
-                  </a:cubicBezTo>
-                  <a:cubicBezTo>
-                    <a:pt x="32" y="340"/>
-                    <a:pt x="50" y="340"/>
-                    <a:pt x="53" y="352"/>
-                  </a:cubicBezTo>
-                  <a:cubicBezTo>
-                    <a:pt x="63" y="394"/>
-                    <a:pt x="96" y="387"/>
-                    <a:pt x="122" y="385"/>
-                  </a:cubicBezTo>
-                  <a:cubicBezTo>
-                    <a:pt x="248" y="376"/>
-                    <a:pt x="374" y="366"/>
-                    <a:pt x="500" y="352"/>
-                  </a:cubicBezTo>
-                  <a:cubicBezTo>
-                    <a:pt x="729" y="326"/>
-                    <a:pt x="955" y="282"/>
-                    <a:pt x="1185" y="267"/>
-                  </a:cubicBezTo>
-                  <a:cubicBezTo>
-                    <a:pt x="1284" y="260"/>
-                    <a:pt x="1384" y="251"/>
-                    <a:pt x="1483" y="239"/>
-                  </a:cubicBezTo>
-                  <a:cubicBezTo>
-                    <a:pt x="1662" y="218"/>
-                    <a:pt x="1842" y="194"/>
-                    <a:pt x="2021" y="171"/>
-                  </a:cubicBezTo>
-                  <a:cubicBezTo>
-                    <a:pt x="2039" y="168"/>
-                    <a:pt x="2057" y="165"/>
-                    <a:pt x="2075" y="162"/>
-                  </a:cubicBezTo>
-                  <a:cubicBezTo>
-                    <a:pt x="2095" y="166"/>
-                    <a:pt x="2113" y="148"/>
-                    <a:pt x="2134" y="157"/>
-                  </a:cubicBezTo>
-                  <a:cubicBezTo>
-                    <a:pt x="2148" y="161"/>
-                    <a:pt x="2162" y="160"/>
-                    <a:pt x="2172" y="150"/>
-                  </a:cubicBezTo>
-                  <a:cubicBezTo>
-                    <a:pt x="2184" y="138"/>
-                    <a:pt x="2194" y="146"/>
-                    <a:pt x="2206" y="149"/>
-                  </a:cubicBezTo>
-                  <a:cubicBezTo>
-                    <a:pt x="2214" y="141"/>
-                    <a:pt x="2229" y="150"/>
-                    <a:pt x="2234" y="135"/>
-                  </a:cubicBezTo>
-                  <a:cubicBezTo>
-                    <a:pt x="2241" y="129"/>
-                    <a:pt x="2256" y="152"/>
-                    <a:pt x="2258" y="128"/>
-                  </a:cubicBezTo>
-                  <a:cubicBezTo>
-                    <a:pt x="2310" y="114"/>
-                    <a:pt x="2362" y="98"/>
-                    <a:pt x="2416" y="94"/>
-                  </a:cubicBezTo>
-                  <a:cubicBezTo>
-                    <a:pt x="2430" y="92"/>
-                    <a:pt x="2455" y="105"/>
-                    <a:pt x="2448" y="72"/>
-                  </a:cubicBezTo>
-                  <a:cubicBezTo>
-                    <a:pt x="2450" y="71"/>
-                    <a:pt x="2450" y="71"/>
-                    <a:pt x="2450" y="71"/>
-                  </a:cubicBezTo>
-                  <a:cubicBezTo>
-                    <a:pt x="2453" y="71"/>
-                    <a:pt x="2453" y="71"/>
-                    <a:pt x="2453" y="71"/>
-                  </a:cubicBezTo>
-                  <a:cubicBezTo>
-                    <a:pt x="2461" y="76"/>
-                    <a:pt x="2469" y="77"/>
-                    <a:pt x="2475" y="69"/>
-                  </a:cubicBezTo>
-                  <a:cubicBezTo>
-                    <a:pt x="2476" y="68"/>
-                    <a:pt x="2476" y="63"/>
-                    <a:pt x="2475" y="63"/>
-                  </a:cubicBezTo>
-                  <a:cubicBezTo>
-                    <a:pt x="2468" y="59"/>
-                    <a:pt x="2462" y="64"/>
-                    <a:pt x="2455" y="67"/>
-                  </a:cubicBezTo>
-                  <a:cubicBezTo>
-                    <a:pt x="2446" y="56"/>
-                    <a:pt x="2453" y="52"/>
-                    <a:pt x="2463" y="49"/>
-                  </a:cubicBezTo>
-                  <a:cubicBezTo>
-                    <a:pt x="2466" y="50"/>
-                    <a:pt x="2468" y="50"/>
-                    <a:pt x="2471" y="50"/>
-                  </a:cubicBezTo>
-                  <a:cubicBezTo>
-                    <a:pt x="2471" y="50"/>
-                    <a:pt x="2471" y="50"/>
-                    <a:pt x="2471" y="50"/>
-                  </a:cubicBezTo>
-                  <a:cubicBezTo>
-                    <a:pt x="2487" y="50"/>
-                    <a:pt x="2504" y="50"/>
-                    <a:pt x="2516" y="36"/>
-                  </a:cubicBezTo>
-                  <a:cubicBezTo>
-                    <a:pt x="2538" y="36"/>
-                    <a:pt x="2551" y="11"/>
-                    <a:pt x="2575" y="15"/>
-                  </a:cubicBezTo>
-                  <a:cubicBezTo>
-                    <a:pt x="2549" y="0"/>
-                    <a:pt x="2525" y="12"/>
-                    <a:pt x="2501" y="20"/>
-                  </a:cubicBezTo>
-                  <a:close/>
-                </a:path>
-              </a:pathLst>
-            </a:custGeom>
-            <a:grpFill/>
-            <a:ln>
-              <a:noFill/>
-            </a:ln>
-          </p:spPr>
-          <p:txBody>
-            <a:bodyPr vert="horz" wrap="square" lIns="91440" tIns="45720" rIns="91440" bIns="45720" numCol="1" anchor="t" anchorCtr="0" compatLnSpc="1">
-              <a:prstTxWarp prst="textNoShape">
-                <a:avLst/>
-              </a:prstTxWarp>
-            </a:bodyPr>
-            <a:lstStyle/>
-            <a:p>
-              <a:endParaRPr lang="zh-CN" altLang="en-US"/>
-            </a:p>
-          </p:txBody>
-        </p:sp>
-        <p:sp>
-          <p:nvSpPr>
-            <p:cNvPr id="12" name="Freeform 8">
-              <a:extLst>
-                <a:ext uri="{FF2B5EF4-FFF2-40B4-BE49-F238E27FC236}">
-                  <a16:creationId xmlns="" xmlns:a16="http://schemas.microsoft.com/office/drawing/2014/main" id="{6153A6D5-73C5-4B7E-8F91-86614E90A25A}"/>
-                </a:ext>
-              </a:extLst>
-            </p:cNvPr>
-            <p:cNvSpPr>
-              <a:spLocks noEditPoints="1"/>
-            </p:cNvSpPr>
-            <p:nvPr/>
-          </p:nvSpPr>
-          <p:spPr bwMode="auto">
-            <a:xfrm>
-              <a:off x="3929063" y="6350"/>
-              <a:ext cx="1911350" cy="1619250"/>
-            </a:xfrm>
-            <a:custGeom>
-              <a:avLst/>
-              <a:gdLst>
-                <a:gd name="T0" fmla="*/ 47 w 1018"/>
-                <a:gd name="T1" fmla="*/ 358 h 862"/>
-                <a:gd name="T2" fmla="*/ 51 w 1018"/>
-                <a:gd name="T3" fmla="*/ 449 h 862"/>
-                <a:gd name="T4" fmla="*/ 70 w 1018"/>
-                <a:gd name="T5" fmla="*/ 534 h 862"/>
-                <a:gd name="T6" fmla="*/ 182 w 1018"/>
-                <a:gd name="T7" fmla="*/ 591 h 862"/>
-                <a:gd name="T8" fmla="*/ 210 w 1018"/>
-                <a:gd name="T9" fmla="*/ 513 h 862"/>
-                <a:gd name="T10" fmla="*/ 403 w 1018"/>
-                <a:gd name="T11" fmla="*/ 371 h 862"/>
-                <a:gd name="T12" fmla="*/ 332 w 1018"/>
-                <a:gd name="T13" fmla="*/ 844 h 862"/>
-                <a:gd name="T14" fmla="*/ 395 w 1018"/>
-                <a:gd name="T15" fmla="*/ 829 h 862"/>
-                <a:gd name="T16" fmla="*/ 514 w 1018"/>
-                <a:gd name="T17" fmla="*/ 372 h 862"/>
-                <a:gd name="T18" fmla="*/ 586 w 1018"/>
-                <a:gd name="T19" fmla="*/ 338 h 862"/>
-                <a:gd name="T20" fmla="*/ 588 w 1018"/>
-                <a:gd name="T21" fmla="*/ 631 h 862"/>
-                <a:gd name="T22" fmla="*/ 588 w 1018"/>
-                <a:gd name="T23" fmla="*/ 631 h 862"/>
-                <a:gd name="T24" fmla="*/ 609 w 1018"/>
-                <a:gd name="T25" fmla="*/ 631 h 862"/>
-                <a:gd name="T26" fmla="*/ 609 w 1018"/>
-                <a:gd name="T27" fmla="*/ 631 h 862"/>
-                <a:gd name="T28" fmla="*/ 692 w 1018"/>
-                <a:gd name="T29" fmla="*/ 481 h 862"/>
-                <a:gd name="T30" fmla="*/ 843 w 1018"/>
-                <a:gd name="T31" fmla="*/ 477 h 862"/>
-                <a:gd name="T32" fmla="*/ 978 w 1018"/>
-                <a:gd name="T33" fmla="*/ 679 h 862"/>
-                <a:gd name="T34" fmla="*/ 996 w 1018"/>
-                <a:gd name="T35" fmla="*/ 573 h 862"/>
-                <a:gd name="T36" fmla="*/ 946 w 1018"/>
-                <a:gd name="T37" fmla="*/ 385 h 862"/>
-                <a:gd name="T38" fmla="*/ 907 w 1018"/>
-                <a:gd name="T39" fmla="*/ 334 h 862"/>
-                <a:gd name="T40" fmla="*/ 753 w 1018"/>
-                <a:gd name="T41" fmla="*/ 48 h 862"/>
-                <a:gd name="T42" fmla="*/ 666 w 1018"/>
-                <a:gd name="T43" fmla="*/ 83 h 862"/>
-                <a:gd name="T44" fmla="*/ 673 w 1018"/>
-                <a:gd name="T45" fmla="*/ 161 h 862"/>
-                <a:gd name="T46" fmla="*/ 582 w 1018"/>
-                <a:gd name="T47" fmla="*/ 89 h 862"/>
-                <a:gd name="T48" fmla="*/ 486 w 1018"/>
-                <a:gd name="T49" fmla="*/ 48 h 862"/>
-                <a:gd name="T50" fmla="*/ 426 w 1018"/>
-                <a:gd name="T51" fmla="*/ 250 h 862"/>
-                <a:gd name="T52" fmla="*/ 276 w 1018"/>
-                <a:gd name="T53" fmla="*/ 318 h 862"/>
-                <a:gd name="T54" fmla="*/ 281 w 1018"/>
-                <a:gd name="T55" fmla="*/ 191 h 862"/>
-                <a:gd name="T56" fmla="*/ 279 w 1018"/>
-                <a:gd name="T57" fmla="*/ 76 h 862"/>
-                <a:gd name="T58" fmla="*/ 171 w 1018"/>
-                <a:gd name="T59" fmla="*/ 100 h 862"/>
-                <a:gd name="T60" fmla="*/ 59 w 1018"/>
-                <a:gd name="T61" fmla="*/ 358 h 862"/>
-                <a:gd name="T62" fmla="*/ 725 w 1018"/>
-                <a:gd name="T63" fmla="*/ 232 h 862"/>
-                <a:gd name="T64" fmla="*/ 779 w 1018"/>
-                <a:gd name="T65" fmla="*/ 382 h 862"/>
-                <a:gd name="T66" fmla="*/ 697 w 1018"/>
-                <a:gd name="T67" fmla="*/ 282 h 862"/>
-              </a:gdLst>
-              <a:ahLst/>
-              <a:cxnLst>
-                <a:cxn ang="0">
-                  <a:pos x="T0" y="T1"/>
-                </a:cxn>
-                <a:cxn ang="0">
-                  <a:pos x="T2" y="T3"/>
-                </a:cxn>
-                <a:cxn ang="0">
-                  <a:pos x="T4" y="T5"/>
-                </a:cxn>
-                <a:cxn ang="0">
-                  <a:pos x="T6" y="T7"/>
-                </a:cxn>
-                <a:cxn ang="0">
-                  <a:pos x="T8" y="T9"/>
-                </a:cxn>
-                <a:cxn ang="0">
-                  <a:pos x="T10" y="T11"/>
-                </a:cxn>
-                <a:cxn ang="0">
-                  <a:pos x="T12" y="T13"/>
-                </a:cxn>
-                <a:cxn ang="0">
-                  <a:pos x="T14" y="T15"/>
-                </a:cxn>
-                <a:cxn ang="0">
-                  <a:pos x="T16" y="T17"/>
-                </a:cxn>
-                <a:cxn ang="0">
-                  <a:pos x="T18" y="T19"/>
-                </a:cxn>
-                <a:cxn ang="0">
-                  <a:pos x="T20" y="T21"/>
-                </a:cxn>
-                <a:cxn ang="0">
-                  <a:pos x="T22" y="T23"/>
-                </a:cxn>
-                <a:cxn ang="0">
-                  <a:pos x="T24" y="T25"/>
-                </a:cxn>
-                <a:cxn ang="0">
-                  <a:pos x="T26" y="T27"/>
-                </a:cxn>
-                <a:cxn ang="0">
-                  <a:pos x="T28" y="T29"/>
-                </a:cxn>
-                <a:cxn ang="0">
-                  <a:pos x="T30" y="T31"/>
-                </a:cxn>
-                <a:cxn ang="0">
-                  <a:pos x="T32" y="T33"/>
-                </a:cxn>
-                <a:cxn ang="0">
-                  <a:pos x="T34" y="T35"/>
-                </a:cxn>
-                <a:cxn ang="0">
-                  <a:pos x="T36" y="T37"/>
-                </a:cxn>
-                <a:cxn ang="0">
-                  <a:pos x="T38" y="T39"/>
-                </a:cxn>
-                <a:cxn ang="0">
-                  <a:pos x="T40" y="T41"/>
-                </a:cxn>
-                <a:cxn ang="0">
-                  <a:pos x="T42" y="T43"/>
-                </a:cxn>
-                <a:cxn ang="0">
-                  <a:pos x="T44" y="T45"/>
-                </a:cxn>
-                <a:cxn ang="0">
-                  <a:pos x="T46" y="T47"/>
-                </a:cxn>
-                <a:cxn ang="0">
-                  <a:pos x="T48" y="T49"/>
-                </a:cxn>
-                <a:cxn ang="0">
-                  <a:pos x="T50" y="T51"/>
-                </a:cxn>
-                <a:cxn ang="0">
-                  <a:pos x="T52" y="T53"/>
-                </a:cxn>
-                <a:cxn ang="0">
-                  <a:pos x="T54" y="T55"/>
-                </a:cxn>
-                <a:cxn ang="0">
-                  <a:pos x="T56" y="T57"/>
-                </a:cxn>
-                <a:cxn ang="0">
-                  <a:pos x="T58" y="T59"/>
-                </a:cxn>
-                <a:cxn ang="0">
-                  <a:pos x="T60" y="T61"/>
-                </a:cxn>
-                <a:cxn ang="0">
-                  <a:pos x="T62" y="T63"/>
-                </a:cxn>
-                <a:cxn ang="0">
-                  <a:pos x="T64" y="T65"/>
-                </a:cxn>
-                <a:cxn ang="0">
-                  <a:pos x="T66" y="T67"/>
-                </a:cxn>
-              </a:cxnLst>
-              <a:rect l="0" t="0" r="r" b="b"/>
-              <a:pathLst>
-                <a:path w="1018" h="862">
-                  <a:moveTo>
-                    <a:pt x="59" y="358"/>
-                  </a:moveTo>
-                  <a:cubicBezTo>
-                    <a:pt x="55" y="358"/>
-                    <a:pt x="51" y="357"/>
-                    <a:pt x="47" y="358"/>
-                  </a:cubicBezTo>
-                  <a:cubicBezTo>
-                    <a:pt x="29" y="362"/>
-                    <a:pt x="8" y="362"/>
-                    <a:pt x="2" y="386"/>
-                  </a:cubicBezTo>
-                  <a:cubicBezTo>
-                    <a:pt x="0" y="398"/>
-                    <a:pt x="40" y="448"/>
-                    <a:pt x="51" y="449"/>
-                  </a:cubicBezTo>
-                  <a:cubicBezTo>
-                    <a:pt x="97" y="456"/>
-                    <a:pt x="97" y="456"/>
-                    <a:pt x="79" y="502"/>
-                  </a:cubicBezTo>
-                  <a:cubicBezTo>
-                    <a:pt x="75" y="512"/>
-                    <a:pt x="70" y="523"/>
-                    <a:pt x="70" y="534"/>
-                  </a:cubicBezTo>
-                  <a:cubicBezTo>
-                    <a:pt x="69" y="550"/>
-                    <a:pt x="60" y="573"/>
-                    <a:pt x="83" y="580"/>
-                  </a:cubicBezTo>
-                  <a:cubicBezTo>
-                    <a:pt x="115" y="590"/>
-                    <a:pt x="149" y="598"/>
-                    <a:pt x="182" y="591"/>
-                  </a:cubicBezTo>
-                  <a:cubicBezTo>
-                    <a:pt x="196" y="589"/>
-                    <a:pt x="208" y="578"/>
-                    <a:pt x="208" y="559"/>
-                  </a:cubicBezTo>
-                  <a:cubicBezTo>
-                    <a:pt x="208" y="544"/>
-                    <a:pt x="209" y="528"/>
-                    <a:pt x="210" y="513"/>
-                  </a:cubicBezTo>
-                  <a:cubicBezTo>
-                    <a:pt x="211" y="482"/>
-                    <a:pt x="210" y="443"/>
-                    <a:pt x="238" y="427"/>
-                  </a:cubicBezTo>
-                  <a:cubicBezTo>
-                    <a:pt x="286" y="398"/>
-                    <a:pt x="343" y="388"/>
-                    <a:pt x="403" y="371"/>
-                  </a:cubicBezTo>
-                  <a:cubicBezTo>
-                    <a:pt x="386" y="444"/>
-                    <a:pt x="369" y="509"/>
-                    <a:pt x="354" y="576"/>
-                  </a:cubicBezTo>
-                  <a:cubicBezTo>
-                    <a:pt x="333" y="664"/>
-                    <a:pt x="320" y="753"/>
-                    <a:pt x="332" y="844"/>
-                  </a:cubicBezTo>
-                  <a:cubicBezTo>
-                    <a:pt x="334" y="862"/>
-                    <a:pt x="350" y="858"/>
-                    <a:pt x="351" y="858"/>
-                  </a:cubicBezTo>
-                  <a:cubicBezTo>
-                    <a:pt x="365" y="846"/>
-                    <a:pt x="386" y="841"/>
-                    <a:pt x="395" y="829"/>
-                  </a:cubicBezTo>
-                  <a:cubicBezTo>
-                    <a:pt x="410" y="808"/>
-                    <a:pt x="418" y="781"/>
-                    <a:pt x="426" y="756"/>
-                  </a:cubicBezTo>
-                  <a:cubicBezTo>
-                    <a:pt x="463" y="630"/>
-                    <a:pt x="490" y="501"/>
-                    <a:pt x="514" y="372"/>
-                  </a:cubicBezTo>
-                  <a:cubicBezTo>
-                    <a:pt x="524" y="323"/>
-                    <a:pt x="547" y="297"/>
-                    <a:pt x="593" y="285"/>
-                  </a:cubicBezTo>
-                  <a:cubicBezTo>
-                    <a:pt x="596" y="304"/>
-                    <a:pt x="591" y="322"/>
-                    <a:pt x="586" y="338"/>
-                  </a:cubicBezTo>
-                  <a:cubicBezTo>
-                    <a:pt x="566" y="401"/>
-                    <a:pt x="553" y="465"/>
-                    <a:pt x="558" y="530"/>
-                  </a:cubicBezTo>
-                  <a:cubicBezTo>
-                    <a:pt x="560" y="563"/>
-                    <a:pt x="546" y="607"/>
-                    <a:pt x="588" y="631"/>
-                  </a:cubicBezTo>
-                  <a:cubicBezTo>
-                    <a:pt x="588" y="631"/>
-                    <a:pt x="588" y="631"/>
-                    <a:pt x="588" y="631"/>
-                  </a:cubicBezTo>
-                  <a:cubicBezTo>
-                    <a:pt x="588" y="631"/>
-                    <a:pt x="588" y="631"/>
-                    <a:pt x="588" y="631"/>
-                  </a:cubicBezTo>
-                  <a:cubicBezTo>
-                    <a:pt x="591" y="641"/>
-                    <a:pt x="594" y="650"/>
-                    <a:pt x="598" y="661"/>
-                  </a:cubicBezTo>
-                  <a:cubicBezTo>
-                    <a:pt x="607" y="651"/>
-                    <a:pt x="609" y="642"/>
-                    <a:pt x="609" y="631"/>
-                  </a:cubicBezTo>
-                  <a:cubicBezTo>
-                    <a:pt x="607" y="629"/>
-                    <a:pt x="604" y="627"/>
-                    <a:pt x="602" y="626"/>
-                  </a:cubicBezTo>
-                  <a:cubicBezTo>
-                    <a:pt x="604" y="625"/>
-                    <a:pt x="607" y="626"/>
-                    <a:pt x="609" y="631"/>
-                  </a:cubicBezTo>
-                  <a:cubicBezTo>
-                    <a:pt x="624" y="577"/>
-                    <a:pt x="623" y="519"/>
-                    <a:pt x="642" y="463"/>
-                  </a:cubicBezTo>
-                  <a:cubicBezTo>
-                    <a:pt x="658" y="474"/>
-                    <a:pt x="674" y="479"/>
-                    <a:pt x="692" y="481"/>
-                  </a:cubicBezTo>
-                  <a:cubicBezTo>
-                    <a:pt x="733" y="487"/>
-                    <a:pt x="770" y="466"/>
-                    <a:pt x="810" y="461"/>
-                  </a:cubicBezTo>
-                  <a:cubicBezTo>
-                    <a:pt x="830" y="459"/>
-                    <a:pt x="836" y="462"/>
-                    <a:pt x="843" y="477"/>
-                  </a:cubicBezTo>
-                  <a:cubicBezTo>
-                    <a:pt x="865" y="521"/>
-                    <a:pt x="881" y="567"/>
-                    <a:pt x="890" y="617"/>
-                  </a:cubicBezTo>
-                  <a:cubicBezTo>
-                    <a:pt x="902" y="691"/>
-                    <a:pt x="905" y="690"/>
-                    <a:pt x="978" y="679"/>
-                  </a:cubicBezTo>
-                  <a:cubicBezTo>
-                    <a:pt x="1013" y="674"/>
-                    <a:pt x="1018" y="655"/>
-                    <a:pt x="1013" y="627"/>
-                  </a:cubicBezTo>
-                  <a:cubicBezTo>
-                    <a:pt x="1010" y="609"/>
-                    <a:pt x="1005" y="590"/>
-                    <a:pt x="996" y="573"/>
-                  </a:cubicBezTo>
-                  <a:cubicBezTo>
-                    <a:pt x="971" y="523"/>
-                    <a:pt x="959" y="469"/>
-                    <a:pt x="943" y="416"/>
-                  </a:cubicBezTo>
-                  <a:cubicBezTo>
-                    <a:pt x="939" y="404"/>
-                    <a:pt x="941" y="394"/>
-                    <a:pt x="946" y="385"/>
-                  </a:cubicBezTo>
-                  <a:cubicBezTo>
-                    <a:pt x="958" y="363"/>
-                    <a:pt x="952" y="345"/>
-                    <a:pt x="929" y="342"/>
-                  </a:cubicBezTo>
-                  <a:cubicBezTo>
-                    <a:pt x="920" y="341"/>
-                    <a:pt x="913" y="345"/>
-                    <a:pt x="907" y="334"/>
-                  </a:cubicBezTo>
-                  <a:cubicBezTo>
-                    <a:pt x="880" y="282"/>
-                    <a:pt x="848" y="233"/>
-                    <a:pt x="825" y="180"/>
-                  </a:cubicBezTo>
-                  <a:cubicBezTo>
-                    <a:pt x="805" y="134"/>
-                    <a:pt x="781" y="90"/>
-                    <a:pt x="753" y="48"/>
-                  </a:cubicBezTo>
-                  <a:cubicBezTo>
-                    <a:pt x="749" y="41"/>
-                    <a:pt x="743" y="28"/>
-                    <a:pt x="735" y="32"/>
-                  </a:cubicBezTo>
-                  <a:cubicBezTo>
-                    <a:pt x="710" y="45"/>
-                    <a:pt x="684" y="60"/>
-                    <a:pt x="666" y="83"/>
-                  </a:cubicBezTo>
-                  <a:cubicBezTo>
-                    <a:pt x="653" y="100"/>
-                    <a:pt x="673" y="112"/>
-                    <a:pt x="676" y="127"/>
-                  </a:cubicBezTo>
-                  <a:cubicBezTo>
-                    <a:pt x="678" y="139"/>
-                    <a:pt x="696" y="150"/>
-                    <a:pt x="673" y="161"/>
-                  </a:cubicBezTo>
-                  <a:cubicBezTo>
-                    <a:pt x="636" y="178"/>
-                    <a:pt x="601" y="201"/>
-                    <a:pt x="557" y="213"/>
-                  </a:cubicBezTo>
-                  <a:cubicBezTo>
-                    <a:pt x="566" y="170"/>
-                    <a:pt x="573" y="129"/>
-                    <a:pt x="582" y="89"/>
-                  </a:cubicBezTo>
-                  <a:cubicBezTo>
-                    <a:pt x="592" y="45"/>
-                    <a:pt x="584" y="29"/>
-                    <a:pt x="539" y="12"/>
-                  </a:cubicBezTo>
-                  <a:cubicBezTo>
-                    <a:pt x="506" y="0"/>
-                    <a:pt x="499" y="30"/>
-                    <a:pt x="486" y="48"/>
-                  </a:cubicBezTo>
-                  <a:cubicBezTo>
-                    <a:pt x="474" y="64"/>
-                    <a:pt x="466" y="83"/>
-                    <a:pt x="462" y="103"/>
-                  </a:cubicBezTo>
-                  <a:cubicBezTo>
-                    <a:pt x="450" y="152"/>
-                    <a:pt x="438" y="201"/>
-                    <a:pt x="426" y="250"/>
-                  </a:cubicBezTo>
-                  <a:cubicBezTo>
-                    <a:pt x="423" y="263"/>
-                    <a:pt x="421" y="275"/>
-                    <a:pt x="406" y="280"/>
-                  </a:cubicBezTo>
-                  <a:cubicBezTo>
-                    <a:pt x="363" y="292"/>
-                    <a:pt x="319" y="305"/>
-                    <a:pt x="276" y="318"/>
-                  </a:cubicBezTo>
-                  <a:cubicBezTo>
-                    <a:pt x="255" y="324"/>
-                    <a:pt x="252" y="314"/>
-                    <a:pt x="255" y="297"/>
-                  </a:cubicBezTo>
-                  <a:cubicBezTo>
-                    <a:pt x="261" y="261"/>
-                    <a:pt x="266" y="225"/>
-                    <a:pt x="281" y="191"/>
-                  </a:cubicBezTo>
-                  <a:cubicBezTo>
-                    <a:pt x="294" y="161"/>
-                    <a:pt x="298" y="130"/>
-                    <a:pt x="300" y="99"/>
-                  </a:cubicBezTo>
-                  <a:cubicBezTo>
-                    <a:pt x="301" y="83"/>
-                    <a:pt x="297" y="76"/>
-                    <a:pt x="279" y="76"/>
-                  </a:cubicBezTo>
-                  <a:cubicBezTo>
-                    <a:pt x="261" y="75"/>
-                    <a:pt x="242" y="71"/>
-                    <a:pt x="224" y="66"/>
-                  </a:cubicBezTo>
-                  <a:cubicBezTo>
-                    <a:pt x="192" y="57"/>
-                    <a:pt x="183" y="72"/>
-                    <a:pt x="171" y="100"/>
-                  </a:cubicBezTo>
-                  <a:cubicBezTo>
-                    <a:pt x="143" y="164"/>
-                    <a:pt x="145" y="233"/>
-                    <a:pt x="126" y="298"/>
-                  </a:cubicBezTo>
-                  <a:cubicBezTo>
-                    <a:pt x="114" y="341"/>
-                    <a:pt x="97" y="356"/>
-                    <a:pt x="59" y="358"/>
-                  </a:cubicBezTo>
-                  <a:close/>
-                  <a:moveTo>
-                    <a:pt x="697" y="282"/>
-                  </a:moveTo>
-                  <a:cubicBezTo>
-                    <a:pt x="703" y="265"/>
-                    <a:pt x="715" y="249"/>
-                    <a:pt x="725" y="232"/>
-                  </a:cubicBezTo>
-                  <a:cubicBezTo>
-                    <a:pt x="757" y="273"/>
-                    <a:pt x="777" y="314"/>
-                    <a:pt x="794" y="358"/>
-                  </a:cubicBezTo>
-                  <a:cubicBezTo>
-                    <a:pt x="802" y="378"/>
-                    <a:pt x="797" y="383"/>
-                    <a:pt x="779" y="382"/>
-                  </a:cubicBezTo>
-                  <a:cubicBezTo>
-                    <a:pt x="774" y="382"/>
-                    <a:pt x="769" y="383"/>
-                    <a:pt x="764" y="383"/>
-                  </a:cubicBezTo>
-                  <a:cubicBezTo>
-                    <a:pt x="618" y="393"/>
-                    <a:pt x="664" y="384"/>
-                    <a:pt x="697" y="282"/>
-                  </a:cubicBezTo>
-                  <a:close/>
-                </a:path>
-              </a:pathLst>
-            </a:custGeom>
-            <a:grpFill/>
-            <a:ln>
-              <a:noFill/>
-            </a:ln>
-          </p:spPr>
-          <p:txBody>
-            <a:bodyPr vert="horz" wrap="square" lIns="91440" tIns="45720" rIns="91440" bIns="45720" numCol="1" anchor="t" anchorCtr="0" compatLnSpc="1">
-              <a:prstTxWarp prst="textNoShape">
-                <a:avLst/>
-              </a:prstTxWarp>
-            </a:bodyPr>
-            <a:lstStyle/>
-            <a:p>
-              <a:endParaRPr lang="zh-CN" altLang="en-US"/>
-            </a:p>
-          </p:txBody>
-        </p:sp>
-        <p:sp>
-          <p:nvSpPr>
-            <p:cNvPr id="13" name="Freeform 9">
-              <a:extLst>
-                <a:ext uri="{FF2B5EF4-FFF2-40B4-BE49-F238E27FC236}">
-                  <a16:creationId xmlns="" xmlns:a16="http://schemas.microsoft.com/office/drawing/2014/main" id="{338F51A4-22DB-4F02-BFC0-157874601294}"/>
-                </a:ext>
-              </a:extLst>
-            </p:cNvPr>
-            <p:cNvSpPr>
-              <a:spLocks noEditPoints="1"/>
-            </p:cNvSpPr>
-            <p:nvPr/>
-          </p:nvSpPr>
-          <p:spPr bwMode="auto">
-            <a:xfrm>
-              <a:off x="6592888" y="-477838"/>
-              <a:ext cx="1638300" cy="1947863"/>
-            </a:xfrm>
-            <a:custGeom>
-              <a:avLst/>
-              <a:gdLst>
-                <a:gd name="T0" fmla="*/ 14 w 873"/>
-                <a:gd name="T1" fmla="*/ 1009 h 1036"/>
-                <a:gd name="T2" fmla="*/ 20 w 873"/>
-                <a:gd name="T3" fmla="*/ 1026 h 1036"/>
-                <a:gd name="T4" fmla="*/ 44 w 873"/>
-                <a:gd name="T5" fmla="*/ 1024 h 1036"/>
-                <a:gd name="T6" fmla="*/ 118 w 873"/>
-                <a:gd name="T7" fmla="*/ 878 h 1036"/>
-                <a:gd name="T8" fmla="*/ 151 w 873"/>
-                <a:gd name="T9" fmla="*/ 746 h 1036"/>
-                <a:gd name="T10" fmla="*/ 167 w 873"/>
-                <a:gd name="T11" fmla="*/ 764 h 1036"/>
-                <a:gd name="T12" fmla="*/ 280 w 873"/>
-                <a:gd name="T13" fmla="*/ 911 h 1036"/>
-                <a:gd name="T14" fmla="*/ 435 w 873"/>
-                <a:gd name="T15" fmla="*/ 964 h 1036"/>
-                <a:gd name="T16" fmla="*/ 466 w 873"/>
-                <a:gd name="T17" fmla="*/ 913 h 1036"/>
-                <a:gd name="T18" fmla="*/ 696 w 873"/>
-                <a:gd name="T19" fmla="*/ 846 h 1036"/>
-                <a:gd name="T20" fmla="*/ 762 w 873"/>
-                <a:gd name="T21" fmla="*/ 639 h 1036"/>
-                <a:gd name="T22" fmla="*/ 639 w 873"/>
-                <a:gd name="T23" fmla="*/ 496 h 1036"/>
-                <a:gd name="T24" fmla="*/ 650 w 873"/>
-                <a:gd name="T25" fmla="*/ 490 h 1036"/>
-                <a:gd name="T26" fmla="*/ 676 w 873"/>
-                <a:gd name="T27" fmla="*/ 443 h 1036"/>
-                <a:gd name="T28" fmla="*/ 650 w 873"/>
-                <a:gd name="T29" fmla="*/ 416 h 1036"/>
-                <a:gd name="T30" fmla="*/ 650 w 873"/>
-                <a:gd name="T31" fmla="*/ 401 h 1036"/>
-                <a:gd name="T32" fmla="*/ 766 w 873"/>
-                <a:gd name="T33" fmla="*/ 311 h 1036"/>
-                <a:gd name="T34" fmla="*/ 837 w 873"/>
-                <a:gd name="T35" fmla="*/ 325 h 1036"/>
-                <a:gd name="T36" fmla="*/ 837 w 873"/>
-                <a:gd name="T37" fmla="*/ 325 h 1036"/>
-                <a:gd name="T38" fmla="*/ 863 w 873"/>
-                <a:gd name="T39" fmla="*/ 362 h 1036"/>
-                <a:gd name="T40" fmla="*/ 858 w 873"/>
-                <a:gd name="T41" fmla="*/ 317 h 1036"/>
-                <a:gd name="T42" fmla="*/ 861 w 873"/>
-                <a:gd name="T43" fmla="*/ 281 h 1036"/>
-                <a:gd name="T44" fmla="*/ 677 w 873"/>
-                <a:gd name="T45" fmla="*/ 218 h 1036"/>
-                <a:gd name="T46" fmla="*/ 613 w 873"/>
-                <a:gd name="T47" fmla="*/ 265 h 1036"/>
-                <a:gd name="T48" fmla="*/ 474 w 873"/>
-                <a:gd name="T49" fmla="*/ 462 h 1036"/>
-                <a:gd name="T50" fmla="*/ 446 w 873"/>
-                <a:gd name="T51" fmla="*/ 482 h 1036"/>
-                <a:gd name="T52" fmla="*/ 227 w 873"/>
-                <a:gd name="T53" fmla="*/ 529 h 1036"/>
-                <a:gd name="T54" fmla="*/ 204 w 873"/>
-                <a:gd name="T55" fmla="*/ 507 h 1036"/>
-                <a:gd name="T56" fmla="*/ 256 w 873"/>
-                <a:gd name="T57" fmla="*/ 298 h 1036"/>
-                <a:gd name="T58" fmla="*/ 306 w 873"/>
-                <a:gd name="T59" fmla="*/ 72 h 1036"/>
-                <a:gd name="T60" fmla="*/ 256 w 873"/>
-                <a:gd name="T61" fmla="*/ 12 h 1036"/>
-                <a:gd name="T62" fmla="*/ 217 w 873"/>
-                <a:gd name="T63" fmla="*/ 37 h 1036"/>
-                <a:gd name="T64" fmla="*/ 173 w 873"/>
-                <a:gd name="T65" fmla="*/ 140 h 1036"/>
-                <a:gd name="T66" fmla="*/ 88 w 873"/>
-                <a:gd name="T67" fmla="*/ 513 h 1036"/>
-                <a:gd name="T68" fmla="*/ 57 w 873"/>
-                <a:gd name="T69" fmla="*/ 633 h 1036"/>
-                <a:gd name="T70" fmla="*/ 14 w 873"/>
-                <a:gd name="T71" fmla="*/ 1009 h 1036"/>
-                <a:gd name="T72" fmla="*/ 431 w 873"/>
-                <a:gd name="T73" fmla="*/ 585 h 1036"/>
-                <a:gd name="T74" fmla="*/ 442 w 873"/>
-                <a:gd name="T75" fmla="*/ 583 h 1036"/>
-                <a:gd name="T76" fmla="*/ 566 w 873"/>
-                <a:gd name="T77" fmla="*/ 617 h 1036"/>
-                <a:gd name="T78" fmla="*/ 617 w 873"/>
-                <a:gd name="T79" fmla="*/ 656 h 1036"/>
-                <a:gd name="T80" fmla="*/ 629 w 873"/>
-                <a:gd name="T81" fmla="*/ 754 h 1036"/>
-                <a:gd name="T82" fmla="*/ 521 w 873"/>
-                <a:gd name="T83" fmla="*/ 826 h 1036"/>
-                <a:gd name="T84" fmla="*/ 469 w 873"/>
-                <a:gd name="T85" fmla="*/ 873 h 1036"/>
-                <a:gd name="T86" fmla="*/ 456 w 873"/>
-                <a:gd name="T87" fmla="*/ 875 h 1036"/>
-                <a:gd name="T88" fmla="*/ 440 w 873"/>
-                <a:gd name="T89" fmla="*/ 881 h 1036"/>
-                <a:gd name="T90" fmla="*/ 440 w 873"/>
-                <a:gd name="T91" fmla="*/ 881 h 1036"/>
-                <a:gd name="T92" fmla="*/ 440 w 873"/>
-                <a:gd name="T93" fmla="*/ 881 h 1036"/>
-                <a:gd name="T94" fmla="*/ 370 w 873"/>
-                <a:gd name="T95" fmla="*/ 820 h 1036"/>
-                <a:gd name="T96" fmla="*/ 313 w 873"/>
-                <a:gd name="T97" fmla="*/ 762 h 1036"/>
-                <a:gd name="T98" fmla="*/ 205 w 873"/>
-                <a:gd name="T99" fmla="*/ 650 h 1036"/>
-                <a:gd name="T100" fmla="*/ 431 w 873"/>
-                <a:gd name="T101" fmla="*/ 585 h 1036"/>
-              </a:gdLst>
-              <a:ahLst/>
-              <a:cxnLst>
-                <a:cxn ang="0">
-                  <a:pos x="T0" y="T1"/>
-                </a:cxn>
-                <a:cxn ang="0">
-                  <a:pos x="T2" y="T3"/>
-                </a:cxn>
-                <a:cxn ang="0">
-                  <a:pos x="T4" y="T5"/>
-                </a:cxn>
-                <a:cxn ang="0">
-                  <a:pos x="T6" y="T7"/>
-                </a:cxn>
-                <a:cxn ang="0">
-                  <a:pos x="T8" y="T9"/>
-                </a:cxn>
-                <a:cxn ang="0">
-                  <a:pos x="T10" y="T11"/>
-                </a:cxn>
-                <a:cxn ang="0">
-                  <a:pos x="T12" y="T13"/>
-                </a:cxn>
-                <a:cxn ang="0">
-                  <a:pos x="T14" y="T15"/>
-                </a:cxn>
-                <a:cxn ang="0">
-                  <a:pos x="T16" y="T17"/>
-                </a:cxn>
-                <a:cxn ang="0">
-                  <a:pos x="T18" y="T19"/>
-                </a:cxn>
-                <a:cxn ang="0">
-                  <a:pos x="T20" y="T21"/>
-                </a:cxn>
-                <a:cxn ang="0">
-                  <a:pos x="T22" y="T23"/>
-                </a:cxn>
-                <a:cxn ang="0">
-                  <a:pos x="T24" y="T25"/>
-                </a:cxn>
-                <a:cxn ang="0">
-                  <a:pos x="T26" y="T27"/>
-                </a:cxn>
-                <a:cxn ang="0">
-                  <a:pos x="T28" y="T29"/>
-                </a:cxn>
-                <a:cxn ang="0">
-                  <a:pos x="T30" y="T31"/>
-                </a:cxn>
-                <a:cxn ang="0">
-                  <a:pos x="T32" y="T33"/>
-                </a:cxn>
-                <a:cxn ang="0">
-                  <a:pos x="T34" y="T35"/>
-                </a:cxn>
-                <a:cxn ang="0">
-                  <a:pos x="T36" y="T37"/>
-                </a:cxn>
-                <a:cxn ang="0">
-                  <a:pos x="T38" y="T39"/>
-                </a:cxn>
-                <a:cxn ang="0">
-                  <a:pos x="T40" y="T41"/>
-                </a:cxn>
-                <a:cxn ang="0">
-                  <a:pos x="T42" y="T43"/>
-                </a:cxn>
-                <a:cxn ang="0">
-                  <a:pos x="T44" y="T45"/>
-                </a:cxn>
-                <a:cxn ang="0">
-                  <a:pos x="T46" y="T47"/>
-                </a:cxn>
-                <a:cxn ang="0">
-                  <a:pos x="T48" y="T49"/>
-                </a:cxn>
-                <a:cxn ang="0">
-                  <a:pos x="T50" y="T51"/>
-                </a:cxn>
-                <a:cxn ang="0">
-                  <a:pos x="T52" y="T53"/>
-                </a:cxn>
-                <a:cxn ang="0">
-                  <a:pos x="T54" y="T55"/>
-                </a:cxn>
-                <a:cxn ang="0">
-                  <a:pos x="T56" y="T57"/>
-                </a:cxn>
-                <a:cxn ang="0">
-                  <a:pos x="T58" y="T59"/>
-                </a:cxn>
-                <a:cxn ang="0">
-                  <a:pos x="T60" y="T61"/>
-                </a:cxn>
-                <a:cxn ang="0">
-                  <a:pos x="T62" y="T63"/>
-                </a:cxn>
-                <a:cxn ang="0">
-                  <a:pos x="T64" y="T65"/>
-                </a:cxn>
-                <a:cxn ang="0">
-                  <a:pos x="T66" y="T67"/>
-                </a:cxn>
-                <a:cxn ang="0">
-                  <a:pos x="T68" y="T69"/>
-                </a:cxn>
-                <a:cxn ang="0">
-                  <a:pos x="T70" y="T71"/>
-                </a:cxn>
-                <a:cxn ang="0">
-                  <a:pos x="T72" y="T73"/>
-                </a:cxn>
-                <a:cxn ang="0">
-                  <a:pos x="T74" y="T75"/>
-                </a:cxn>
-                <a:cxn ang="0">
-                  <a:pos x="T76" y="T77"/>
-                </a:cxn>
-                <a:cxn ang="0">
-                  <a:pos x="T78" y="T79"/>
-                </a:cxn>
-                <a:cxn ang="0">
-                  <a:pos x="T80" y="T81"/>
-                </a:cxn>
-                <a:cxn ang="0">
-                  <a:pos x="T82" y="T83"/>
-                </a:cxn>
-                <a:cxn ang="0">
-                  <a:pos x="T84" y="T85"/>
-                </a:cxn>
-                <a:cxn ang="0">
-                  <a:pos x="T86" y="T87"/>
-                </a:cxn>
-                <a:cxn ang="0">
-                  <a:pos x="T88" y="T89"/>
-                </a:cxn>
-                <a:cxn ang="0">
-                  <a:pos x="T90" y="T91"/>
-                </a:cxn>
-                <a:cxn ang="0">
-                  <a:pos x="T92" y="T93"/>
-                </a:cxn>
-                <a:cxn ang="0">
-                  <a:pos x="T94" y="T95"/>
-                </a:cxn>
-                <a:cxn ang="0">
-                  <a:pos x="T96" y="T97"/>
-                </a:cxn>
-                <a:cxn ang="0">
-                  <a:pos x="T98" y="T99"/>
-                </a:cxn>
-                <a:cxn ang="0">
-                  <a:pos x="T100" y="T101"/>
-                </a:cxn>
-              </a:cxnLst>
-              <a:rect l="0" t="0" r="r" b="b"/>
-              <a:pathLst>
-                <a:path w="873" h="1036">
-                  <a:moveTo>
-                    <a:pt x="14" y="1009"/>
-                  </a:moveTo>
-                  <a:cubicBezTo>
-                    <a:pt x="14" y="1015"/>
-                    <a:pt x="9" y="1032"/>
-                    <a:pt x="20" y="1026"/>
-                  </a:cubicBezTo>
-                  <a:cubicBezTo>
-                    <a:pt x="29" y="1021"/>
-                    <a:pt x="33" y="1036"/>
-                    <a:pt x="44" y="1024"/>
-                  </a:cubicBezTo>
-                  <a:cubicBezTo>
-                    <a:pt x="83" y="982"/>
-                    <a:pt x="105" y="933"/>
-                    <a:pt x="118" y="878"/>
-                  </a:cubicBezTo>
-                  <a:cubicBezTo>
-                    <a:pt x="129" y="836"/>
-                    <a:pt x="139" y="793"/>
-                    <a:pt x="151" y="746"/>
-                  </a:cubicBezTo>
-                  <a:cubicBezTo>
-                    <a:pt x="159" y="755"/>
-                    <a:pt x="164" y="759"/>
-                    <a:pt x="167" y="764"/>
-                  </a:cubicBezTo>
-                  <a:cubicBezTo>
-                    <a:pt x="205" y="813"/>
-                    <a:pt x="243" y="862"/>
-                    <a:pt x="280" y="911"/>
-                  </a:cubicBezTo>
-                  <a:cubicBezTo>
-                    <a:pt x="320" y="964"/>
-                    <a:pt x="374" y="978"/>
-                    <a:pt x="435" y="964"/>
-                  </a:cubicBezTo>
-                  <a:cubicBezTo>
-                    <a:pt x="460" y="959"/>
-                    <a:pt x="488" y="949"/>
-                    <a:pt x="466" y="913"/>
-                  </a:cubicBezTo>
-                  <a:cubicBezTo>
-                    <a:pt x="550" y="909"/>
-                    <a:pt x="628" y="898"/>
-                    <a:pt x="696" y="846"/>
-                  </a:cubicBezTo>
-                  <a:cubicBezTo>
-                    <a:pt x="763" y="796"/>
-                    <a:pt x="789" y="719"/>
-                    <a:pt x="762" y="639"/>
-                  </a:cubicBezTo>
-                  <a:cubicBezTo>
-                    <a:pt x="741" y="574"/>
-                    <a:pt x="691" y="535"/>
-                    <a:pt x="639" y="496"/>
-                  </a:cubicBezTo>
-                  <a:cubicBezTo>
-                    <a:pt x="644" y="494"/>
-                    <a:pt x="647" y="492"/>
-                    <a:pt x="650" y="490"/>
-                  </a:cubicBezTo>
-                  <a:cubicBezTo>
-                    <a:pt x="665" y="478"/>
-                    <a:pt x="673" y="460"/>
-                    <a:pt x="676" y="443"/>
-                  </a:cubicBezTo>
-                  <a:cubicBezTo>
-                    <a:pt x="679" y="429"/>
-                    <a:pt x="671" y="415"/>
-                    <a:pt x="650" y="416"/>
-                  </a:cubicBezTo>
-                  <a:cubicBezTo>
-                    <a:pt x="643" y="416"/>
-                    <a:pt x="646" y="404"/>
-                    <a:pt x="650" y="401"/>
-                  </a:cubicBezTo>
-                  <a:cubicBezTo>
-                    <a:pt x="689" y="371"/>
-                    <a:pt x="702" y="310"/>
-                    <a:pt x="766" y="311"/>
-                  </a:cubicBezTo>
-                  <a:cubicBezTo>
-                    <a:pt x="791" y="312"/>
-                    <a:pt x="813" y="322"/>
-                    <a:pt x="837" y="325"/>
-                  </a:cubicBezTo>
-                  <a:cubicBezTo>
-                    <a:pt x="837" y="325"/>
-                    <a:pt x="837" y="325"/>
-                    <a:pt x="837" y="325"/>
-                  </a:cubicBezTo>
-                  <a:cubicBezTo>
-                    <a:pt x="840" y="341"/>
-                    <a:pt x="860" y="345"/>
-                    <a:pt x="863" y="362"/>
-                  </a:cubicBezTo>
-                  <a:cubicBezTo>
-                    <a:pt x="870" y="345"/>
-                    <a:pt x="868" y="331"/>
-                    <a:pt x="858" y="317"/>
-                  </a:cubicBezTo>
-                  <a:cubicBezTo>
-                    <a:pt x="873" y="306"/>
-                    <a:pt x="868" y="294"/>
-                    <a:pt x="861" y="281"/>
-                  </a:cubicBezTo>
-                  <a:cubicBezTo>
-                    <a:pt x="835" y="230"/>
-                    <a:pt x="755" y="177"/>
-                    <a:pt x="677" y="218"/>
-                  </a:cubicBezTo>
-                  <a:cubicBezTo>
-                    <a:pt x="653" y="231"/>
-                    <a:pt x="632" y="246"/>
-                    <a:pt x="613" y="265"/>
-                  </a:cubicBezTo>
-                  <a:cubicBezTo>
-                    <a:pt x="555" y="322"/>
-                    <a:pt x="490" y="375"/>
-                    <a:pt x="474" y="462"/>
-                  </a:cubicBezTo>
-                  <a:cubicBezTo>
-                    <a:pt x="470" y="480"/>
-                    <a:pt x="457" y="478"/>
-                    <a:pt x="446" y="482"/>
-                  </a:cubicBezTo>
-                  <a:cubicBezTo>
-                    <a:pt x="374" y="504"/>
-                    <a:pt x="301" y="514"/>
-                    <a:pt x="227" y="529"/>
-                  </a:cubicBezTo>
-                  <a:cubicBezTo>
-                    <a:pt x="205" y="533"/>
-                    <a:pt x="200" y="526"/>
-                    <a:pt x="204" y="507"/>
-                  </a:cubicBezTo>
-                  <a:cubicBezTo>
-                    <a:pt x="221" y="437"/>
-                    <a:pt x="236" y="367"/>
-                    <a:pt x="256" y="298"/>
-                  </a:cubicBezTo>
-                  <a:cubicBezTo>
-                    <a:pt x="277" y="223"/>
-                    <a:pt x="288" y="147"/>
-                    <a:pt x="306" y="72"/>
-                  </a:cubicBezTo>
-                  <a:cubicBezTo>
-                    <a:pt x="315" y="32"/>
-                    <a:pt x="281" y="24"/>
-                    <a:pt x="256" y="12"/>
-                  </a:cubicBezTo>
-                  <a:cubicBezTo>
-                    <a:pt x="233" y="0"/>
-                    <a:pt x="226" y="24"/>
-                    <a:pt x="217" y="37"/>
-                  </a:cubicBezTo>
-                  <a:cubicBezTo>
-                    <a:pt x="194" y="68"/>
-                    <a:pt x="181" y="103"/>
-                    <a:pt x="173" y="140"/>
-                  </a:cubicBezTo>
-                  <a:cubicBezTo>
-                    <a:pt x="145" y="265"/>
-                    <a:pt x="120" y="390"/>
-                    <a:pt x="88" y="513"/>
-                  </a:cubicBezTo>
-                  <a:cubicBezTo>
-                    <a:pt x="77" y="553"/>
-                    <a:pt x="64" y="591"/>
-                    <a:pt x="57" y="633"/>
-                  </a:cubicBezTo>
-                  <a:cubicBezTo>
-                    <a:pt x="35" y="758"/>
-                    <a:pt x="0" y="881"/>
-                    <a:pt x="14" y="1009"/>
-                  </a:cubicBezTo>
-                  <a:close/>
-                  <a:moveTo>
-                    <a:pt x="431" y="585"/>
-                  </a:moveTo>
-                  <a:cubicBezTo>
-                    <a:pt x="435" y="585"/>
-                    <a:pt x="439" y="585"/>
-                    <a:pt x="442" y="583"/>
-                  </a:cubicBezTo>
-                  <a:cubicBezTo>
-                    <a:pt x="498" y="542"/>
-                    <a:pt x="531" y="579"/>
-                    <a:pt x="566" y="617"/>
-                  </a:cubicBezTo>
-                  <a:cubicBezTo>
-                    <a:pt x="580" y="633"/>
-                    <a:pt x="598" y="647"/>
-                    <a:pt x="617" y="656"/>
-                  </a:cubicBezTo>
-                  <a:cubicBezTo>
-                    <a:pt x="666" y="679"/>
-                    <a:pt x="659" y="719"/>
-                    <a:pt x="629" y="754"/>
-                  </a:cubicBezTo>
-                  <a:cubicBezTo>
-                    <a:pt x="601" y="788"/>
-                    <a:pt x="559" y="807"/>
-                    <a:pt x="521" y="826"/>
-                  </a:cubicBezTo>
-                  <a:cubicBezTo>
-                    <a:pt x="497" y="838"/>
-                    <a:pt x="475" y="843"/>
-                    <a:pt x="469" y="873"/>
-                  </a:cubicBezTo>
-                  <a:cubicBezTo>
-                    <a:pt x="469" y="874"/>
-                    <a:pt x="461" y="874"/>
-                    <a:pt x="456" y="875"/>
-                  </a:cubicBezTo>
-                  <a:cubicBezTo>
-                    <a:pt x="451" y="877"/>
-                    <a:pt x="445" y="879"/>
-                    <a:pt x="440" y="881"/>
-                  </a:cubicBezTo>
-                  <a:cubicBezTo>
-                    <a:pt x="440" y="881"/>
-                    <a:pt x="440" y="881"/>
-                    <a:pt x="440" y="881"/>
-                  </a:cubicBezTo>
-                  <a:cubicBezTo>
-                    <a:pt x="440" y="881"/>
-                    <a:pt x="440" y="881"/>
-                    <a:pt x="440" y="881"/>
-                  </a:cubicBezTo>
-                  <a:cubicBezTo>
-                    <a:pt x="428" y="848"/>
-                    <a:pt x="393" y="841"/>
-                    <a:pt x="370" y="820"/>
-                  </a:cubicBezTo>
-                  <a:cubicBezTo>
-                    <a:pt x="350" y="802"/>
-                    <a:pt x="331" y="783"/>
-                    <a:pt x="313" y="762"/>
-                  </a:cubicBezTo>
-                  <a:cubicBezTo>
-                    <a:pt x="280" y="723"/>
-                    <a:pt x="241" y="688"/>
-                    <a:pt x="205" y="650"/>
-                  </a:cubicBezTo>
-                  <a:cubicBezTo>
-                    <a:pt x="278" y="625"/>
-                    <a:pt x="353" y="599"/>
-                    <a:pt x="431" y="585"/>
-                  </a:cubicBezTo>
-                  <a:close/>
-                </a:path>
-              </a:pathLst>
-            </a:custGeom>
-            <a:grpFill/>
-            <a:ln>
-              <a:noFill/>
-            </a:ln>
-          </p:spPr>
-          <p:txBody>
-            <a:bodyPr vert="horz" wrap="square" lIns="91440" tIns="45720" rIns="91440" bIns="45720" numCol="1" anchor="t" anchorCtr="0" compatLnSpc="1">
-              <a:prstTxWarp prst="textNoShape">
-                <a:avLst/>
-              </a:prstTxWarp>
-            </a:bodyPr>
-            <a:lstStyle/>
-            <a:p>
-              <a:endParaRPr lang="zh-CN" altLang="en-US"/>
-            </a:p>
-          </p:txBody>
-        </p:sp>
-      </p:grpSp>
-    </p:spTree>
-    <p:extLst>
-      <p:ext uri="{BB962C8B-B14F-4D97-AF65-F5344CB8AC3E}">
-        <p14:creationId xmlns="" xmlns:p14="http://schemas.microsoft.com/office/powerpoint/2010/main" val="1259043032"/>
+        <p14:creationId xmlns:p14="http://schemas.microsoft.com/office/powerpoint/2010/main" xmlns="" val="1236087829"/>
       </p:ext>
     </p:extLst>
   </p:cSld>
@@ -10416,7 +11046,7 @@
   <a:extraClrSchemeLst/>
   <a:extLst>
     <a:ext uri="{05A4C25C-085E-4340-85A3-A5531E510DB2}">
-      <thm15:themeFamily xmlns="" xmlns:thm15="http://schemas.microsoft.com/office/thememl/2012/main" name="主题5" id="{B8EDB911-D765-4A7B-BBC7-40DBB672FBA6}" vid="{AECAB1C0-5DF6-436C-85E8-20094DBE11C0}"/>
+      <thm15:themeFamily xmlns:thm15="http://schemas.microsoft.com/office/thememl/2012/main" xmlns="" name="主题5" id="{B8EDB911-D765-4A7B-BBC7-40DBB672FBA6}" vid="{AECAB1C0-5DF6-436C-85E8-20094DBE11C0}"/>
     </a:ext>
   </a:extLst>
 </a:theme>
@@ -10677,7 +11307,7 @@
   <a:extraClrSchemeLst/>
   <a:extLst>
     <a:ext uri="{05A4C25C-085E-4340-85A3-A5531E510DB2}">
-      <thm15:themeFamily xmlns="" xmlns:thm15="http://schemas.microsoft.com/office/thememl/2012/main" name="Office Theme" id="{62F939B6-93AF-4DB8-9C6B-D6C7DFDC589F}" vid="{4A3C46E8-61CC-4603-A589-7422A47A8E4A}"/>
+      <thm15:themeFamily xmlns:thm15="http://schemas.microsoft.com/office/thememl/2012/main" xmlns="" name="Office Theme" id="{62F939B6-93AF-4DB8-9C6B-D6C7DFDC589F}" vid="{4A3C46E8-61CC-4603-A589-7422A47A8E4A}"/>
     </a:ext>
   </a:extLst>
 </a:theme>

--- a/share/草稿/备份/分享.pptx
+++ b/share/草稿/备份/分享.pptx
@@ -211,7 +211,7 @@
             <a:fld id="{E86D8963-CFCD-4740-AF60-049850373CDF}" type="datetimeFigureOut">
               <a:rPr lang="zh-CN" altLang="en-US" smtClean="0"/>
               <a:pPr/>
-              <a:t>2019/6/24</a:t>
+              <a:t>2019/6/27</a:t>
             </a:fld>
             <a:endParaRPr lang="zh-CN" altLang="en-US"/>
           </a:p>
@@ -1154,7 +1154,7 @@
             <a:fld id="{6489D9C7-5DC6-4263-87FF-7C99F6FB63C3}" type="datetime1">
               <a:rPr lang="zh-CN" altLang="en-US" smtClean="0"/>
               <a:pPr/>
-              <a:t>2019/6/24</a:t>
+              <a:t>2019/6/27</a:t>
             </a:fld>
             <a:endParaRPr lang="zh-CN" altLang="en-US"/>
           </a:p>
@@ -1278,7 +1278,7 @@
             <a:fld id="{6489D9C7-5DC6-4263-87FF-7C99F6FB63C3}" type="datetime1">
               <a:rPr lang="zh-CN" altLang="en-US" smtClean="0"/>
               <a:pPr/>
-              <a:t>2019/6/24</a:t>
+              <a:t>2019/6/27</a:t>
             </a:fld>
             <a:endParaRPr lang="zh-CN" altLang="en-US"/>
           </a:p>
@@ -1803,7 +1803,7 @@
             <a:fld id="{6489D9C7-5DC6-4263-87FF-7C99F6FB63C3}" type="datetime1">
               <a:rPr lang="zh-CN" altLang="en-US" smtClean="0"/>
               <a:pPr/>
-              <a:t>2019/6/24</a:t>
+              <a:t>2019/6/27</a:t>
             </a:fld>
             <a:endParaRPr lang="zh-CN" altLang="en-US"/>
           </a:p>
@@ -2357,7 +2357,7 @@
           <a:p>
             <a:r>
               <a:rPr lang="en-US" altLang="zh-CN" dirty="0" smtClean="0"/>
-              <a:t>2019.06.13</a:t>
+              <a:t>2019.06.27</a:t>
             </a:r>
             <a:endParaRPr lang="en-US" altLang="en-US" dirty="0"/>
           </a:p>
@@ -3313,7 +3313,7 @@
       </p:cxnSp>
       <p:pic>
         <p:nvPicPr>
-          <p:cNvPr id="1026" name="Picture 2"/>
+          <p:cNvPr id="1027" name="Picture 3"/>
           <p:cNvPicPr>
             <a:picLocks noChangeAspect="1" noChangeArrowheads="1"/>
           </p:cNvPicPr>
@@ -3328,8 +3328,8 @@
         </p:blipFill>
         <p:spPr bwMode="auto">
           <a:xfrm>
-            <a:off x="730735" y="2992900"/>
-            <a:ext cx="4497481" cy="2614299"/>
+            <a:off x="7136187" y="2914967"/>
+            <a:ext cx="4277678" cy="2157993"/>
           </a:xfrm>
           <a:prstGeom prst="rect">
             <a:avLst/>
@@ -3346,7 +3346,7 @@
       </p:pic>
       <p:pic>
         <p:nvPicPr>
-          <p:cNvPr id="1027" name="Picture 3"/>
+          <p:cNvPr id="4" name="Picture 3"/>
           <p:cNvPicPr>
             <a:picLocks noChangeAspect="1" noChangeArrowheads="1"/>
           </p:cNvPicPr>
@@ -3361,8 +3361,8 @@
         </p:blipFill>
         <p:spPr bwMode="auto">
           <a:xfrm>
-            <a:off x="7136187" y="2914967"/>
-            <a:ext cx="4277678" cy="2157993"/>
+            <a:off x="707427" y="2778122"/>
+            <a:ext cx="4316393" cy="4079878"/>
           </a:xfrm>
           <a:prstGeom prst="rect">
             <a:avLst/>
@@ -9512,9 +9512,9 @@
         <p:grpSpPr>
           <a:xfrm>
             <a:off x="673288" y="1388845"/>
-            <a:ext cx="3680600" cy="1989056"/>
+            <a:ext cx="3680600" cy="3699522"/>
             <a:chOff x="660400" y="1560626"/>
-            <a:chExt cx="3680600" cy="1953122"/>
+            <a:chExt cx="3680600" cy="3632688"/>
           </a:xfrm>
         </p:grpSpPr>
         <p:grpSp>
@@ -9532,9 +9532,9 @@
           <p:grpSpPr>
             <a:xfrm>
               <a:off x="660400" y="1560626"/>
-              <a:ext cx="3421582" cy="1953122"/>
+              <a:ext cx="3421582" cy="3632688"/>
               <a:chOff x="8211000" y="1130300"/>
-              <a:chExt cx="3307900" cy="1953122"/>
+              <a:chExt cx="3307900" cy="3632688"/>
             </a:xfrm>
           </p:grpSpPr>
           <p:sp>
@@ -9681,7 +9681,7 @@
                 </a:pPr>
                 <a:r>
                   <a:rPr lang="zh-CN" altLang="en-US" sz="2000" b="1" dirty="0" smtClean="0"/>
-                  <a:t>返回的数据结构</a:t>
+                  <a:t>返回的数据结构及字段</a:t>
                 </a:r>
                 <a:endParaRPr lang="en-US" altLang="zh-CN" sz="2000" b="1" dirty="0"/>
               </a:p>
@@ -9702,7 +9702,7 @@
             <p:spPr bwMode="auto">
               <a:xfrm>
                 <a:off x="8211000" y="1572106"/>
-                <a:ext cx="3307900" cy="1511316"/>
+                <a:ext cx="3307900" cy="3190882"/>
               </a:xfrm>
               <a:prstGeom prst="rect">
                 <a:avLst/>
@@ -9854,7 +9854,7 @@
                 </a:pPr>
                 <a:r>
                   <a:rPr lang="zh-CN" altLang="en-US" sz="1300" dirty="0" smtClean="0"/>
-                  <a:t>如果没有值，要返回默认值</a:t>
+                  <a:t>如果某个字段为空，不要省略该字段不返回，要返回默认值</a:t>
                 </a:r>
                 <a:endParaRPr lang="en-US" altLang="zh-CN" sz="1300" dirty="0" smtClean="0"/>
               </a:p>
@@ -9869,6 +9869,28 @@
                 <a:r>
                   <a:rPr lang="zh-CN" altLang="en-US" sz="1300" dirty="0" smtClean="0"/>
                   <a:t>统一的数据结构</a:t>
+                </a:r>
+                <a:endParaRPr lang="en-US" altLang="zh-CN" sz="1300" dirty="0" smtClean="0"/>
+              </a:p>
+              <a:p>
+                <a:pPr marL="171450" indent="-171450">
+                  <a:lnSpc>
+                    <a:spcPct val="150000"/>
+                  </a:lnSpc>
+                  <a:buFont typeface="Arial" panose="020B0604020202020204" pitchFamily="34" charset="0"/>
+                  <a:buChar char="•"/>
+                </a:pPr>
+                <a:r>
+                  <a:rPr lang="zh-CN" altLang="en-US" sz="1300" dirty="0" smtClean="0"/>
+                  <a:t>如果接口请求失败，要返回错误类型，如‘密码错误’、‘未授权’。或确定</a:t>
+                </a:r>
+                <a:r>
+                  <a:rPr lang="en-US" altLang="zh-CN" sz="1300" dirty="0" smtClean="0"/>
+                  <a:t>code</a:t>
+                </a:r>
+                <a:r>
+                  <a:rPr lang="zh-CN" altLang="en-US" sz="1300" dirty="0" smtClean="0"/>
+                  <a:t>码，前端做错误提示，不要统一返回 ‘请求失败’</a:t>
                 </a:r>
                 <a:endParaRPr lang="en-US" altLang="zh-CN" sz="1300" dirty="0"/>
               </a:p>
@@ -9937,9 +9959,9 @@
         <p:grpSpPr>
           <a:xfrm>
             <a:off x="7723991" y="1388845"/>
-            <a:ext cx="3794721" cy="1634054"/>
+            <a:ext cx="3794721" cy="4076040"/>
             <a:chOff x="7850260" y="1130300"/>
-            <a:chExt cx="3668642" cy="1634054"/>
+            <a:chExt cx="3668642" cy="4076040"/>
           </a:xfrm>
         </p:grpSpPr>
         <p:sp>
@@ -10107,7 +10129,7 @@
           <p:spPr bwMode="auto">
             <a:xfrm>
               <a:off x="7850260" y="1572106"/>
-              <a:ext cx="3668642" cy="1192248"/>
+              <a:ext cx="3668642" cy="3634234"/>
             </a:xfrm>
             <a:prstGeom prst="rect">
               <a:avLst/>
@@ -10259,7 +10281,27 @@
               </a:pPr>
               <a:r>
                 <a:rPr lang="zh-CN" altLang="en-US" sz="1300" dirty="0" smtClean="0"/>
-                <a:t>统一类型的接口要统一入参，如列表分页参数</a:t>
+                <a:t>同一类型的接口要统一入参，如列表分页参数</a:t>
+              </a:r>
+              <a:r>
+                <a:rPr lang="en-US" sz="1400" dirty="0" err="1" smtClean="0"/>
+                <a:t>pageNum</a:t>
+              </a:r>
+              <a:r>
+                <a:rPr lang="zh-CN" altLang="en-US" sz="1400" dirty="0" smtClean="0"/>
+                <a:t>、</a:t>
+              </a:r>
+              <a:r>
+                <a:rPr lang="en-US" altLang="zh-CN" sz="1400" dirty="0" err="1" smtClean="0"/>
+                <a:t>pageNumber</a:t>
+              </a:r>
+              <a:r>
+                <a:rPr lang="zh-CN" altLang="en-US" sz="1400" dirty="0" smtClean="0"/>
+                <a:t>、</a:t>
+              </a:r>
+              <a:r>
+                <a:rPr lang="en-US" altLang="zh-CN" sz="1400" dirty="0" err="1" smtClean="0"/>
+                <a:t>pageNo</a:t>
               </a:r>
               <a:endParaRPr lang="en-US" altLang="zh-CN" sz="1300" dirty="0" smtClean="0"/>
             </a:p>
